--- a/BonusFaceFiles/EditableFiles/WhiteBaxterFaces.pptx
+++ b/BonusFaceFiles/EditableFiles/WhiteBaxterFaces.pptx
@@ -35,28 +35,33 @@
     <p:sldId id="283" r:id="rId29"/>
     <p:sldId id="284" r:id="rId30"/>
     <p:sldId id="285" r:id="rId31"/>
-    <p:sldId id="286" r:id="rId32"/>
-    <p:sldId id="287" r:id="rId33"/>
-    <p:sldId id="288" r:id="rId34"/>
-    <p:sldId id="289" r:id="rId35"/>
-    <p:sldId id="290" r:id="rId36"/>
-    <p:sldId id="291" r:id="rId37"/>
-    <p:sldId id="292" r:id="rId38"/>
-    <p:sldId id="293" r:id="rId39"/>
-    <p:sldId id="294" r:id="rId40"/>
-    <p:sldId id="295" r:id="rId41"/>
-    <p:sldId id="296" r:id="rId42"/>
-    <p:sldId id="297" r:id="rId43"/>
-    <p:sldId id="298" r:id="rId44"/>
-    <p:sldId id="299" r:id="rId45"/>
-    <p:sldId id="300" r:id="rId46"/>
-    <p:sldId id="301" r:id="rId47"/>
-    <p:sldId id="302" r:id="rId48"/>
-    <p:sldId id="303" r:id="rId49"/>
-    <p:sldId id="304" r:id="rId50"/>
-    <p:sldId id="305" r:id="rId51"/>
-    <p:sldId id="306" r:id="rId52"/>
-    <p:sldId id="307" r:id="rId53"/>
+    <p:sldId id="308" r:id="rId32"/>
+    <p:sldId id="309" r:id="rId33"/>
+    <p:sldId id="310" r:id="rId34"/>
+    <p:sldId id="311" r:id="rId35"/>
+    <p:sldId id="312" r:id="rId36"/>
+    <p:sldId id="286" r:id="rId37"/>
+    <p:sldId id="287" r:id="rId38"/>
+    <p:sldId id="288" r:id="rId39"/>
+    <p:sldId id="289" r:id="rId40"/>
+    <p:sldId id="290" r:id="rId41"/>
+    <p:sldId id="291" r:id="rId42"/>
+    <p:sldId id="292" r:id="rId43"/>
+    <p:sldId id="293" r:id="rId44"/>
+    <p:sldId id="294" r:id="rId45"/>
+    <p:sldId id="295" r:id="rId46"/>
+    <p:sldId id="296" r:id="rId47"/>
+    <p:sldId id="297" r:id="rId48"/>
+    <p:sldId id="298" r:id="rId49"/>
+    <p:sldId id="299" r:id="rId50"/>
+    <p:sldId id="300" r:id="rId51"/>
+    <p:sldId id="301" r:id="rId52"/>
+    <p:sldId id="302" r:id="rId53"/>
+    <p:sldId id="303" r:id="rId54"/>
+    <p:sldId id="304" r:id="rId55"/>
+    <p:sldId id="305" r:id="rId56"/>
+    <p:sldId id="306" r:id="rId57"/>
+    <p:sldId id="307" r:id="rId58"/>
   </p:sldIdLst>
   <p:sldSz cx="9363075" cy="5486400"/>
   <p:notesSz cx="6858000" cy="9144000"/>
@@ -339,7 +344,7 @@
           <a:p>
             <a:fld id="{09886EDF-1C2D-0540-A068-25EC01BD39B7}" type="datetimeFigureOut">
               <a:rPr lang="en-US" smtClean="0"/>
-              <a:t>7/4/16</a:t>
+              <a:t>10/7/16</a:t>
             </a:fld>
             <a:endParaRPr lang="en-US"/>
           </a:p>
@@ -509,7 +514,7 @@
           <a:p>
             <a:fld id="{09886EDF-1C2D-0540-A068-25EC01BD39B7}" type="datetimeFigureOut">
               <a:rPr lang="en-US" smtClean="0"/>
-              <a:t>7/4/16</a:t>
+              <a:t>10/7/16</a:t>
             </a:fld>
             <a:endParaRPr lang="en-US"/>
           </a:p>
@@ -689,7 +694,7 @@
           <a:p>
             <a:fld id="{09886EDF-1C2D-0540-A068-25EC01BD39B7}" type="datetimeFigureOut">
               <a:rPr lang="en-US" smtClean="0"/>
-              <a:t>7/4/16</a:t>
+              <a:t>10/7/16</a:t>
             </a:fld>
             <a:endParaRPr lang="en-US"/>
           </a:p>
@@ -859,7 +864,7 @@
           <a:p>
             <a:fld id="{09886EDF-1C2D-0540-A068-25EC01BD39B7}" type="datetimeFigureOut">
               <a:rPr lang="en-US" smtClean="0"/>
-              <a:t>7/4/16</a:t>
+              <a:t>10/7/16</a:t>
             </a:fld>
             <a:endParaRPr lang="en-US"/>
           </a:p>
@@ -1105,7 +1110,7 @@
           <a:p>
             <a:fld id="{09886EDF-1C2D-0540-A068-25EC01BD39B7}" type="datetimeFigureOut">
               <a:rPr lang="en-US" smtClean="0"/>
-              <a:t>7/4/16</a:t>
+              <a:t>10/7/16</a:t>
             </a:fld>
             <a:endParaRPr lang="en-US"/>
           </a:p>
@@ -1393,7 +1398,7 @@
           <a:p>
             <a:fld id="{09886EDF-1C2D-0540-A068-25EC01BD39B7}" type="datetimeFigureOut">
               <a:rPr lang="en-US" smtClean="0"/>
-              <a:t>7/4/16</a:t>
+              <a:t>10/7/16</a:t>
             </a:fld>
             <a:endParaRPr lang="en-US"/>
           </a:p>
@@ -1815,7 +1820,7 @@
           <a:p>
             <a:fld id="{09886EDF-1C2D-0540-A068-25EC01BD39B7}" type="datetimeFigureOut">
               <a:rPr lang="en-US" smtClean="0"/>
-              <a:t>7/4/16</a:t>
+              <a:t>10/7/16</a:t>
             </a:fld>
             <a:endParaRPr lang="en-US"/>
           </a:p>
@@ -1933,7 +1938,7 @@
           <a:p>
             <a:fld id="{09886EDF-1C2D-0540-A068-25EC01BD39B7}" type="datetimeFigureOut">
               <a:rPr lang="en-US" smtClean="0"/>
-              <a:t>7/4/16</a:t>
+              <a:t>10/7/16</a:t>
             </a:fld>
             <a:endParaRPr lang="en-US"/>
           </a:p>
@@ -2028,7 +2033,7 @@
           <a:p>
             <a:fld id="{09886EDF-1C2D-0540-A068-25EC01BD39B7}" type="datetimeFigureOut">
               <a:rPr lang="en-US" smtClean="0"/>
-              <a:t>7/4/16</a:t>
+              <a:t>10/7/16</a:t>
             </a:fld>
             <a:endParaRPr lang="en-US"/>
           </a:p>
@@ -2305,7 +2310,7 @@
           <a:p>
             <a:fld id="{09886EDF-1C2D-0540-A068-25EC01BD39B7}" type="datetimeFigureOut">
               <a:rPr lang="en-US" smtClean="0"/>
-              <a:t>7/4/16</a:t>
+              <a:t>10/7/16</a:t>
             </a:fld>
             <a:endParaRPr lang="en-US"/>
           </a:p>
@@ -2558,7 +2563,7 @@
           <a:p>
             <a:fld id="{09886EDF-1C2D-0540-A068-25EC01BD39B7}" type="datetimeFigureOut">
               <a:rPr lang="en-US" smtClean="0"/>
-              <a:t>7/4/16</a:t>
+              <a:t>10/7/16</a:t>
             </a:fld>
             <a:endParaRPr lang="en-US"/>
           </a:p>
@@ -2771,7 +2776,7 @@
           <a:p>
             <a:fld id="{09886EDF-1C2D-0540-A068-25EC01BD39B7}" type="datetimeFigureOut">
               <a:rPr lang="en-US" smtClean="0"/>
-              <a:t>7/4/16</a:t>
+              <a:t>10/7/16</a:t>
             </a:fld>
             <a:endParaRPr lang="en-US"/>
           </a:p>
@@ -14862,6 +14867,3361 @@
       </p:grpSpPr>
       <p:grpSp>
         <p:nvGrpSpPr>
+          <p:cNvPr id="21" name="Group 20"/>
+          <p:cNvGrpSpPr/>
+          <p:nvPr/>
+        </p:nvGrpSpPr>
+        <p:grpSpPr>
+          <a:xfrm>
+            <a:off x="3001202" y="3494088"/>
+            <a:ext cx="3685759" cy="855345"/>
+            <a:chOff x="2613014" y="3463608"/>
+            <a:chExt cx="4482465" cy="855345"/>
+          </a:xfrm>
+        </p:grpSpPr>
+        <p:sp>
+          <p:nvSpPr>
+            <p:cNvPr id="22" name="Freeform 21"/>
+            <p:cNvSpPr/>
+            <p:nvPr/>
+          </p:nvSpPr>
+          <p:spPr>
+            <a:xfrm>
+              <a:off x="2613014" y="3867468"/>
+              <a:ext cx="4116070" cy="451485"/>
+            </a:xfrm>
+            <a:custGeom>
+              <a:avLst/>
+              <a:gdLst>
+                <a:gd name="connsiteX0" fmla="*/ 1441 w 4116241"/>
+                <a:gd name="connsiteY0" fmla="*/ 53788 h 452079"/>
+                <a:gd name="connsiteX1" fmla="*/ 566218 w 4116241"/>
+                <a:gd name="connsiteY1" fmla="*/ 430306 h 452079"/>
+                <a:gd name="connsiteX2" fmla="*/ 3470782 w 4116241"/>
+                <a:gd name="connsiteY2" fmla="*/ 363071 h 452079"/>
+                <a:gd name="connsiteX3" fmla="*/ 4116241 w 4116241"/>
+                <a:gd name="connsiteY3" fmla="*/ 0 h 452079"/>
+              </a:gdLst>
+              <a:ahLst/>
+              <a:cxnLst>
+                <a:cxn ang="0">
+                  <a:pos x="connsiteX0" y="connsiteY0"/>
+                </a:cxn>
+                <a:cxn ang="0">
+                  <a:pos x="connsiteX1" y="connsiteY1"/>
+                </a:cxn>
+                <a:cxn ang="0">
+                  <a:pos x="connsiteX2" y="connsiteY2"/>
+                </a:cxn>
+                <a:cxn ang="0">
+                  <a:pos x="connsiteX3" y="connsiteY3"/>
+                </a:cxn>
+              </a:cxnLst>
+              <a:rect l="l" t="t" r="r" b="b"/>
+              <a:pathLst>
+                <a:path w="4116241" h="452079">
+                  <a:moveTo>
+                    <a:pt x="1441" y="53788"/>
+                  </a:moveTo>
+                  <a:cubicBezTo>
+                    <a:pt x="-5283" y="216273"/>
+                    <a:pt x="-12006" y="378759"/>
+                    <a:pt x="566218" y="430306"/>
+                  </a:cubicBezTo>
+                  <a:cubicBezTo>
+                    <a:pt x="1144442" y="481853"/>
+                    <a:pt x="2879112" y="434789"/>
+                    <a:pt x="3470782" y="363071"/>
+                  </a:cubicBezTo>
+                  <a:cubicBezTo>
+                    <a:pt x="4062452" y="291353"/>
+                    <a:pt x="3883159" y="163606"/>
+                    <a:pt x="4116241" y="0"/>
+                  </a:cubicBezTo>
+                </a:path>
+              </a:pathLst>
+            </a:custGeom>
+            <a:ln w="57150" cmpd="sng">
+              <a:solidFill>
+                <a:schemeClr val="tx1"/>
+              </a:solidFill>
+            </a:ln>
+            <a:effectLst/>
+          </p:spPr>
+          <p:style>
+            <a:lnRef idx="2">
+              <a:schemeClr val="accent1"/>
+            </a:lnRef>
+            <a:fillRef idx="0">
+              <a:schemeClr val="accent1"/>
+            </a:fillRef>
+            <a:effectRef idx="1">
+              <a:schemeClr val="accent1"/>
+            </a:effectRef>
+            <a:fontRef idx="minor">
+              <a:schemeClr val="tx1"/>
+            </a:fontRef>
+          </p:style>
+          <p:txBody>
+            <a:bodyPr rot="0" spcFirstLastPara="0" vert="horz" wrap="square" lIns="91440" tIns="45720" rIns="91440" bIns="45720" numCol="1" spcCol="0" rtlCol="0" fromWordArt="0" anchor="ctr" anchorCtr="0" forceAA="0" compatLnSpc="1">
+              <a:prstTxWarp prst="textNoShape">
+                <a:avLst/>
+              </a:prstTxWarp>
+              <a:noAutofit/>
+            </a:bodyPr>
+            <a:lstStyle/>
+            <a:p>
+              <a:endParaRPr lang="en-US" dirty="0"/>
+            </a:p>
+          </p:txBody>
+        </p:sp>
+        <p:sp>
+          <p:nvSpPr>
+            <p:cNvPr id="23" name="Arc 22"/>
+            <p:cNvSpPr/>
+            <p:nvPr/>
+          </p:nvSpPr>
+          <p:spPr>
+            <a:xfrm rot="10421988">
+              <a:off x="6633199" y="3463608"/>
+              <a:ext cx="462280" cy="443865"/>
+            </a:xfrm>
+            <a:prstGeom prst="arc">
+              <a:avLst/>
+            </a:prstGeom>
+            <a:ln w="57150" cmpd="sng">
+              <a:solidFill>
+                <a:schemeClr val="tx1"/>
+              </a:solidFill>
+            </a:ln>
+            <a:effectLst/>
+          </p:spPr>
+          <p:style>
+            <a:lnRef idx="2">
+              <a:schemeClr val="accent1"/>
+            </a:lnRef>
+            <a:fillRef idx="0">
+              <a:schemeClr val="accent1"/>
+            </a:fillRef>
+            <a:effectRef idx="1">
+              <a:schemeClr val="accent1"/>
+            </a:effectRef>
+            <a:fontRef idx="minor">
+              <a:schemeClr val="tx1"/>
+            </a:fontRef>
+          </p:style>
+          <p:txBody>
+            <a:bodyPr rot="0" spcFirstLastPara="0" vert="horz" wrap="square" lIns="91440" tIns="45720" rIns="91440" bIns="45720" numCol="1" spcCol="0" rtlCol="0" fromWordArt="0" anchor="ctr" anchorCtr="0" forceAA="0" compatLnSpc="1">
+              <a:prstTxWarp prst="textNoShape">
+                <a:avLst/>
+              </a:prstTxWarp>
+              <a:noAutofit/>
+            </a:bodyPr>
+            <a:lstStyle/>
+            <a:p>
+              <a:endParaRPr lang="en-US" dirty="0"/>
+            </a:p>
+          </p:txBody>
+        </p:sp>
+      </p:grpSp>
+      <p:sp>
+        <p:nvSpPr>
+          <p:cNvPr id="2" name="Oval 1"/>
+          <p:cNvSpPr/>
+          <p:nvPr/>
+        </p:nvSpPr>
+        <p:spPr>
+          <a:xfrm>
+            <a:off x="4464050" y="4163825"/>
+            <a:ext cx="409575" cy="381188"/>
+          </a:xfrm>
+          <a:prstGeom prst="ellipse">
+            <a:avLst/>
+          </a:prstGeom>
+          <a:solidFill>
+            <a:schemeClr val="tx1"/>
+          </a:solidFill>
+          <a:ln>
+            <a:noFill/>
+          </a:ln>
+          <a:effectLst/>
+        </p:spPr>
+        <p:style>
+          <a:lnRef idx="1">
+            <a:schemeClr val="accent1"/>
+          </a:lnRef>
+          <a:fillRef idx="3">
+            <a:schemeClr val="accent1"/>
+          </a:fillRef>
+          <a:effectRef idx="2">
+            <a:schemeClr val="accent1"/>
+          </a:effectRef>
+          <a:fontRef idx="minor">
+            <a:schemeClr val="lt1"/>
+          </a:fontRef>
+        </p:style>
+        <p:txBody>
+          <a:bodyPr rtlCol="0" anchor="ctr"/>
+          <a:lstStyle/>
+          <a:p>
+            <a:pPr algn="ctr"/>
+            <a:endParaRPr lang="en-US"/>
+          </a:p>
+        </p:txBody>
+      </p:sp>
+      <p:sp>
+        <p:nvSpPr>
+          <p:cNvPr id="24" name="Isosceles Triangle 23"/>
+          <p:cNvSpPr/>
+          <p:nvPr/>
+        </p:nvSpPr>
+        <p:spPr>
+          <a:xfrm rot="5400000" flipH="1">
+            <a:off x="4747488" y="4221751"/>
+            <a:ext cx="328074" cy="266300"/>
+          </a:xfrm>
+          <a:prstGeom prst="triangle">
+            <a:avLst>
+              <a:gd name="adj" fmla="val 57371"/>
+            </a:avLst>
+          </a:prstGeom>
+          <a:solidFill>
+            <a:srgbClr val="000000"/>
+          </a:solidFill>
+          <a:ln>
+            <a:noFill/>
+          </a:ln>
+          <a:effectLst/>
+        </p:spPr>
+        <p:style>
+          <a:lnRef idx="1">
+            <a:schemeClr val="accent1"/>
+          </a:lnRef>
+          <a:fillRef idx="3">
+            <a:schemeClr val="accent1"/>
+          </a:fillRef>
+          <a:effectRef idx="2">
+            <a:schemeClr val="accent1"/>
+          </a:effectRef>
+          <a:fontRef idx="minor">
+            <a:schemeClr val="lt1"/>
+          </a:fontRef>
+        </p:style>
+        <p:txBody>
+          <a:bodyPr rtlCol="0" anchor="ctr"/>
+          <a:lstStyle/>
+          <a:p>
+            <a:pPr algn="ctr"/>
+            <a:endParaRPr lang="en-US"/>
+          </a:p>
+        </p:txBody>
+      </p:sp>
+      <p:sp>
+        <p:nvSpPr>
+          <p:cNvPr id="33" name="Isosceles Triangle 32"/>
+          <p:cNvSpPr/>
+          <p:nvPr/>
+        </p:nvSpPr>
+        <p:spPr>
+          <a:xfrm rot="16200000">
+            <a:off x="4271238" y="4221751"/>
+            <a:ext cx="328074" cy="266300"/>
+          </a:xfrm>
+          <a:prstGeom prst="triangle">
+            <a:avLst>
+              <a:gd name="adj" fmla="val 53500"/>
+            </a:avLst>
+          </a:prstGeom>
+          <a:solidFill>
+            <a:srgbClr val="000000"/>
+          </a:solidFill>
+          <a:ln>
+            <a:noFill/>
+          </a:ln>
+          <a:effectLst/>
+        </p:spPr>
+        <p:style>
+          <a:lnRef idx="1">
+            <a:schemeClr val="accent1"/>
+          </a:lnRef>
+          <a:fillRef idx="3">
+            <a:schemeClr val="accent1"/>
+          </a:fillRef>
+          <a:effectRef idx="2">
+            <a:schemeClr val="accent1"/>
+          </a:effectRef>
+          <a:fontRef idx="minor">
+            <a:schemeClr val="lt1"/>
+          </a:fontRef>
+        </p:style>
+        <p:txBody>
+          <a:bodyPr rtlCol="0" anchor="ctr"/>
+          <a:lstStyle/>
+          <a:p>
+            <a:pPr algn="ctr"/>
+            <a:endParaRPr lang="en-US"/>
+          </a:p>
+        </p:txBody>
+      </p:sp>
+      <p:grpSp>
+        <p:nvGrpSpPr>
+          <p:cNvPr id="54" name="Group 53"/>
+          <p:cNvGrpSpPr/>
+          <p:nvPr/>
+        </p:nvGrpSpPr>
+        <p:grpSpPr>
+          <a:xfrm>
+            <a:off x="3371269" y="1507457"/>
+            <a:ext cx="2620536" cy="800100"/>
+            <a:chOff x="3373625" y="1507457"/>
+            <a:chExt cx="2620536" cy="800100"/>
+          </a:xfrm>
+        </p:grpSpPr>
+        <p:sp>
+          <p:nvSpPr>
+            <p:cNvPr id="55" name="Oval 54"/>
+            <p:cNvSpPr/>
+            <p:nvPr/>
+          </p:nvSpPr>
+          <p:spPr>
+            <a:xfrm>
+              <a:off x="5536961" y="1507457"/>
+              <a:ext cx="457200" cy="800100"/>
+            </a:xfrm>
+            <a:prstGeom prst="ellipse">
+              <a:avLst/>
+            </a:prstGeom>
+            <a:solidFill>
+              <a:schemeClr val="tx1"/>
+            </a:solidFill>
+            <a:ln>
+              <a:noFill/>
+            </a:ln>
+            <a:effectLst/>
+          </p:spPr>
+          <p:style>
+            <a:lnRef idx="1">
+              <a:schemeClr val="accent1"/>
+            </a:lnRef>
+            <a:fillRef idx="3">
+              <a:schemeClr val="accent1"/>
+            </a:fillRef>
+            <a:effectRef idx="2">
+              <a:schemeClr val="accent1"/>
+            </a:effectRef>
+            <a:fontRef idx="minor">
+              <a:schemeClr val="lt1"/>
+            </a:fontRef>
+          </p:style>
+          <p:txBody>
+            <a:bodyPr rot="0" spcFirstLastPara="0" vert="horz" wrap="square" lIns="91440" tIns="45720" rIns="91440" bIns="45720" numCol="1" spcCol="0" rtlCol="0" fromWordArt="0" anchor="ctr" anchorCtr="0" forceAA="0" compatLnSpc="1">
+              <a:prstTxWarp prst="textNoShape">
+                <a:avLst/>
+              </a:prstTxWarp>
+              <a:noAutofit/>
+            </a:bodyPr>
+            <a:lstStyle/>
+            <a:p>
+              <a:endParaRPr lang="en-US" dirty="0"/>
+            </a:p>
+          </p:txBody>
+        </p:sp>
+        <p:sp>
+          <p:nvSpPr>
+            <p:cNvPr id="56" name="Oval 55"/>
+            <p:cNvSpPr/>
+            <p:nvPr/>
+          </p:nvSpPr>
+          <p:spPr>
+            <a:xfrm>
+              <a:off x="5634199" y="1585438"/>
+              <a:ext cx="180975" cy="361950"/>
+            </a:xfrm>
+            <a:prstGeom prst="ellipse">
+              <a:avLst/>
+            </a:prstGeom>
+            <a:solidFill>
+              <a:schemeClr val="bg1"/>
+            </a:solidFill>
+            <a:ln>
+              <a:noFill/>
+            </a:ln>
+            <a:effectLst/>
+          </p:spPr>
+          <p:style>
+            <a:lnRef idx="1">
+              <a:schemeClr val="accent1"/>
+            </a:lnRef>
+            <a:fillRef idx="3">
+              <a:schemeClr val="accent1"/>
+            </a:fillRef>
+            <a:effectRef idx="2">
+              <a:schemeClr val="accent1"/>
+            </a:effectRef>
+            <a:fontRef idx="minor">
+              <a:schemeClr val="lt1"/>
+            </a:fontRef>
+          </p:style>
+          <p:txBody>
+            <a:bodyPr rot="0" spcFirstLastPara="0" vert="horz" wrap="square" lIns="91440" tIns="45720" rIns="91440" bIns="45720" numCol="1" spcCol="0" rtlCol="0" fromWordArt="0" anchor="ctr" anchorCtr="0" forceAA="0" compatLnSpc="1">
+              <a:prstTxWarp prst="textNoShape">
+                <a:avLst/>
+              </a:prstTxWarp>
+              <a:noAutofit/>
+            </a:bodyPr>
+            <a:lstStyle/>
+            <a:p>
+              <a:endParaRPr lang="en-US" dirty="0"/>
+            </a:p>
+          </p:txBody>
+        </p:sp>
+        <p:sp>
+          <p:nvSpPr>
+            <p:cNvPr id="57" name="Oval 56"/>
+            <p:cNvSpPr/>
+            <p:nvPr/>
+          </p:nvSpPr>
+          <p:spPr>
+            <a:xfrm>
+              <a:off x="3373625" y="1507457"/>
+              <a:ext cx="457200" cy="800100"/>
+            </a:xfrm>
+            <a:prstGeom prst="ellipse">
+              <a:avLst/>
+            </a:prstGeom>
+            <a:solidFill>
+              <a:schemeClr val="tx1"/>
+            </a:solidFill>
+            <a:ln>
+              <a:noFill/>
+            </a:ln>
+            <a:effectLst/>
+          </p:spPr>
+          <p:style>
+            <a:lnRef idx="1">
+              <a:schemeClr val="accent1"/>
+            </a:lnRef>
+            <a:fillRef idx="3">
+              <a:schemeClr val="accent1"/>
+            </a:fillRef>
+            <a:effectRef idx="2">
+              <a:schemeClr val="accent1"/>
+            </a:effectRef>
+            <a:fontRef idx="minor">
+              <a:schemeClr val="lt1"/>
+            </a:fontRef>
+          </p:style>
+          <p:txBody>
+            <a:bodyPr rot="0" spcFirstLastPara="0" vert="horz" wrap="square" lIns="91440" tIns="45720" rIns="91440" bIns="45720" numCol="1" spcCol="0" rtlCol="0" fromWordArt="0" anchor="ctr" anchorCtr="0" forceAA="0" compatLnSpc="1">
+              <a:prstTxWarp prst="textNoShape">
+                <a:avLst/>
+              </a:prstTxWarp>
+              <a:noAutofit/>
+            </a:bodyPr>
+            <a:lstStyle/>
+            <a:p>
+              <a:endParaRPr lang="en-US" dirty="0"/>
+            </a:p>
+          </p:txBody>
+        </p:sp>
+        <p:sp>
+          <p:nvSpPr>
+            <p:cNvPr id="58" name="Oval 57"/>
+            <p:cNvSpPr/>
+            <p:nvPr/>
+          </p:nvSpPr>
+          <p:spPr>
+            <a:xfrm>
+              <a:off x="3470863" y="1585438"/>
+              <a:ext cx="180975" cy="361950"/>
+            </a:xfrm>
+            <a:prstGeom prst="ellipse">
+              <a:avLst/>
+            </a:prstGeom>
+            <a:solidFill>
+              <a:schemeClr val="bg1"/>
+            </a:solidFill>
+            <a:ln>
+              <a:noFill/>
+            </a:ln>
+            <a:effectLst/>
+          </p:spPr>
+          <p:style>
+            <a:lnRef idx="1">
+              <a:schemeClr val="accent1"/>
+            </a:lnRef>
+            <a:fillRef idx="3">
+              <a:schemeClr val="accent1"/>
+            </a:fillRef>
+            <a:effectRef idx="2">
+              <a:schemeClr val="accent1"/>
+            </a:effectRef>
+            <a:fontRef idx="minor">
+              <a:schemeClr val="lt1"/>
+            </a:fontRef>
+          </p:style>
+          <p:txBody>
+            <a:bodyPr rot="0" spcFirstLastPara="0" vert="horz" wrap="square" lIns="91440" tIns="45720" rIns="91440" bIns="45720" numCol="1" spcCol="0" rtlCol="0" fromWordArt="0" anchor="ctr" anchorCtr="0" forceAA="0" compatLnSpc="1">
+              <a:prstTxWarp prst="textNoShape">
+                <a:avLst/>
+              </a:prstTxWarp>
+              <a:noAutofit/>
+            </a:bodyPr>
+            <a:lstStyle/>
+            <a:p>
+              <a:endParaRPr lang="en-US" dirty="0"/>
+            </a:p>
+          </p:txBody>
+        </p:sp>
+      </p:grpSp>
+      <p:grpSp>
+        <p:nvGrpSpPr>
+          <p:cNvPr id="59" name="Group 58"/>
+          <p:cNvGrpSpPr/>
+          <p:nvPr/>
+        </p:nvGrpSpPr>
+        <p:grpSpPr>
+          <a:xfrm>
+            <a:off x="3068869" y="1169022"/>
+            <a:ext cx="3225337" cy="1015717"/>
+            <a:chOff x="3044953" y="1169022"/>
+            <a:chExt cx="3225337" cy="1015717"/>
+          </a:xfrm>
+        </p:grpSpPr>
+        <p:sp>
+          <p:nvSpPr>
+            <p:cNvPr id="60" name="Arc 59"/>
+            <p:cNvSpPr/>
+            <p:nvPr/>
+          </p:nvSpPr>
+          <p:spPr>
+            <a:xfrm rot="18532473">
+              <a:off x="3067793" y="1146183"/>
+              <a:ext cx="1015716" cy="1061395"/>
+            </a:xfrm>
+            <a:prstGeom prst="arc">
+              <a:avLst/>
+            </a:prstGeom>
+            <a:ln w="57150" cmpd="sng">
+              <a:solidFill>
+                <a:schemeClr val="tx1"/>
+              </a:solidFill>
+            </a:ln>
+            <a:effectLst/>
+          </p:spPr>
+          <p:style>
+            <a:lnRef idx="2">
+              <a:schemeClr val="accent1"/>
+            </a:lnRef>
+            <a:fillRef idx="0">
+              <a:schemeClr val="accent1"/>
+            </a:fillRef>
+            <a:effectRef idx="1">
+              <a:schemeClr val="accent1"/>
+            </a:effectRef>
+            <a:fontRef idx="minor">
+              <a:schemeClr val="tx1"/>
+            </a:fontRef>
+          </p:style>
+          <p:txBody>
+            <a:bodyPr rtlCol="0" anchor="ctr"/>
+            <a:lstStyle/>
+            <a:p>
+              <a:pPr algn="ctr"/>
+              <a:endParaRPr lang="en-US" dirty="0"/>
+            </a:p>
+          </p:txBody>
+        </p:sp>
+        <p:sp>
+          <p:nvSpPr>
+            <p:cNvPr id="61" name="Arc 60"/>
+            <p:cNvSpPr/>
+            <p:nvPr/>
+          </p:nvSpPr>
+          <p:spPr>
+            <a:xfrm rot="3067527" flipH="1">
+              <a:off x="5231735" y="1146182"/>
+              <a:ext cx="1015716" cy="1061395"/>
+            </a:xfrm>
+            <a:prstGeom prst="arc">
+              <a:avLst/>
+            </a:prstGeom>
+            <a:ln w="57150" cmpd="sng">
+              <a:solidFill>
+                <a:schemeClr val="tx1"/>
+              </a:solidFill>
+            </a:ln>
+            <a:effectLst/>
+          </p:spPr>
+          <p:style>
+            <a:lnRef idx="2">
+              <a:schemeClr val="accent1"/>
+            </a:lnRef>
+            <a:fillRef idx="0">
+              <a:schemeClr val="accent1"/>
+            </a:fillRef>
+            <a:effectRef idx="1">
+              <a:schemeClr val="accent1"/>
+            </a:effectRef>
+            <a:fontRef idx="minor">
+              <a:schemeClr val="tx1"/>
+            </a:fontRef>
+          </p:style>
+          <p:txBody>
+            <a:bodyPr rtlCol="0" anchor="ctr"/>
+            <a:lstStyle/>
+            <a:p>
+              <a:pPr algn="ctr"/>
+              <a:endParaRPr lang="en-US" dirty="0"/>
+            </a:p>
+          </p:txBody>
+        </p:sp>
+      </p:grpSp>
+    </p:spTree>
+    <p:extLst>
+      <p:ext uri="{BB962C8B-B14F-4D97-AF65-F5344CB8AC3E}">
+        <p14:creationId xmlns:p14="http://schemas.microsoft.com/office/powerpoint/2010/main" val="2676879079"/>
+      </p:ext>
+    </p:extLst>
+  </p:cSld>
+  <p:clrMapOvr>
+    <a:masterClrMapping/>
+  </p:clrMapOvr>
+  <p:timing>
+    <p:tnLst>
+      <p:par>
+        <p:cTn xmlns:p14="http://schemas.microsoft.com/office/powerpoint/2010/main" id="1" dur="indefinite" restart="never" nodeType="tmRoot"/>
+      </p:par>
+    </p:tnLst>
+  </p:timing>
+</p:sld>
+</file>
+
+<file path=ppt/slides/slide32.xml><?xml version="1.0" encoding="utf-8"?>
+<p:sld xmlns:a="http://schemas.openxmlformats.org/drawingml/2006/main" xmlns:r="http://schemas.openxmlformats.org/officeDocument/2006/relationships" xmlns:p="http://schemas.openxmlformats.org/presentationml/2006/main">
+  <p:cSld>
+    <p:spTree>
+      <p:nvGrpSpPr>
+        <p:cNvPr id="1" name=""/>
+        <p:cNvGrpSpPr/>
+        <p:nvPr/>
+      </p:nvGrpSpPr>
+      <p:grpSpPr>
+        <a:xfrm>
+          <a:off x="0" y="0"/>
+          <a:ext cx="0" cy="0"/>
+          <a:chOff x="0" y="0"/>
+          <a:chExt cx="0" cy="0"/>
+        </a:xfrm>
+      </p:grpSpPr>
+      <p:grpSp>
+        <p:nvGrpSpPr>
+          <p:cNvPr id="21" name="Group 20"/>
+          <p:cNvGrpSpPr/>
+          <p:nvPr/>
+        </p:nvGrpSpPr>
+        <p:grpSpPr>
+          <a:xfrm>
+            <a:off x="3001202" y="3494088"/>
+            <a:ext cx="3685759" cy="855345"/>
+            <a:chOff x="2613014" y="3463608"/>
+            <a:chExt cx="4482465" cy="855345"/>
+          </a:xfrm>
+        </p:grpSpPr>
+        <p:sp>
+          <p:nvSpPr>
+            <p:cNvPr id="22" name="Freeform 21"/>
+            <p:cNvSpPr/>
+            <p:nvPr/>
+          </p:nvSpPr>
+          <p:spPr>
+            <a:xfrm>
+              <a:off x="2613014" y="3867468"/>
+              <a:ext cx="4116070" cy="451485"/>
+            </a:xfrm>
+            <a:custGeom>
+              <a:avLst/>
+              <a:gdLst>
+                <a:gd name="connsiteX0" fmla="*/ 1441 w 4116241"/>
+                <a:gd name="connsiteY0" fmla="*/ 53788 h 452079"/>
+                <a:gd name="connsiteX1" fmla="*/ 566218 w 4116241"/>
+                <a:gd name="connsiteY1" fmla="*/ 430306 h 452079"/>
+                <a:gd name="connsiteX2" fmla="*/ 3470782 w 4116241"/>
+                <a:gd name="connsiteY2" fmla="*/ 363071 h 452079"/>
+                <a:gd name="connsiteX3" fmla="*/ 4116241 w 4116241"/>
+                <a:gd name="connsiteY3" fmla="*/ 0 h 452079"/>
+              </a:gdLst>
+              <a:ahLst/>
+              <a:cxnLst>
+                <a:cxn ang="0">
+                  <a:pos x="connsiteX0" y="connsiteY0"/>
+                </a:cxn>
+                <a:cxn ang="0">
+                  <a:pos x="connsiteX1" y="connsiteY1"/>
+                </a:cxn>
+                <a:cxn ang="0">
+                  <a:pos x="connsiteX2" y="connsiteY2"/>
+                </a:cxn>
+                <a:cxn ang="0">
+                  <a:pos x="connsiteX3" y="connsiteY3"/>
+                </a:cxn>
+              </a:cxnLst>
+              <a:rect l="l" t="t" r="r" b="b"/>
+              <a:pathLst>
+                <a:path w="4116241" h="452079">
+                  <a:moveTo>
+                    <a:pt x="1441" y="53788"/>
+                  </a:moveTo>
+                  <a:cubicBezTo>
+                    <a:pt x="-5283" y="216273"/>
+                    <a:pt x="-12006" y="378759"/>
+                    <a:pt x="566218" y="430306"/>
+                  </a:cubicBezTo>
+                  <a:cubicBezTo>
+                    <a:pt x="1144442" y="481853"/>
+                    <a:pt x="2879112" y="434789"/>
+                    <a:pt x="3470782" y="363071"/>
+                  </a:cubicBezTo>
+                  <a:cubicBezTo>
+                    <a:pt x="4062452" y="291353"/>
+                    <a:pt x="3883159" y="163606"/>
+                    <a:pt x="4116241" y="0"/>
+                  </a:cubicBezTo>
+                </a:path>
+              </a:pathLst>
+            </a:custGeom>
+            <a:ln w="57150" cmpd="sng">
+              <a:solidFill>
+                <a:schemeClr val="tx1"/>
+              </a:solidFill>
+            </a:ln>
+            <a:effectLst/>
+          </p:spPr>
+          <p:style>
+            <a:lnRef idx="2">
+              <a:schemeClr val="accent1"/>
+            </a:lnRef>
+            <a:fillRef idx="0">
+              <a:schemeClr val="accent1"/>
+            </a:fillRef>
+            <a:effectRef idx="1">
+              <a:schemeClr val="accent1"/>
+            </a:effectRef>
+            <a:fontRef idx="minor">
+              <a:schemeClr val="tx1"/>
+            </a:fontRef>
+          </p:style>
+          <p:txBody>
+            <a:bodyPr rot="0" spcFirstLastPara="0" vert="horz" wrap="square" lIns="91440" tIns="45720" rIns="91440" bIns="45720" numCol="1" spcCol="0" rtlCol="0" fromWordArt="0" anchor="ctr" anchorCtr="0" forceAA="0" compatLnSpc="1">
+              <a:prstTxWarp prst="textNoShape">
+                <a:avLst/>
+              </a:prstTxWarp>
+              <a:noAutofit/>
+            </a:bodyPr>
+            <a:lstStyle/>
+            <a:p>
+              <a:endParaRPr lang="en-US" dirty="0"/>
+            </a:p>
+          </p:txBody>
+        </p:sp>
+        <p:sp>
+          <p:nvSpPr>
+            <p:cNvPr id="23" name="Arc 22"/>
+            <p:cNvSpPr/>
+            <p:nvPr/>
+          </p:nvSpPr>
+          <p:spPr>
+            <a:xfrm rot="10421988">
+              <a:off x="6633199" y="3463608"/>
+              <a:ext cx="462280" cy="443865"/>
+            </a:xfrm>
+            <a:prstGeom prst="arc">
+              <a:avLst/>
+            </a:prstGeom>
+            <a:ln w="57150" cmpd="sng">
+              <a:solidFill>
+                <a:schemeClr val="tx1"/>
+              </a:solidFill>
+            </a:ln>
+            <a:effectLst/>
+          </p:spPr>
+          <p:style>
+            <a:lnRef idx="2">
+              <a:schemeClr val="accent1"/>
+            </a:lnRef>
+            <a:fillRef idx="0">
+              <a:schemeClr val="accent1"/>
+            </a:fillRef>
+            <a:effectRef idx="1">
+              <a:schemeClr val="accent1"/>
+            </a:effectRef>
+            <a:fontRef idx="minor">
+              <a:schemeClr val="tx1"/>
+            </a:fontRef>
+          </p:style>
+          <p:txBody>
+            <a:bodyPr rot="0" spcFirstLastPara="0" vert="horz" wrap="square" lIns="91440" tIns="45720" rIns="91440" bIns="45720" numCol="1" spcCol="0" rtlCol="0" fromWordArt="0" anchor="ctr" anchorCtr="0" forceAA="0" compatLnSpc="1">
+              <a:prstTxWarp prst="textNoShape">
+                <a:avLst/>
+              </a:prstTxWarp>
+              <a:noAutofit/>
+            </a:bodyPr>
+            <a:lstStyle/>
+            <a:p>
+              <a:endParaRPr lang="en-US" dirty="0"/>
+            </a:p>
+          </p:txBody>
+        </p:sp>
+      </p:grpSp>
+      <p:sp>
+        <p:nvSpPr>
+          <p:cNvPr id="2" name="Oval 1"/>
+          <p:cNvSpPr/>
+          <p:nvPr/>
+        </p:nvSpPr>
+        <p:spPr>
+          <a:xfrm>
+            <a:off x="4464050" y="4163825"/>
+            <a:ext cx="409575" cy="381188"/>
+          </a:xfrm>
+          <a:prstGeom prst="ellipse">
+            <a:avLst/>
+          </a:prstGeom>
+          <a:solidFill>
+            <a:schemeClr val="tx1"/>
+          </a:solidFill>
+          <a:ln>
+            <a:noFill/>
+          </a:ln>
+          <a:effectLst/>
+        </p:spPr>
+        <p:style>
+          <a:lnRef idx="1">
+            <a:schemeClr val="accent1"/>
+          </a:lnRef>
+          <a:fillRef idx="3">
+            <a:schemeClr val="accent1"/>
+          </a:fillRef>
+          <a:effectRef idx="2">
+            <a:schemeClr val="accent1"/>
+          </a:effectRef>
+          <a:fontRef idx="minor">
+            <a:schemeClr val="lt1"/>
+          </a:fontRef>
+        </p:style>
+        <p:txBody>
+          <a:bodyPr rtlCol="0" anchor="ctr"/>
+          <a:lstStyle/>
+          <a:p>
+            <a:pPr algn="ctr"/>
+            <a:endParaRPr lang="en-US"/>
+          </a:p>
+        </p:txBody>
+      </p:sp>
+      <p:sp>
+        <p:nvSpPr>
+          <p:cNvPr id="24" name="Isosceles Triangle 23"/>
+          <p:cNvSpPr/>
+          <p:nvPr/>
+        </p:nvSpPr>
+        <p:spPr>
+          <a:xfrm rot="5400000" flipH="1">
+            <a:off x="4747488" y="4221751"/>
+            <a:ext cx="328074" cy="266300"/>
+          </a:xfrm>
+          <a:prstGeom prst="triangle">
+            <a:avLst>
+              <a:gd name="adj" fmla="val 57371"/>
+            </a:avLst>
+          </a:prstGeom>
+          <a:solidFill>
+            <a:srgbClr val="000000"/>
+          </a:solidFill>
+          <a:ln>
+            <a:noFill/>
+          </a:ln>
+          <a:effectLst/>
+        </p:spPr>
+        <p:style>
+          <a:lnRef idx="1">
+            <a:schemeClr val="accent1"/>
+          </a:lnRef>
+          <a:fillRef idx="3">
+            <a:schemeClr val="accent1"/>
+          </a:fillRef>
+          <a:effectRef idx="2">
+            <a:schemeClr val="accent1"/>
+          </a:effectRef>
+          <a:fontRef idx="minor">
+            <a:schemeClr val="lt1"/>
+          </a:fontRef>
+        </p:style>
+        <p:txBody>
+          <a:bodyPr rtlCol="0" anchor="ctr"/>
+          <a:lstStyle/>
+          <a:p>
+            <a:pPr algn="ctr"/>
+            <a:endParaRPr lang="en-US"/>
+          </a:p>
+        </p:txBody>
+      </p:sp>
+      <p:sp>
+        <p:nvSpPr>
+          <p:cNvPr id="33" name="Isosceles Triangle 32"/>
+          <p:cNvSpPr/>
+          <p:nvPr/>
+        </p:nvSpPr>
+        <p:spPr>
+          <a:xfrm rot="16200000">
+            <a:off x="4271238" y="4221751"/>
+            <a:ext cx="328074" cy="266300"/>
+          </a:xfrm>
+          <a:prstGeom prst="triangle">
+            <a:avLst>
+              <a:gd name="adj" fmla="val 53500"/>
+            </a:avLst>
+          </a:prstGeom>
+          <a:solidFill>
+            <a:srgbClr val="000000"/>
+          </a:solidFill>
+          <a:ln>
+            <a:noFill/>
+          </a:ln>
+          <a:effectLst/>
+        </p:spPr>
+        <p:style>
+          <a:lnRef idx="1">
+            <a:schemeClr val="accent1"/>
+          </a:lnRef>
+          <a:fillRef idx="3">
+            <a:schemeClr val="accent1"/>
+          </a:fillRef>
+          <a:effectRef idx="2">
+            <a:schemeClr val="accent1"/>
+          </a:effectRef>
+          <a:fontRef idx="minor">
+            <a:schemeClr val="lt1"/>
+          </a:fontRef>
+        </p:style>
+        <p:txBody>
+          <a:bodyPr rtlCol="0" anchor="ctr"/>
+          <a:lstStyle/>
+          <a:p>
+            <a:pPr algn="ctr"/>
+            <a:endParaRPr lang="en-US"/>
+          </a:p>
+        </p:txBody>
+      </p:sp>
+      <p:grpSp>
+        <p:nvGrpSpPr>
+          <p:cNvPr id="8" name="Group 7"/>
+          <p:cNvGrpSpPr/>
+          <p:nvPr/>
+        </p:nvGrpSpPr>
+        <p:grpSpPr>
+          <a:xfrm flipH="1">
+            <a:off x="3371269" y="1507457"/>
+            <a:ext cx="2620536" cy="800100"/>
+            <a:chOff x="3373625" y="1507457"/>
+            <a:chExt cx="2620536" cy="800100"/>
+          </a:xfrm>
+        </p:grpSpPr>
+        <p:sp>
+          <p:nvSpPr>
+            <p:cNvPr id="9" name="Oval 8"/>
+            <p:cNvSpPr/>
+            <p:nvPr/>
+          </p:nvSpPr>
+          <p:spPr>
+            <a:xfrm>
+              <a:off x="5536961" y="1507457"/>
+              <a:ext cx="457200" cy="800100"/>
+            </a:xfrm>
+            <a:prstGeom prst="ellipse">
+              <a:avLst/>
+            </a:prstGeom>
+            <a:solidFill>
+              <a:schemeClr val="tx1"/>
+            </a:solidFill>
+            <a:ln>
+              <a:noFill/>
+            </a:ln>
+            <a:effectLst/>
+          </p:spPr>
+          <p:style>
+            <a:lnRef idx="1">
+              <a:schemeClr val="accent1"/>
+            </a:lnRef>
+            <a:fillRef idx="3">
+              <a:schemeClr val="accent1"/>
+            </a:fillRef>
+            <a:effectRef idx="2">
+              <a:schemeClr val="accent1"/>
+            </a:effectRef>
+            <a:fontRef idx="minor">
+              <a:schemeClr val="lt1"/>
+            </a:fontRef>
+          </p:style>
+          <p:txBody>
+            <a:bodyPr rot="0" spcFirstLastPara="0" vert="horz" wrap="square" lIns="91440" tIns="45720" rIns="91440" bIns="45720" numCol="1" spcCol="0" rtlCol="0" fromWordArt="0" anchor="ctr" anchorCtr="0" forceAA="0" compatLnSpc="1">
+              <a:prstTxWarp prst="textNoShape">
+                <a:avLst/>
+              </a:prstTxWarp>
+              <a:noAutofit/>
+            </a:bodyPr>
+            <a:lstStyle/>
+            <a:p>
+              <a:endParaRPr lang="en-US" dirty="0"/>
+            </a:p>
+          </p:txBody>
+        </p:sp>
+        <p:sp>
+          <p:nvSpPr>
+            <p:cNvPr id="10" name="Oval 9"/>
+            <p:cNvSpPr/>
+            <p:nvPr/>
+          </p:nvSpPr>
+          <p:spPr>
+            <a:xfrm>
+              <a:off x="5634199" y="1585438"/>
+              <a:ext cx="180975" cy="361950"/>
+            </a:xfrm>
+            <a:prstGeom prst="ellipse">
+              <a:avLst/>
+            </a:prstGeom>
+            <a:solidFill>
+              <a:schemeClr val="bg1"/>
+            </a:solidFill>
+            <a:ln>
+              <a:noFill/>
+            </a:ln>
+            <a:effectLst/>
+          </p:spPr>
+          <p:style>
+            <a:lnRef idx="1">
+              <a:schemeClr val="accent1"/>
+            </a:lnRef>
+            <a:fillRef idx="3">
+              <a:schemeClr val="accent1"/>
+            </a:fillRef>
+            <a:effectRef idx="2">
+              <a:schemeClr val="accent1"/>
+            </a:effectRef>
+            <a:fontRef idx="minor">
+              <a:schemeClr val="lt1"/>
+            </a:fontRef>
+          </p:style>
+          <p:txBody>
+            <a:bodyPr rot="0" spcFirstLastPara="0" vert="horz" wrap="square" lIns="91440" tIns="45720" rIns="91440" bIns="45720" numCol="1" spcCol="0" rtlCol="0" fromWordArt="0" anchor="ctr" anchorCtr="0" forceAA="0" compatLnSpc="1">
+              <a:prstTxWarp prst="textNoShape">
+                <a:avLst/>
+              </a:prstTxWarp>
+              <a:noAutofit/>
+            </a:bodyPr>
+            <a:lstStyle/>
+            <a:p>
+              <a:endParaRPr lang="en-US" dirty="0"/>
+            </a:p>
+          </p:txBody>
+        </p:sp>
+        <p:sp>
+          <p:nvSpPr>
+            <p:cNvPr id="11" name="Oval 10"/>
+            <p:cNvSpPr/>
+            <p:nvPr/>
+          </p:nvSpPr>
+          <p:spPr>
+            <a:xfrm>
+              <a:off x="3373625" y="1507457"/>
+              <a:ext cx="457200" cy="800100"/>
+            </a:xfrm>
+            <a:prstGeom prst="ellipse">
+              <a:avLst/>
+            </a:prstGeom>
+            <a:solidFill>
+              <a:schemeClr val="tx1"/>
+            </a:solidFill>
+            <a:ln>
+              <a:noFill/>
+            </a:ln>
+            <a:effectLst/>
+          </p:spPr>
+          <p:style>
+            <a:lnRef idx="1">
+              <a:schemeClr val="accent1"/>
+            </a:lnRef>
+            <a:fillRef idx="3">
+              <a:schemeClr val="accent1"/>
+            </a:fillRef>
+            <a:effectRef idx="2">
+              <a:schemeClr val="accent1"/>
+            </a:effectRef>
+            <a:fontRef idx="minor">
+              <a:schemeClr val="lt1"/>
+            </a:fontRef>
+          </p:style>
+          <p:txBody>
+            <a:bodyPr rot="0" spcFirstLastPara="0" vert="horz" wrap="square" lIns="91440" tIns="45720" rIns="91440" bIns="45720" numCol="1" spcCol="0" rtlCol="0" fromWordArt="0" anchor="ctr" anchorCtr="0" forceAA="0" compatLnSpc="1">
+              <a:prstTxWarp prst="textNoShape">
+                <a:avLst/>
+              </a:prstTxWarp>
+              <a:noAutofit/>
+            </a:bodyPr>
+            <a:lstStyle/>
+            <a:p>
+              <a:endParaRPr lang="en-US" dirty="0"/>
+            </a:p>
+          </p:txBody>
+        </p:sp>
+        <p:sp>
+          <p:nvSpPr>
+            <p:cNvPr id="12" name="Oval 11"/>
+            <p:cNvSpPr/>
+            <p:nvPr/>
+          </p:nvSpPr>
+          <p:spPr>
+            <a:xfrm>
+              <a:off x="3470863" y="1585438"/>
+              <a:ext cx="180975" cy="361950"/>
+            </a:xfrm>
+            <a:prstGeom prst="ellipse">
+              <a:avLst/>
+            </a:prstGeom>
+            <a:solidFill>
+              <a:schemeClr val="bg1"/>
+            </a:solidFill>
+            <a:ln>
+              <a:noFill/>
+            </a:ln>
+            <a:effectLst/>
+          </p:spPr>
+          <p:style>
+            <a:lnRef idx="1">
+              <a:schemeClr val="accent1"/>
+            </a:lnRef>
+            <a:fillRef idx="3">
+              <a:schemeClr val="accent1"/>
+            </a:fillRef>
+            <a:effectRef idx="2">
+              <a:schemeClr val="accent1"/>
+            </a:effectRef>
+            <a:fontRef idx="minor">
+              <a:schemeClr val="lt1"/>
+            </a:fontRef>
+          </p:style>
+          <p:txBody>
+            <a:bodyPr rot="0" spcFirstLastPara="0" vert="horz" wrap="square" lIns="91440" tIns="45720" rIns="91440" bIns="45720" numCol="1" spcCol="0" rtlCol="0" fromWordArt="0" anchor="ctr" anchorCtr="0" forceAA="0" compatLnSpc="1">
+              <a:prstTxWarp prst="textNoShape">
+                <a:avLst/>
+              </a:prstTxWarp>
+              <a:noAutofit/>
+            </a:bodyPr>
+            <a:lstStyle/>
+            <a:p>
+              <a:endParaRPr lang="en-US" dirty="0"/>
+            </a:p>
+          </p:txBody>
+        </p:sp>
+      </p:grpSp>
+      <p:grpSp>
+        <p:nvGrpSpPr>
+          <p:cNvPr id="13" name="Group 12"/>
+          <p:cNvGrpSpPr/>
+          <p:nvPr/>
+        </p:nvGrpSpPr>
+        <p:grpSpPr>
+          <a:xfrm>
+            <a:off x="3068869" y="1169022"/>
+            <a:ext cx="3225337" cy="1015717"/>
+            <a:chOff x="3044953" y="1169022"/>
+            <a:chExt cx="3225337" cy="1015717"/>
+          </a:xfrm>
+        </p:grpSpPr>
+        <p:sp>
+          <p:nvSpPr>
+            <p:cNvPr id="14" name="Arc 13"/>
+            <p:cNvSpPr/>
+            <p:nvPr/>
+          </p:nvSpPr>
+          <p:spPr>
+            <a:xfrm rot="18532473">
+              <a:off x="3067793" y="1146183"/>
+              <a:ext cx="1015716" cy="1061395"/>
+            </a:xfrm>
+            <a:prstGeom prst="arc">
+              <a:avLst/>
+            </a:prstGeom>
+            <a:ln w="57150" cmpd="sng">
+              <a:solidFill>
+                <a:schemeClr val="tx1"/>
+              </a:solidFill>
+            </a:ln>
+            <a:effectLst/>
+          </p:spPr>
+          <p:style>
+            <a:lnRef idx="2">
+              <a:schemeClr val="accent1"/>
+            </a:lnRef>
+            <a:fillRef idx="0">
+              <a:schemeClr val="accent1"/>
+            </a:fillRef>
+            <a:effectRef idx="1">
+              <a:schemeClr val="accent1"/>
+            </a:effectRef>
+            <a:fontRef idx="minor">
+              <a:schemeClr val="tx1"/>
+            </a:fontRef>
+          </p:style>
+          <p:txBody>
+            <a:bodyPr rtlCol="0" anchor="ctr"/>
+            <a:lstStyle/>
+            <a:p>
+              <a:pPr algn="ctr"/>
+              <a:endParaRPr lang="en-US" dirty="0"/>
+            </a:p>
+          </p:txBody>
+        </p:sp>
+        <p:sp>
+          <p:nvSpPr>
+            <p:cNvPr id="15" name="Arc 14"/>
+            <p:cNvSpPr/>
+            <p:nvPr/>
+          </p:nvSpPr>
+          <p:spPr>
+            <a:xfrm rot="3067527" flipH="1">
+              <a:off x="5231735" y="1146182"/>
+              <a:ext cx="1015716" cy="1061395"/>
+            </a:xfrm>
+            <a:prstGeom prst="arc">
+              <a:avLst/>
+            </a:prstGeom>
+            <a:ln w="57150" cmpd="sng">
+              <a:solidFill>
+                <a:schemeClr val="tx1"/>
+              </a:solidFill>
+            </a:ln>
+            <a:effectLst/>
+          </p:spPr>
+          <p:style>
+            <a:lnRef idx="2">
+              <a:schemeClr val="accent1"/>
+            </a:lnRef>
+            <a:fillRef idx="0">
+              <a:schemeClr val="accent1"/>
+            </a:fillRef>
+            <a:effectRef idx="1">
+              <a:schemeClr val="accent1"/>
+            </a:effectRef>
+            <a:fontRef idx="minor">
+              <a:schemeClr val="tx1"/>
+            </a:fontRef>
+          </p:style>
+          <p:txBody>
+            <a:bodyPr rtlCol="0" anchor="ctr"/>
+            <a:lstStyle/>
+            <a:p>
+              <a:pPr algn="ctr"/>
+              <a:endParaRPr lang="en-US" dirty="0"/>
+            </a:p>
+          </p:txBody>
+        </p:sp>
+      </p:grpSp>
+    </p:spTree>
+    <p:extLst>
+      <p:ext uri="{BB962C8B-B14F-4D97-AF65-F5344CB8AC3E}">
+        <p14:creationId xmlns:p14="http://schemas.microsoft.com/office/powerpoint/2010/main" val="2966818862"/>
+      </p:ext>
+    </p:extLst>
+  </p:cSld>
+  <p:clrMapOvr>
+    <a:masterClrMapping/>
+  </p:clrMapOvr>
+  <p:timing>
+    <p:tnLst>
+      <p:par>
+        <p:cTn xmlns:p14="http://schemas.microsoft.com/office/powerpoint/2010/main" id="1" dur="indefinite" restart="never" nodeType="tmRoot"/>
+      </p:par>
+    </p:tnLst>
+  </p:timing>
+</p:sld>
+</file>
+
+<file path=ppt/slides/slide33.xml><?xml version="1.0" encoding="utf-8"?>
+<p:sld xmlns:a="http://schemas.openxmlformats.org/drawingml/2006/main" xmlns:r="http://schemas.openxmlformats.org/officeDocument/2006/relationships" xmlns:p="http://schemas.openxmlformats.org/presentationml/2006/main">
+  <p:cSld>
+    <p:spTree>
+      <p:nvGrpSpPr>
+        <p:cNvPr id="1" name=""/>
+        <p:cNvGrpSpPr/>
+        <p:nvPr/>
+      </p:nvGrpSpPr>
+      <p:grpSpPr>
+        <a:xfrm>
+          <a:off x="0" y="0"/>
+          <a:ext cx="0" cy="0"/>
+          <a:chOff x="0" y="0"/>
+          <a:chExt cx="0" cy="0"/>
+        </a:xfrm>
+      </p:grpSpPr>
+      <p:grpSp>
+        <p:nvGrpSpPr>
+          <p:cNvPr id="21" name="Group 20"/>
+          <p:cNvGrpSpPr/>
+          <p:nvPr/>
+        </p:nvGrpSpPr>
+        <p:grpSpPr>
+          <a:xfrm>
+            <a:off x="3001202" y="3494088"/>
+            <a:ext cx="3685759" cy="855345"/>
+            <a:chOff x="2613014" y="3463608"/>
+            <a:chExt cx="4482465" cy="855345"/>
+          </a:xfrm>
+        </p:grpSpPr>
+        <p:sp>
+          <p:nvSpPr>
+            <p:cNvPr id="22" name="Freeform 21"/>
+            <p:cNvSpPr/>
+            <p:nvPr/>
+          </p:nvSpPr>
+          <p:spPr>
+            <a:xfrm>
+              <a:off x="2613014" y="3867468"/>
+              <a:ext cx="4116070" cy="451485"/>
+            </a:xfrm>
+            <a:custGeom>
+              <a:avLst/>
+              <a:gdLst>
+                <a:gd name="connsiteX0" fmla="*/ 1441 w 4116241"/>
+                <a:gd name="connsiteY0" fmla="*/ 53788 h 452079"/>
+                <a:gd name="connsiteX1" fmla="*/ 566218 w 4116241"/>
+                <a:gd name="connsiteY1" fmla="*/ 430306 h 452079"/>
+                <a:gd name="connsiteX2" fmla="*/ 3470782 w 4116241"/>
+                <a:gd name="connsiteY2" fmla="*/ 363071 h 452079"/>
+                <a:gd name="connsiteX3" fmla="*/ 4116241 w 4116241"/>
+                <a:gd name="connsiteY3" fmla="*/ 0 h 452079"/>
+              </a:gdLst>
+              <a:ahLst/>
+              <a:cxnLst>
+                <a:cxn ang="0">
+                  <a:pos x="connsiteX0" y="connsiteY0"/>
+                </a:cxn>
+                <a:cxn ang="0">
+                  <a:pos x="connsiteX1" y="connsiteY1"/>
+                </a:cxn>
+                <a:cxn ang="0">
+                  <a:pos x="connsiteX2" y="connsiteY2"/>
+                </a:cxn>
+                <a:cxn ang="0">
+                  <a:pos x="connsiteX3" y="connsiteY3"/>
+                </a:cxn>
+              </a:cxnLst>
+              <a:rect l="l" t="t" r="r" b="b"/>
+              <a:pathLst>
+                <a:path w="4116241" h="452079">
+                  <a:moveTo>
+                    <a:pt x="1441" y="53788"/>
+                  </a:moveTo>
+                  <a:cubicBezTo>
+                    <a:pt x="-5283" y="216273"/>
+                    <a:pt x="-12006" y="378759"/>
+                    <a:pt x="566218" y="430306"/>
+                  </a:cubicBezTo>
+                  <a:cubicBezTo>
+                    <a:pt x="1144442" y="481853"/>
+                    <a:pt x="2879112" y="434789"/>
+                    <a:pt x="3470782" y="363071"/>
+                  </a:cubicBezTo>
+                  <a:cubicBezTo>
+                    <a:pt x="4062452" y="291353"/>
+                    <a:pt x="3883159" y="163606"/>
+                    <a:pt x="4116241" y="0"/>
+                  </a:cubicBezTo>
+                </a:path>
+              </a:pathLst>
+            </a:custGeom>
+            <a:ln w="57150" cmpd="sng">
+              <a:solidFill>
+                <a:schemeClr val="tx1"/>
+              </a:solidFill>
+            </a:ln>
+            <a:effectLst/>
+          </p:spPr>
+          <p:style>
+            <a:lnRef idx="2">
+              <a:schemeClr val="accent1"/>
+            </a:lnRef>
+            <a:fillRef idx="0">
+              <a:schemeClr val="accent1"/>
+            </a:fillRef>
+            <a:effectRef idx="1">
+              <a:schemeClr val="accent1"/>
+            </a:effectRef>
+            <a:fontRef idx="minor">
+              <a:schemeClr val="tx1"/>
+            </a:fontRef>
+          </p:style>
+          <p:txBody>
+            <a:bodyPr rot="0" spcFirstLastPara="0" vert="horz" wrap="square" lIns="91440" tIns="45720" rIns="91440" bIns="45720" numCol="1" spcCol="0" rtlCol="0" fromWordArt="0" anchor="ctr" anchorCtr="0" forceAA="0" compatLnSpc="1">
+              <a:prstTxWarp prst="textNoShape">
+                <a:avLst/>
+              </a:prstTxWarp>
+              <a:noAutofit/>
+            </a:bodyPr>
+            <a:lstStyle/>
+            <a:p>
+              <a:endParaRPr lang="en-US" dirty="0"/>
+            </a:p>
+          </p:txBody>
+        </p:sp>
+        <p:sp>
+          <p:nvSpPr>
+            <p:cNvPr id="23" name="Arc 22"/>
+            <p:cNvSpPr/>
+            <p:nvPr/>
+          </p:nvSpPr>
+          <p:spPr>
+            <a:xfrm rot="10421988">
+              <a:off x="6633199" y="3463608"/>
+              <a:ext cx="462280" cy="443865"/>
+            </a:xfrm>
+            <a:prstGeom prst="arc">
+              <a:avLst/>
+            </a:prstGeom>
+            <a:ln w="57150" cmpd="sng">
+              <a:solidFill>
+                <a:schemeClr val="tx1"/>
+              </a:solidFill>
+            </a:ln>
+            <a:effectLst/>
+          </p:spPr>
+          <p:style>
+            <a:lnRef idx="2">
+              <a:schemeClr val="accent1"/>
+            </a:lnRef>
+            <a:fillRef idx="0">
+              <a:schemeClr val="accent1"/>
+            </a:fillRef>
+            <a:effectRef idx="1">
+              <a:schemeClr val="accent1"/>
+            </a:effectRef>
+            <a:fontRef idx="minor">
+              <a:schemeClr val="tx1"/>
+            </a:fontRef>
+          </p:style>
+          <p:txBody>
+            <a:bodyPr rot="0" spcFirstLastPara="0" vert="horz" wrap="square" lIns="91440" tIns="45720" rIns="91440" bIns="45720" numCol="1" spcCol="0" rtlCol="0" fromWordArt="0" anchor="ctr" anchorCtr="0" forceAA="0" compatLnSpc="1">
+              <a:prstTxWarp prst="textNoShape">
+                <a:avLst/>
+              </a:prstTxWarp>
+              <a:noAutofit/>
+            </a:bodyPr>
+            <a:lstStyle/>
+            <a:p>
+              <a:endParaRPr lang="en-US" dirty="0"/>
+            </a:p>
+          </p:txBody>
+        </p:sp>
+      </p:grpSp>
+      <p:sp>
+        <p:nvSpPr>
+          <p:cNvPr id="2" name="Oval 1"/>
+          <p:cNvSpPr/>
+          <p:nvPr/>
+        </p:nvSpPr>
+        <p:spPr>
+          <a:xfrm>
+            <a:off x="4464050" y="4163825"/>
+            <a:ext cx="409575" cy="381188"/>
+          </a:xfrm>
+          <a:prstGeom prst="ellipse">
+            <a:avLst/>
+          </a:prstGeom>
+          <a:solidFill>
+            <a:schemeClr val="tx1"/>
+          </a:solidFill>
+          <a:ln>
+            <a:noFill/>
+          </a:ln>
+          <a:effectLst/>
+        </p:spPr>
+        <p:style>
+          <a:lnRef idx="1">
+            <a:schemeClr val="accent1"/>
+          </a:lnRef>
+          <a:fillRef idx="3">
+            <a:schemeClr val="accent1"/>
+          </a:fillRef>
+          <a:effectRef idx="2">
+            <a:schemeClr val="accent1"/>
+          </a:effectRef>
+          <a:fontRef idx="minor">
+            <a:schemeClr val="lt1"/>
+          </a:fontRef>
+        </p:style>
+        <p:txBody>
+          <a:bodyPr rtlCol="0" anchor="ctr"/>
+          <a:lstStyle/>
+          <a:p>
+            <a:pPr algn="ctr"/>
+            <a:endParaRPr lang="en-US"/>
+          </a:p>
+        </p:txBody>
+      </p:sp>
+      <p:sp>
+        <p:nvSpPr>
+          <p:cNvPr id="24" name="Isosceles Triangle 23"/>
+          <p:cNvSpPr/>
+          <p:nvPr/>
+        </p:nvSpPr>
+        <p:spPr>
+          <a:xfrm rot="5400000" flipH="1">
+            <a:off x="4747488" y="4221751"/>
+            <a:ext cx="328074" cy="266300"/>
+          </a:xfrm>
+          <a:prstGeom prst="triangle">
+            <a:avLst>
+              <a:gd name="adj" fmla="val 57371"/>
+            </a:avLst>
+          </a:prstGeom>
+          <a:solidFill>
+            <a:srgbClr val="000000"/>
+          </a:solidFill>
+          <a:ln>
+            <a:noFill/>
+          </a:ln>
+          <a:effectLst/>
+        </p:spPr>
+        <p:style>
+          <a:lnRef idx="1">
+            <a:schemeClr val="accent1"/>
+          </a:lnRef>
+          <a:fillRef idx="3">
+            <a:schemeClr val="accent1"/>
+          </a:fillRef>
+          <a:effectRef idx="2">
+            <a:schemeClr val="accent1"/>
+          </a:effectRef>
+          <a:fontRef idx="minor">
+            <a:schemeClr val="lt1"/>
+          </a:fontRef>
+        </p:style>
+        <p:txBody>
+          <a:bodyPr rtlCol="0" anchor="ctr"/>
+          <a:lstStyle/>
+          <a:p>
+            <a:pPr algn="ctr"/>
+            <a:endParaRPr lang="en-US"/>
+          </a:p>
+        </p:txBody>
+      </p:sp>
+      <p:sp>
+        <p:nvSpPr>
+          <p:cNvPr id="33" name="Isosceles Triangle 32"/>
+          <p:cNvSpPr/>
+          <p:nvPr/>
+        </p:nvSpPr>
+        <p:spPr>
+          <a:xfrm rot="16200000">
+            <a:off x="4271238" y="4221751"/>
+            <a:ext cx="328074" cy="266300"/>
+          </a:xfrm>
+          <a:prstGeom prst="triangle">
+            <a:avLst>
+              <a:gd name="adj" fmla="val 53500"/>
+            </a:avLst>
+          </a:prstGeom>
+          <a:solidFill>
+            <a:srgbClr val="000000"/>
+          </a:solidFill>
+          <a:ln>
+            <a:noFill/>
+          </a:ln>
+          <a:effectLst/>
+        </p:spPr>
+        <p:style>
+          <a:lnRef idx="1">
+            <a:schemeClr val="accent1"/>
+          </a:lnRef>
+          <a:fillRef idx="3">
+            <a:schemeClr val="accent1"/>
+          </a:fillRef>
+          <a:effectRef idx="2">
+            <a:schemeClr val="accent1"/>
+          </a:effectRef>
+          <a:fontRef idx="minor">
+            <a:schemeClr val="lt1"/>
+          </a:fontRef>
+        </p:style>
+        <p:txBody>
+          <a:bodyPr rtlCol="0" anchor="ctr"/>
+          <a:lstStyle/>
+          <a:p>
+            <a:pPr algn="ctr"/>
+            <a:endParaRPr lang="en-US"/>
+          </a:p>
+        </p:txBody>
+      </p:sp>
+      <p:grpSp>
+        <p:nvGrpSpPr>
+          <p:cNvPr id="8" name="Group 7"/>
+          <p:cNvGrpSpPr/>
+          <p:nvPr/>
+        </p:nvGrpSpPr>
+        <p:grpSpPr>
+          <a:xfrm flipH="1" flipV="1">
+            <a:off x="3371269" y="1507457"/>
+            <a:ext cx="2620536" cy="800100"/>
+            <a:chOff x="3373625" y="1507457"/>
+            <a:chExt cx="2620536" cy="800100"/>
+          </a:xfrm>
+        </p:grpSpPr>
+        <p:sp>
+          <p:nvSpPr>
+            <p:cNvPr id="9" name="Oval 8"/>
+            <p:cNvSpPr/>
+            <p:nvPr/>
+          </p:nvSpPr>
+          <p:spPr>
+            <a:xfrm>
+              <a:off x="5536961" y="1507457"/>
+              <a:ext cx="457200" cy="800100"/>
+            </a:xfrm>
+            <a:prstGeom prst="ellipse">
+              <a:avLst/>
+            </a:prstGeom>
+            <a:solidFill>
+              <a:schemeClr val="tx1"/>
+            </a:solidFill>
+            <a:ln>
+              <a:noFill/>
+            </a:ln>
+            <a:effectLst/>
+          </p:spPr>
+          <p:style>
+            <a:lnRef idx="1">
+              <a:schemeClr val="accent1"/>
+            </a:lnRef>
+            <a:fillRef idx="3">
+              <a:schemeClr val="accent1"/>
+            </a:fillRef>
+            <a:effectRef idx="2">
+              <a:schemeClr val="accent1"/>
+            </a:effectRef>
+            <a:fontRef idx="minor">
+              <a:schemeClr val="lt1"/>
+            </a:fontRef>
+          </p:style>
+          <p:txBody>
+            <a:bodyPr rot="0" spcFirstLastPara="0" vert="horz" wrap="square" lIns="91440" tIns="45720" rIns="91440" bIns="45720" numCol="1" spcCol="0" rtlCol="0" fromWordArt="0" anchor="ctr" anchorCtr="0" forceAA="0" compatLnSpc="1">
+              <a:prstTxWarp prst="textNoShape">
+                <a:avLst/>
+              </a:prstTxWarp>
+              <a:noAutofit/>
+            </a:bodyPr>
+            <a:lstStyle/>
+            <a:p>
+              <a:endParaRPr lang="en-US" dirty="0"/>
+            </a:p>
+          </p:txBody>
+        </p:sp>
+        <p:sp>
+          <p:nvSpPr>
+            <p:cNvPr id="10" name="Oval 9"/>
+            <p:cNvSpPr/>
+            <p:nvPr/>
+          </p:nvSpPr>
+          <p:spPr>
+            <a:xfrm>
+              <a:off x="5634199" y="1585438"/>
+              <a:ext cx="180975" cy="361950"/>
+            </a:xfrm>
+            <a:prstGeom prst="ellipse">
+              <a:avLst/>
+            </a:prstGeom>
+            <a:solidFill>
+              <a:schemeClr val="bg1"/>
+            </a:solidFill>
+            <a:ln>
+              <a:noFill/>
+            </a:ln>
+            <a:effectLst/>
+          </p:spPr>
+          <p:style>
+            <a:lnRef idx="1">
+              <a:schemeClr val="accent1"/>
+            </a:lnRef>
+            <a:fillRef idx="3">
+              <a:schemeClr val="accent1"/>
+            </a:fillRef>
+            <a:effectRef idx="2">
+              <a:schemeClr val="accent1"/>
+            </a:effectRef>
+            <a:fontRef idx="minor">
+              <a:schemeClr val="lt1"/>
+            </a:fontRef>
+          </p:style>
+          <p:txBody>
+            <a:bodyPr rot="0" spcFirstLastPara="0" vert="horz" wrap="square" lIns="91440" tIns="45720" rIns="91440" bIns="45720" numCol="1" spcCol="0" rtlCol="0" fromWordArt="0" anchor="ctr" anchorCtr="0" forceAA="0" compatLnSpc="1">
+              <a:prstTxWarp prst="textNoShape">
+                <a:avLst/>
+              </a:prstTxWarp>
+              <a:noAutofit/>
+            </a:bodyPr>
+            <a:lstStyle/>
+            <a:p>
+              <a:endParaRPr lang="en-US" dirty="0"/>
+            </a:p>
+          </p:txBody>
+        </p:sp>
+        <p:sp>
+          <p:nvSpPr>
+            <p:cNvPr id="11" name="Oval 10"/>
+            <p:cNvSpPr/>
+            <p:nvPr/>
+          </p:nvSpPr>
+          <p:spPr>
+            <a:xfrm>
+              <a:off x="3373625" y="1507457"/>
+              <a:ext cx="457200" cy="800100"/>
+            </a:xfrm>
+            <a:prstGeom prst="ellipse">
+              <a:avLst/>
+            </a:prstGeom>
+            <a:solidFill>
+              <a:schemeClr val="tx1"/>
+            </a:solidFill>
+            <a:ln>
+              <a:noFill/>
+            </a:ln>
+            <a:effectLst/>
+          </p:spPr>
+          <p:style>
+            <a:lnRef idx="1">
+              <a:schemeClr val="accent1"/>
+            </a:lnRef>
+            <a:fillRef idx="3">
+              <a:schemeClr val="accent1"/>
+            </a:fillRef>
+            <a:effectRef idx="2">
+              <a:schemeClr val="accent1"/>
+            </a:effectRef>
+            <a:fontRef idx="minor">
+              <a:schemeClr val="lt1"/>
+            </a:fontRef>
+          </p:style>
+          <p:txBody>
+            <a:bodyPr rot="0" spcFirstLastPara="0" vert="horz" wrap="square" lIns="91440" tIns="45720" rIns="91440" bIns="45720" numCol="1" spcCol="0" rtlCol="0" fromWordArt="0" anchor="ctr" anchorCtr="0" forceAA="0" compatLnSpc="1">
+              <a:prstTxWarp prst="textNoShape">
+                <a:avLst/>
+              </a:prstTxWarp>
+              <a:noAutofit/>
+            </a:bodyPr>
+            <a:lstStyle/>
+            <a:p>
+              <a:endParaRPr lang="en-US" dirty="0"/>
+            </a:p>
+          </p:txBody>
+        </p:sp>
+        <p:sp>
+          <p:nvSpPr>
+            <p:cNvPr id="12" name="Oval 11"/>
+            <p:cNvSpPr/>
+            <p:nvPr/>
+          </p:nvSpPr>
+          <p:spPr>
+            <a:xfrm>
+              <a:off x="3470863" y="1585438"/>
+              <a:ext cx="180975" cy="361950"/>
+            </a:xfrm>
+            <a:prstGeom prst="ellipse">
+              <a:avLst/>
+            </a:prstGeom>
+            <a:solidFill>
+              <a:schemeClr val="bg1"/>
+            </a:solidFill>
+            <a:ln>
+              <a:noFill/>
+            </a:ln>
+            <a:effectLst/>
+          </p:spPr>
+          <p:style>
+            <a:lnRef idx="1">
+              <a:schemeClr val="accent1"/>
+            </a:lnRef>
+            <a:fillRef idx="3">
+              <a:schemeClr val="accent1"/>
+            </a:fillRef>
+            <a:effectRef idx="2">
+              <a:schemeClr val="accent1"/>
+            </a:effectRef>
+            <a:fontRef idx="minor">
+              <a:schemeClr val="lt1"/>
+            </a:fontRef>
+          </p:style>
+          <p:txBody>
+            <a:bodyPr rot="0" spcFirstLastPara="0" vert="horz" wrap="square" lIns="91440" tIns="45720" rIns="91440" bIns="45720" numCol="1" spcCol="0" rtlCol="0" fromWordArt="0" anchor="ctr" anchorCtr="0" forceAA="0" compatLnSpc="1">
+              <a:prstTxWarp prst="textNoShape">
+                <a:avLst/>
+              </a:prstTxWarp>
+              <a:noAutofit/>
+            </a:bodyPr>
+            <a:lstStyle/>
+            <a:p>
+              <a:endParaRPr lang="en-US" dirty="0"/>
+            </a:p>
+          </p:txBody>
+        </p:sp>
+      </p:grpSp>
+      <p:grpSp>
+        <p:nvGrpSpPr>
+          <p:cNvPr id="13" name="Group 12"/>
+          <p:cNvGrpSpPr/>
+          <p:nvPr/>
+        </p:nvGrpSpPr>
+        <p:grpSpPr>
+          <a:xfrm>
+            <a:off x="3068869" y="1169022"/>
+            <a:ext cx="3225337" cy="1015717"/>
+            <a:chOff x="3044953" y="1169022"/>
+            <a:chExt cx="3225337" cy="1015717"/>
+          </a:xfrm>
+        </p:grpSpPr>
+        <p:sp>
+          <p:nvSpPr>
+            <p:cNvPr id="14" name="Arc 13"/>
+            <p:cNvSpPr/>
+            <p:nvPr/>
+          </p:nvSpPr>
+          <p:spPr>
+            <a:xfrm rot="18532473">
+              <a:off x="3067793" y="1146183"/>
+              <a:ext cx="1015716" cy="1061395"/>
+            </a:xfrm>
+            <a:prstGeom prst="arc">
+              <a:avLst/>
+            </a:prstGeom>
+            <a:ln w="57150" cmpd="sng">
+              <a:solidFill>
+                <a:schemeClr val="tx1"/>
+              </a:solidFill>
+            </a:ln>
+            <a:effectLst/>
+          </p:spPr>
+          <p:style>
+            <a:lnRef idx="2">
+              <a:schemeClr val="accent1"/>
+            </a:lnRef>
+            <a:fillRef idx="0">
+              <a:schemeClr val="accent1"/>
+            </a:fillRef>
+            <a:effectRef idx="1">
+              <a:schemeClr val="accent1"/>
+            </a:effectRef>
+            <a:fontRef idx="minor">
+              <a:schemeClr val="tx1"/>
+            </a:fontRef>
+          </p:style>
+          <p:txBody>
+            <a:bodyPr rtlCol="0" anchor="ctr"/>
+            <a:lstStyle/>
+            <a:p>
+              <a:pPr algn="ctr"/>
+              <a:endParaRPr lang="en-US" dirty="0"/>
+            </a:p>
+          </p:txBody>
+        </p:sp>
+        <p:sp>
+          <p:nvSpPr>
+            <p:cNvPr id="15" name="Arc 14"/>
+            <p:cNvSpPr/>
+            <p:nvPr/>
+          </p:nvSpPr>
+          <p:spPr>
+            <a:xfrm rot="3067527" flipH="1">
+              <a:off x="5231735" y="1146182"/>
+              <a:ext cx="1015716" cy="1061395"/>
+            </a:xfrm>
+            <a:prstGeom prst="arc">
+              <a:avLst/>
+            </a:prstGeom>
+            <a:ln w="57150" cmpd="sng">
+              <a:solidFill>
+                <a:schemeClr val="tx1"/>
+              </a:solidFill>
+            </a:ln>
+            <a:effectLst/>
+          </p:spPr>
+          <p:style>
+            <a:lnRef idx="2">
+              <a:schemeClr val="accent1"/>
+            </a:lnRef>
+            <a:fillRef idx="0">
+              <a:schemeClr val="accent1"/>
+            </a:fillRef>
+            <a:effectRef idx="1">
+              <a:schemeClr val="accent1"/>
+            </a:effectRef>
+            <a:fontRef idx="minor">
+              <a:schemeClr val="tx1"/>
+            </a:fontRef>
+          </p:style>
+          <p:txBody>
+            <a:bodyPr rtlCol="0" anchor="ctr"/>
+            <a:lstStyle/>
+            <a:p>
+              <a:pPr algn="ctr"/>
+              <a:endParaRPr lang="en-US" dirty="0"/>
+            </a:p>
+          </p:txBody>
+        </p:sp>
+      </p:grpSp>
+    </p:spTree>
+    <p:extLst>
+      <p:ext uri="{BB962C8B-B14F-4D97-AF65-F5344CB8AC3E}">
+        <p14:creationId xmlns:p14="http://schemas.microsoft.com/office/powerpoint/2010/main" val="1770331679"/>
+      </p:ext>
+    </p:extLst>
+  </p:cSld>
+  <p:clrMapOvr>
+    <a:masterClrMapping/>
+  </p:clrMapOvr>
+  <p:timing>
+    <p:tnLst>
+      <p:par>
+        <p:cTn xmlns:p14="http://schemas.microsoft.com/office/powerpoint/2010/main" id="1" dur="indefinite" restart="never" nodeType="tmRoot"/>
+      </p:par>
+    </p:tnLst>
+  </p:timing>
+</p:sld>
+</file>
+
+<file path=ppt/slides/slide34.xml><?xml version="1.0" encoding="utf-8"?>
+<p:sld xmlns:a="http://schemas.openxmlformats.org/drawingml/2006/main" xmlns:r="http://schemas.openxmlformats.org/officeDocument/2006/relationships" xmlns:p="http://schemas.openxmlformats.org/presentationml/2006/main">
+  <p:cSld>
+    <p:spTree>
+      <p:nvGrpSpPr>
+        <p:cNvPr id="1" name=""/>
+        <p:cNvGrpSpPr/>
+        <p:nvPr/>
+      </p:nvGrpSpPr>
+      <p:grpSpPr>
+        <a:xfrm>
+          <a:off x="0" y="0"/>
+          <a:ext cx="0" cy="0"/>
+          <a:chOff x="0" y="0"/>
+          <a:chExt cx="0" cy="0"/>
+        </a:xfrm>
+      </p:grpSpPr>
+      <p:grpSp>
+        <p:nvGrpSpPr>
+          <p:cNvPr id="21" name="Group 20"/>
+          <p:cNvGrpSpPr/>
+          <p:nvPr/>
+        </p:nvGrpSpPr>
+        <p:grpSpPr>
+          <a:xfrm>
+            <a:off x="3001202" y="3494088"/>
+            <a:ext cx="3685759" cy="855345"/>
+            <a:chOff x="2613014" y="3463608"/>
+            <a:chExt cx="4482465" cy="855345"/>
+          </a:xfrm>
+        </p:grpSpPr>
+        <p:sp>
+          <p:nvSpPr>
+            <p:cNvPr id="22" name="Freeform 21"/>
+            <p:cNvSpPr/>
+            <p:nvPr/>
+          </p:nvSpPr>
+          <p:spPr>
+            <a:xfrm>
+              <a:off x="2613014" y="3867468"/>
+              <a:ext cx="4116070" cy="451485"/>
+            </a:xfrm>
+            <a:custGeom>
+              <a:avLst/>
+              <a:gdLst>
+                <a:gd name="connsiteX0" fmla="*/ 1441 w 4116241"/>
+                <a:gd name="connsiteY0" fmla="*/ 53788 h 452079"/>
+                <a:gd name="connsiteX1" fmla="*/ 566218 w 4116241"/>
+                <a:gd name="connsiteY1" fmla="*/ 430306 h 452079"/>
+                <a:gd name="connsiteX2" fmla="*/ 3470782 w 4116241"/>
+                <a:gd name="connsiteY2" fmla="*/ 363071 h 452079"/>
+                <a:gd name="connsiteX3" fmla="*/ 4116241 w 4116241"/>
+                <a:gd name="connsiteY3" fmla="*/ 0 h 452079"/>
+              </a:gdLst>
+              <a:ahLst/>
+              <a:cxnLst>
+                <a:cxn ang="0">
+                  <a:pos x="connsiteX0" y="connsiteY0"/>
+                </a:cxn>
+                <a:cxn ang="0">
+                  <a:pos x="connsiteX1" y="connsiteY1"/>
+                </a:cxn>
+                <a:cxn ang="0">
+                  <a:pos x="connsiteX2" y="connsiteY2"/>
+                </a:cxn>
+                <a:cxn ang="0">
+                  <a:pos x="connsiteX3" y="connsiteY3"/>
+                </a:cxn>
+              </a:cxnLst>
+              <a:rect l="l" t="t" r="r" b="b"/>
+              <a:pathLst>
+                <a:path w="4116241" h="452079">
+                  <a:moveTo>
+                    <a:pt x="1441" y="53788"/>
+                  </a:moveTo>
+                  <a:cubicBezTo>
+                    <a:pt x="-5283" y="216273"/>
+                    <a:pt x="-12006" y="378759"/>
+                    <a:pt x="566218" y="430306"/>
+                  </a:cubicBezTo>
+                  <a:cubicBezTo>
+                    <a:pt x="1144442" y="481853"/>
+                    <a:pt x="2879112" y="434789"/>
+                    <a:pt x="3470782" y="363071"/>
+                  </a:cubicBezTo>
+                  <a:cubicBezTo>
+                    <a:pt x="4062452" y="291353"/>
+                    <a:pt x="3883159" y="163606"/>
+                    <a:pt x="4116241" y="0"/>
+                  </a:cubicBezTo>
+                </a:path>
+              </a:pathLst>
+            </a:custGeom>
+            <a:ln w="57150" cmpd="sng">
+              <a:solidFill>
+                <a:schemeClr val="tx1"/>
+              </a:solidFill>
+            </a:ln>
+            <a:effectLst/>
+          </p:spPr>
+          <p:style>
+            <a:lnRef idx="2">
+              <a:schemeClr val="accent1"/>
+            </a:lnRef>
+            <a:fillRef idx="0">
+              <a:schemeClr val="accent1"/>
+            </a:fillRef>
+            <a:effectRef idx="1">
+              <a:schemeClr val="accent1"/>
+            </a:effectRef>
+            <a:fontRef idx="minor">
+              <a:schemeClr val="tx1"/>
+            </a:fontRef>
+          </p:style>
+          <p:txBody>
+            <a:bodyPr rot="0" spcFirstLastPara="0" vert="horz" wrap="square" lIns="91440" tIns="45720" rIns="91440" bIns="45720" numCol="1" spcCol="0" rtlCol="0" fromWordArt="0" anchor="ctr" anchorCtr="0" forceAA="0" compatLnSpc="1">
+              <a:prstTxWarp prst="textNoShape">
+                <a:avLst/>
+              </a:prstTxWarp>
+              <a:noAutofit/>
+            </a:bodyPr>
+            <a:lstStyle/>
+            <a:p>
+              <a:endParaRPr lang="en-US" dirty="0"/>
+            </a:p>
+          </p:txBody>
+        </p:sp>
+        <p:sp>
+          <p:nvSpPr>
+            <p:cNvPr id="23" name="Arc 22"/>
+            <p:cNvSpPr/>
+            <p:nvPr/>
+          </p:nvSpPr>
+          <p:spPr>
+            <a:xfrm rot="10421988">
+              <a:off x="6633199" y="3463608"/>
+              <a:ext cx="462280" cy="443865"/>
+            </a:xfrm>
+            <a:prstGeom prst="arc">
+              <a:avLst/>
+            </a:prstGeom>
+            <a:ln w="57150" cmpd="sng">
+              <a:solidFill>
+                <a:schemeClr val="tx1"/>
+              </a:solidFill>
+            </a:ln>
+            <a:effectLst/>
+          </p:spPr>
+          <p:style>
+            <a:lnRef idx="2">
+              <a:schemeClr val="accent1"/>
+            </a:lnRef>
+            <a:fillRef idx="0">
+              <a:schemeClr val="accent1"/>
+            </a:fillRef>
+            <a:effectRef idx="1">
+              <a:schemeClr val="accent1"/>
+            </a:effectRef>
+            <a:fontRef idx="minor">
+              <a:schemeClr val="tx1"/>
+            </a:fontRef>
+          </p:style>
+          <p:txBody>
+            <a:bodyPr rot="0" spcFirstLastPara="0" vert="horz" wrap="square" lIns="91440" tIns="45720" rIns="91440" bIns="45720" numCol="1" spcCol="0" rtlCol="0" fromWordArt="0" anchor="ctr" anchorCtr="0" forceAA="0" compatLnSpc="1">
+              <a:prstTxWarp prst="textNoShape">
+                <a:avLst/>
+              </a:prstTxWarp>
+              <a:noAutofit/>
+            </a:bodyPr>
+            <a:lstStyle/>
+            <a:p>
+              <a:endParaRPr lang="en-US" dirty="0"/>
+            </a:p>
+          </p:txBody>
+        </p:sp>
+      </p:grpSp>
+      <p:sp>
+        <p:nvSpPr>
+          <p:cNvPr id="2" name="Oval 1"/>
+          <p:cNvSpPr/>
+          <p:nvPr/>
+        </p:nvSpPr>
+        <p:spPr>
+          <a:xfrm>
+            <a:off x="4464050" y="4163825"/>
+            <a:ext cx="409575" cy="381188"/>
+          </a:xfrm>
+          <a:prstGeom prst="ellipse">
+            <a:avLst/>
+          </a:prstGeom>
+          <a:solidFill>
+            <a:schemeClr val="tx1"/>
+          </a:solidFill>
+          <a:ln>
+            <a:noFill/>
+          </a:ln>
+          <a:effectLst/>
+        </p:spPr>
+        <p:style>
+          <a:lnRef idx="1">
+            <a:schemeClr val="accent1"/>
+          </a:lnRef>
+          <a:fillRef idx="3">
+            <a:schemeClr val="accent1"/>
+          </a:fillRef>
+          <a:effectRef idx="2">
+            <a:schemeClr val="accent1"/>
+          </a:effectRef>
+          <a:fontRef idx="minor">
+            <a:schemeClr val="lt1"/>
+          </a:fontRef>
+        </p:style>
+        <p:txBody>
+          <a:bodyPr rtlCol="0" anchor="ctr"/>
+          <a:lstStyle/>
+          <a:p>
+            <a:pPr algn="ctr"/>
+            <a:endParaRPr lang="en-US"/>
+          </a:p>
+        </p:txBody>
+      </p:sp>
+      <p:sp>
+        <p:nvSpPr>
+          <p:cNvPr id="24" name="Isosceles Triangle 23"/>
+          <p:cNvSpPr/>
+          <p:nvPr/>
+        </p:nvSpPr>
+        <p:spPr>
+          <a:xfrm rot="5400000" flipH="1">
+            <a:off x="4747488" y="4221751"/>
+            <a:ext cx="328074" cy="266300"/>
+          </a:xfrm>
+          <a:prstGeom prst="triangle">
+            <a:avLst>
+              <a:gd name="adj" fmla="val 57371"/>
+            </a:avLst>
+          </a:prstGeom>
+          <a:solidFill>
+            <a:srgbClr val="000000"/>
+          </a:solidFill>
+          <a:ln>
+            <a:noFill/>
+          </a:ln>
+          <a:effectLst/>
+        </p:spPr>
+        <p:style>
+          <a:lnRef idx="1">
+            <a:schemeClr val="accent1"/>
+          </a:lnRef>
+          <a:fillRef idx="3">
+            <a:schemeClr val="accent1"/>
+          </a:fillRef>
+          <a:effectRef idx="2">
+            <a:schemeClr val="accent1"/>
+          </a:effectRef>
+          <a:fontRef idx="minor">
+            <a:schemeClr val="lt1"/>
+          </a:fontRef>
+        </p:style>
+        <p:txBody>
+          <a:bodyPr rtlCol="0" anchor="ctr"/>
+          <a:lstStyle/>
+          <a:p>
+            <a:pPr algn="ctr"/>
+            <a:endParaRPr lang="en-US"/>
+          </a:p>
+        </p:txBody>
+      </p:sp>
+      <p:sp>
+        <p:nvSpPr>
+          <p:cNvPr id="33" name="Isosceles Triangle 32"/>
+          <p:cNvSpPr/>
+          <p:nvPr/>
+        </p:nvSpPr>
+        <p:spPr>
+          <a:xfrm rot="16200000">
+            <a:off x="4271238" y="4221751"/>
+            <a:ext cx="328074" cy="266300"/>
+          </a:xfrm>
+          <a:prstGeom prst="triangle">
+            <a:avLst>
+              <a:gd name="adj" fmla="val 53500"/>
+            </a:avLst>
+          </a:prstGeom>
+          <a:solidFill>
+            <a:srgbClr val="000000"/>
+          </a:solidFill>
+          <a:ln>
+            <a:noFill/>
+          </a:ln>
+          <a:effectLst/>
+        </p:spPr>
+        <p:style>
+          <a:lnRef idx="1">
+            <a:schemeClr val="accent1"/>
+          </a:lnRef>
+          <a:fillRef idx="3">
+            <a:schemeClr val="accent1"/>
+          </a:fillRef>
+          <a:effectRef idx="2">
+            <a:schemeClr val="accent1"/>
+          </a:effectRef>
+          <a:fontRef idx="minor">
+            <a:schemeClr val="lt1"/>
+          </a:fontRef>
+        </p:style>
+        <p:txBody>
+          <a:bodyPr rtlCol="0" anchor="ctr"/>
+          <a:lstStyle/>
+          <a:p>
+            <a:pPr algn="ctr"/>
+            <a:endParaRPr lang="en-US"/>
+          </a:p>
+        </p:txBody>
+      </p:sp>
+      <p:grpSp>
+        <p:nvGrpSpPr>
+          <p:cNvPr id="18" name="Group 17"/>
+          <p:cNvGrpSpPr/>
+          <p:nvPr/>
+        </p:nvGrpSpPr>
+        <p:grpSpPr>
+          <a:xfrm flipV="1">
+            <a:off x="3371269" y="1507457"/>
+            <a:ext cx="2620536" cy="800100"/>
+            <a:chOff x="3373625" y="1507457"/>
+            <a:chExt cx="2620536" cy="800100"/>
+          </a:xfrm>
+        </p:grpSpPr>
+        <p:sp>
+          <p:nvSpPr>
+            <p:cNvPr id="19" name="Oval 18"/>
+            <p:cNvSpPr/>
+            <p:nvPr/>
+          </p:nvSpPr>
+          <p:spPr>
+            <a:xfrm>
+              <a:off x="5536961" y="1507457"/>
+              <a:ext cx="457200" cy="800100"/>
+            </a:xfrm>
+            <a:prstGeom prst="ellipse">
+              <a:avLst/>
+            </a:prstGeom>
+            <a:solidFill>
+              <a:schemeClr val="tx1"/>
+            </a:solidFill>
+            <a:ln>
+              <a:noFill/>
+            </a:ln>
+            <a:effectLst/>
+          </p:spPr>
+          <p:style>
+            <a:lnRef idx="1">
+              <a:schemeClr val="accent1"/>
+            </a:lnRef>
+            <a:fillRef idx="3">
+              <a:schemeClr val="accent1"/>
+            </a:fillRef>
+            <a:effectRef idx="2">
+              <a:schemeClr val="accent1"/>
+            </a:effectRef>
+            <a:fontRef idx="minor">
+              <a:schemeClr val="lt1"/>
+            </a:fontRef>
+          </p:style>
+          <p:txBody>
+            <a:bodyPr rot="0" spcFirstLastPara="0" vert="horz" wrap="square" lIns="91440" tIns="45720" rIns="91440" bIns="45720" numCol="1" spcCol="0" rtlCol="0" fromWordArt="0" anchor="ctr" anchorCtr="0" forceAA="0" compatLnSpc="1">
+              <a:prstTxWarp prst="textNoShape">
+                <a:avLst/>
+              </a:prstTxWarp>
+              <a:noAutofit/>
+            </a:bodyPr>
+            <a:lstStyle/>
+            <a:p>
+              <a:endParaRPr lang="en-US" dirty="0"/>
+            </a:p>
+          </p:txBody>
+        </p:sp>
+        <p:sp>
+          <p:nvSpPr>
+            <p:cNvPr id="20" name="Oval 19"/>
+            <p:cNvSpPr/>
+            <p:nvPr/>
+          </p:nvSpPr>
+          <p:spPr>
+            <a:xfrm>
+              <a:off x="5634199" y="1585438"/>
+              <a:ext cx="180975" cy="361950"/>
+            </a:xfrm>
+            <a:prstGeom prst="ellipse">
+              <a:avLst/>
+            </a:prstGeom>
+            <a:solidFill>
+              <a:schemeClr val="bg1"/>
+            </a:solidFill>
+            <a:ln>
+              <a:noFill/>
+            </a:ln>
+            <a:effectLst/>
+          </p:spPr>
+          <p:style>
+            <a:lnRef idx="1">
+              <a:schemeClr val="accent1"/>
+            </a:lnRef>
+            <a:fillRef idx="3">
+              <a:schemeClr val="accent1"/>
+            </a:fillRef>
+            <a:effectRef idx="2">
+              <a:schemeClr val="accent1"/>
+            </a:effectRef>
+            <a:fontRef idx="minor">
+              <a:schemeClr val="lt1"/>
+            </a:fontRef>
+          </p:style>
+          <p:txBody>
+            <a:bodyPr rot="0" spcFirstLastPara="0" vert="horz" wrap="square" lIns="91440" tIns="45720" rIns="91440" bIns="45720" numCol="1" spcCol="0" rtlCol="0" fromWordArt="0" anchor="ctr" anchorCtr="0" forceAA="0" compatLnSpc="1">
+              <a:prstTxWarp prst="textNoShape">
+                <a:avLst/>
+              </a:prstTxWarp>
+              <a:noAutofit/>
+            </a:bodyPr>
+            <a:lstStyle/>
+            <a:p>
+              <a:endParaRPr lang="en-US" dirty="0"/>
+            </a:p>
+          </p:txBody>
+        </p:sp>
+        <p:sp>
+          <p:nvSpPr>
+            <p:cNvPr id="32" name="Oval 31"/>
+            <p:cNvSpPr/>
+            <p:nvPr/>
+          </p:nvSpPr>
+          <p:spPr>
+            <a:xfrm>
+              <a:off x="3373625" y="1507457"/>
+              <a:ext cx="457200" cy="800100"/>
+            </a:xfrm>
+            <a:prstGeom prst="ellipse">
+              <a:avLst/>
+            </a:prstGeom>
+            <a:solidFill>
+              <a:schemeClr val="tx1"/>
+            </a:solidFill>
+            <a:ln>
+              <a:noFill/>
+            </a:ln>
+            <a:effectLst/>
+          </p:spPr>
+          <p:style>
+            <a:lnRef idx="1">
+              <a:schemeClr val="accent1"/>
+            </a:lnRef>
+            <a:fillRef idx="3">
+              <a:schemeClr val="accent1"/>
+            </a:fillRef>
+            <a:effectRef idx="2">
+              <a:schemeClr val="accent1"/>
+            </a:effectRef>
+            <a:fontRef idx="minor">
+              <a:schemeClr val="lt1"/>
+            </a:fontRef>
+          </p:style>
+          <p:txBody>
+            <a:bodyPr rot="0" spcFirstLastPara="0" vert="horz" wrap="square" lIns="91440" tIns="45720" rIns="91440" bIns="45720" numCol="1" spcCol="0" rtlCol="0" fromWordArt="0" anchor="ctr" anchorCtr="0" forceAA="0" compatLnSpc="1">
+              <a:prstTxWarp prst="textNoShape">
+                <a:avLst/>
+              </a:prstTxWarp>
+              <a:noAutofit/>
+            </a:bodyPr>
+            <a:lstStyle/>
+            <a:p>
+              <a:endParaRPr lang="en-US" dirty="0"/>
+            </a:p>
+          </p:txBody>
+        </p:sp>
+        <p:sp>
+          <p:nvSpPr>
+            <p:cNvPr id="37" name="Oval 36"/>
+            <p:cNvSpPr/>
+            <p:nvPr/>
+          </p:nvSpPr>
+          <p:spPr>
+            <a:xfrm>
+              <a:off x="3470863" y="1585438"/>
+              <a:ext cx="180975" cy="361950"/>
+            </a:xfrm>
+            <a:prstGeom prst="ellipse">
+              <a:avLst/>
+            </a:prstGeom>
+            <a:solidFill>
+              <a:schemeClr val="bg1"/>
+            </a:solidFill>
+            <a:ln>
+              <a:noFill/>
+            </a:ln>
+            <a:effectLst/>
+          </p:spPr>
+          <p:style>
+            <a:lnRef idx="1">
+              <a:schemeClr val="accent1"/>
+            </a:lnRef>
+            <a:fillRef idx="3">
+              <a:schemeClr val="accent1"/>
+            </a:fillRef>
+            <a:effectRef idx="2">
+              <a:schemeClr val="accent1"/>
+            </a:effectRef>
+            <a:fontRef idx="minor">
+              <a:schemeClr val="lt1"/>
+            </a:fontRef>
+          </p:style>
+          <p:txBody>
+            <a:bodyPr rot="0" spcFirstLastPara="0" vert="horz" wrap="square" lIns="91440" tIns="45720" rIns="91440" bIns="45720" numCol="1" spcCol="0" rtlCol="0" fromWordArt="0" anchor="ctr" anchorCtr="0" forceAA="0" compatLnSpc="1">
+              <a:prstTxWarp prst="textNoShape">
+                <a:avLst/>
+              </a:prstTxWarp>
+              <a:noAutofit/>
+            </a:bodyPr>
+            <a:lstStyle/>
+            <a:p>
+              <a:endParaRPr lang="en-US" dirty="0"/>
+            </a:p>
+          </p:txBody>
+        </p:sp>
+      </p:grpSp>
+      <p:grpSp>
+        <p:nvGrpSpPr>
+          <p:cNvPr id="38" name="Group 37"/>
+          <p:cNvGrpSpPr/>
+          <p:nvPr/>
+        </p:nvGrpSpPr>
+        <p:grpSpPr>
+          <a:xfrm>
+            <a:off x="3068869" y="1169022"/>
+            <a:ext cx="3225337" cy="1015717"/>
+            <a:chOff x="3044953" y="1169022"/>
+            <a:chExt cx="3225337" cy="1015717"/>
+          </a:xfrm>
+        </p:grpSpPr>
+        <p:sp>
+          <p:nvSpPr>
+            <p:cNvPr id="39" name="Arc 38"/>
+            <p:cNvSpPr/>
+            <p:nvPr/>
+          </p:nvSpPr>
+          <p:spPr>
+            <a:xfrm rot="18532473">
+              <a:off x="3067793" y="1146183"/>
+              <a:ext cx="1015716" cy="1061395"/>
+            </a:xfrm>
+            <a:prstGeom prst="arc">
+              <a:avLst/>
+            </a:prstGeom>
+            <a:ln w="57150" cmpd="sng">
+              <a:solidFill>
+                <a:schemeClr val="tx1"/>
+              </a:solidFill>
+            </a:ln>
+            <a:effectLst/>
+          </p:spPr>
+          <p:style>
+            <a:lnRef idx="2">
+              <a:schemeClr val="accent1"/>
+            </a:lnRef>
+            <a:fillRef idx="0">
+              <a:schemeClr val="accent1"/>
+            </a:fillRef>
+            <a:effectRef idx="1">
+              <a:schemeClr val="accent1"/>
+            </a:effectRef>
+            <a:fontRef idx="minor">
+              <a:schemeClr val="tx1"/>
+            </a:fontRef>
+          </p:style>
+          <p:txBody>
+            <a:bodyPr rtlCol="0" anchor="ctr"/>
+            <a:lstStyle/>
+            <a:p>
+              <a:pPr algn="ctr"/>
+              <a:endParaRPr lang="en-US" dirty="0"/>
+            </a:p>
+          </p:txBody>
+        </p:sp>
+        <p:sp>
+          <p:nvSpPr>
+            <p:cNvPr id="40" name="Arc 39"/>
+            <p:cNvSpPr/>
+            <p:nvPr/>
+          </p:nvSpPr>
+          <p:spPr>
+            <a:xfrm rot="3067527" flipH="1">
+              <a:off x="5231735" y="1146182"/>
+              <a:ext cx="1015716" cy="1061395"/>
+            </a:xfrm>
+            <a:prstGeom prst="arc">
+              <a:avLst/>
+            </a:prstGeom>
+            <a:ln w="57150" cmpd="sng">
+              <a:solidFill>
+                <a:schemeClr val="tx1"/>
+              </a:solidFill>
+            </a:ln>
+            <a:effectLst/>
+          </p:spPr>
+          <p:style>
+            <a:lnRef idx="2">
+              <a:schemeClr val="accent1"/>
+            </a:lnRef>
+            <a:fillRef idx="0">
+              <a:schemeClr val="accent1"/>
+            </a:fillRef>
+            <a:effectRef idx="1">
+              <a:schemeClr val="accent1"/>
+            </a:effectRef>
+            <a:fontRef idx="minor">
+              <a:schemeClr val="tx1"/>
+            </a:fontRef>
+          </p:style>
+          <p:txBody>
+            <a:bodyPr rtlCol="0" anchor="ctr"/>
+            <a:lstStyle/>
+            <a:p>
+              <a:pPr algn="ctr"/>
+              <a:endParaRPr lang="en-US" dirty="0"/>
+            </a:p>
+          </p:txBody>
+        </p:sp>
+      </p:grpSp>
+    </p:spTree>
+    <p:extLst>
+      <p:ext uri="{BB962C8B-B14F-4D97-AF65-F5344CB8AC3E}">
+        <p14:creationId xmlns:p14="http://schemas.microsoft.com/office/powerpoint/2010/main" val="1633493109"/>
+      </p:ext>
+    </p:extLst>
+  </p:cSld>
+  <p:clrMapOvr>
+    <a:masterClrMapping/>
+  </p:clrMapOvr>
+  <p:timing>
+    <p:tnLst>
+      <p:par>
+        <p:cTn xmlns:p14="http://schemas.microsoft.com/office/powerpoint/2010/main" id="1" dur="indefinite" restart="never" nodeType="tmRoot"/>
+      </p:par>
+    </p:tnLst>
+  </p:timing>
+</p:sld>
+</file>
+
+<file path=ppt/slides/slide35.xml><?xml version="1.0" encoding="utf-8"?>
+<p:sld xmlns:a="http://schemas.openxmlformats.org/drawingml/2006/main" xmlns:r="http://schemas.openxmlformats.org/officeDocument/2006/relationships" xmlns:p="http://schemas.openxmlformats.org/presentationml/2006/main">
+  <p:cSld>
+    <p:spTree>
+      <p:nvGrpSpPr>
+        <p:cNvPr id="1" name=""/>
+        <p:cNvGrpSpPr/>
+        <p:nvPr/>
+      </p:nvGrpSpPr>
+      <p:grpSpPr>
+        <a:xfrm>
+          <a:off x="0" y="0"/>
+          <a:ext cx="0" cy="0"/>
+          <a:chOff x="0" y="0"/>
+          <a:chExt cx="0" cy="0"/>
+        </a:xfrm>
+      </p:grpSpPr>
+      <p:grpSp>
+        <p:nvGrpSpPr>
+          <p:cNvPr id="21" name="Group 20"/>
+          <p:cNvGrpSpPr/>
+          <p:nvPr/>
+        </p:nvGrpSpPr>
+        <p:grpSpPr>
+          <a:xfrm>
+            <a:off x="3001202" y="3494088"/>
+            <a:ext cx="3685759" cy="855345"/>
+            <a:chOff x="2613014" y="3463608"/>
+            <a:chExt cx="4482465" cy="855345"/>
+          </a:xfrm>
+        </p:grpSpPr>
+        <p:sp>
+          <p:nvSpPr>
+            <p:cNvPr id="22" name="Freeform 21"/>
+            <p:cNvSpPr/>
+            <p:nvPr/>
+          </p:nvSpPr>
+          <p:spPr>
+            <a:xfrm>
+              <a:off x="2613014" y="3867468"/>
+              <a:ext cx="4116070" cy="451485"/>
+            </a:xfrm>
+            <a:custGeom>
+              <a:avLst/>
+              <a:gdLst>
+                <a:gd name="connsiteX0" fmla="*/ 1441 w 4116241"/>
+                <a:gd name="connsiteY0" fmla="*/ 53788 h 452079"/>
+                <a:gd name="connsiteX1" fmla="*/ 566218 w 4116241"/>
+                <a:gd name="connsiteY1" fmla="*/ 430306 h 452079"/>
+                <a:gd name="connsiteX2" fmla="*/ 3470782 w 4116241"/>
+                <a:gd name="connsiteY2" fmla="*/ 363071 h 452079"/>
+                <a:gd name="connsiteX3" fmla="*/ 4116241 w 4116241"/>
+                <a:gd name="connsiteY3" fmla="*/ 0 h 452079"/>
+              </a:gdLst>
+              <a:ahLst/>
+              <a:cxnLst>
+                <a:cxn ang="0">
+                  <a:pos x="connsiteX0" y="connsiteY0"/>
+                </a:cxn>
+                <a:cxn ang="0">
+                  <a:pos x="connsiteX1" y="connsiteY1"/>
+                </a:cxn>
+                <a:cxn ang="0">
+                  <a:pos x="connsiteX2" y="connsiteY2"/>
+                </a:cxn>
+                <a:cxn ang="0">
+                  <a:pos x="connsiteX3" y="connsiteY3"/>
+                </a:cxn>
+              </a:cxnLst>
+              <a:rect l="l" t="t" r="r" b="b"/>
+              <a:pathLst>
+                <a:path w="4116241" h="452079">
+                  <a:moveTo>
+                    <a:pt x="1441" y="53788"/>
+                  </a:moveTo>
+                  <a:cubicBezTo>
+                    <a:pt x="-5283" y="216273"/>
+                    <a:pt x="-12006" y="378759"/>
+                    <a:pt x="566218" y="430306"/>
+                  </a:cubicBezTo>
+                  <a:cubicBezTo>
+                    <a:pt x="1144442" y="481853"/>
+                    <a:pt x="2879112" y="434789"/>
+                    <a:pt x="3470782" y="363071"/>
+                  </a:cubicBezTo>
+                  <a:cubicBezTo>
+                    <a:pt x="4062452" y="291353"/>
+                    <a:pt x="3883159" y="163606"/>
+                    <a:pt x="4116241" y="0"/>
+                  </a:cubicBezTo>
+                </a:path>
+              </a:pathLst>
+            </a:custGeom>
+            <a:ln w="57150" cmpd="sng">
+              <a:solidFill>
+                <a:schemeClr val="tx1"/>
+              </a:solidFill>
+            </a:ln>
+            <a:effectLst/>
+          </p:spPr>
+          <p:style>
+            <a:lnRef idx="2">
+              <a:schemeClr val="accent1"/>
+            </a:lnRef>
+            <a:fillRef idx="0">
+              <a:schemeClr val="accent1"/>
+            </a:fillRef>
+            <a:effectRef idx="1">
+              <a:schemeClr val="accent1"/>
+            </a:effectRef>
+            <a:fontRef idx="minor">
+              <a:schemeClr val="tx1"/>
+            </a:fontRef>
+          </p:style>
+          <p:txBody>
+            <a:bodyPr rot="0" spcFirstLastPara="0" vert="horz" wrap="square" lIns="91440" tIns="45720" rIns="91440" bIns="45720" numCol="1" spcCol="0" rtlCol="0" fromWordArt="0" anchor="ctr" anchorCtr="0" forceAA="0" compatLnSpc="1">
+              <a:prstTxWarp prst="textNoShape">
+                <a:avLst/>
+              </a:prstTxWarp>
+              <a:noAutofit/>
+            </a:bodyPr>
+            <a:lstStyle/>
+            <a:p>
+              <a:endParaRPr lang="en-US" dirty="0"/>
+            </a:p>
+          </p:txBody>
+        </p:sp>
+        <p:sp>
+          <p:nvSpPr>
+            <p:cNvPr id="23" name="Arc 22"/>
+            <p:cNvSpPr/>
+            <p:nvPr/>
+          </p:nvSpPr>
+          <p:spPr>
+            <a:xfrm rot="10421988">
+              <a:off x="6633199" y="3463608"/>
+              <a:ext cx="462280" cy="443865"/>
+            </a:xfrm>
+            <a:prstGeom prst="arc">
+              <a:avLst/>
+            </a:prstGeom>
+            <a:ln w="57150" cmpd="sng">
+              <a:solidFill>
+                <a:schemeClr val="tx1"/>
+              </a:solidFill>
+            </a:ln>
+            <a:effectLst/>
+          </p:spPr>
+          <p:style>
+            <a:lnRef idx="2">
+              <a:schemeClr val="accent1"/>
+            </a:lnRef>
+            <a:fillRef idx="0">
+              <a:schemeClr val="accent1"/>
+            </a:fillRef>
+            <a:effectRef idx="1">
+              <a:schemeClr val="accent1"/>
+            </a:effectRef>
+            <a:fontRef idx="minor">
+              <a:schemeClr val="tx1"/>
+            </a:fontRef>
+          </p:style>
+          <p:txBody>
+            <a:bodyPr rot="0" spcFirstLastPara="0" vert="horz" wrap="square" lIns="91440" tIns="45720" rIns="91440" bIns="45720" numCol="1" spcCol="0" rtlCol="0" fromWordArt="0" anchor="ctr" anchorCtr="0" forceAA="0" compatLnSpc="1">
+              <a:prstTxWarp prst="textNoShape">
+                <a:avLst/>
+              </a:prstTxWarp>
+              <a:noAutofit/>
+            </a:bodyPr>
+            <a:lstStyle/>
+            <a:p>
+              <a:endParaRPr lang="en-US" dirty="0"/>
+            </a:p>
+          </p:txBody>
+        </p:sp>
+      </p:grpSp>
+      <p:sp>
+        <p:nvSpPr>
+          <p:cNvPr id="2" name="Oval 1"/>
+          <p:cNvSpPr/>
+          <p:nvPr/>
+        </p:nvSpPr>
+        <p:spPr>
+          <a:xfrm>
+            <a:off x="4464050" y="4163825"/>
+            <a:ext cx="409575" cy="381188"/>
+          </a:xfrm>
+          <a:prstGeom prst="ellipse">
+            <a:avLst/>
+          </a:prstGeom>
+          <a:solidFill>
+            <a:schemeClr val="tx1"/>
+          </a:solidFill>
+          <a:ln>
+            <a:noFill/>
+          </a:ln>
+          <a:effectLst/>
+        </p:spPr>
+        <p:style>
+          <a:lnRef idx="1">
+            <a:schemeClr val="accent1"/>
+          </a:lnRef>
+          <a:fillRef idx="3">
+            <a:schemeClr val="accent1"/>
+          </a:fillRef>
+          <a:effectRef idx="2">
+            <a:schemeClr val="accent1"/>
+          </a:effectRef>
+          <a:fontRef idx="minor">
+            <a:schemeClr val="lt1"/>
+          </a:fontRef>
+        </p:style>
+        <p:txBody>
+          <a:bodyPr rtlCol="0" anchor="ctr"/>
+          <a:lstStyle/>
+          <a:p>
+            <a:pPr algn="ctr"/>
+            <a:endParaRPr lang="en-US"/>
+          </a:p>
+        </p:txBody>
+      </p:sp>
+      <p:sp>
+        <p:nvSpPr>
+          <p:cNvPr id="24" name="Isosceles Triangle 23"/>
+          <p:cNvSpPr/>
+          <p:nvPr/>
+        </p:nvSpPr>
+        <p:spPr>
+          <a:xfrm rot="5400000" flipH="1">
+            <a:off x="4747488" y="4221751"/>
+            <a:ext cx="328074" cy="266300"/>
+          </a:xfrm>
+          <a:prstGeom prst="triangle">
+            <a:avLst>
+              <a:gd name="adj" fmla="val 57371"/>
+            </a:avLst>
+          </a:prstGeom>
+          <a:solidFill>
+            <a:srgbClr val="000000"/>
+          </a:solidFill>
+          <a:ln>
+            <a:noFill/>
+          </a:ln>
+          <a:effectLst/>
+        </p:spPr>
+        <p:style>
+          <a:lnRef idx="1">
+            <a:schemeClr val="accent1"/>
+          </a:lnRef>
+          <a:fillRef idx="3">
+            <a:schemeClr val="accent1"/>
+          </a:fillRef>
+          <a:effectRef idx="2">
+            <a:schemeClr val="accent1"/>
+          </a:effectRef>
+          <a:fontRef idx="minor">
+            <a:schemeClr val="lt1"/>
+          </a:fontRef>
+        </p:style>
+        <p:txBody>
+          <a:bodyPr rtlCol="0" anchor="ctr"/>
+          <a:lstStyle/>
+          <a:p>
+            <a:pPr algn="ctr"/>
+            <a:endParaRPr lang="en-US"/>
+          </a:p>
+        </p:txBody>
+      </p:sp>
+      <p:grpSp>
+        <p:nvGrpSpPr>
+          <p:cNvPr id="25" name="Group 24"/>
+          <p:cNvGrpSpPr/>
+          <p:nvPr/>
+        </p:nvGrpSpPr>
+        <p:grpSpPr>
+          <a:xfrm>
+            <a:off x="3108745" y="1483362"/>
+            <a:ext cx="3213618" cy="1168399"/>
+            <a:chOff x="3108745" y="1483362"/>
+            <a:chExt cx="3213618" cy="1168399"/>
+          </a:xfrm>
+        </p:grpSpPr>
+        <p:sp>
+          <p:nvSpPr>
+            <p:cNvPr id="26" name="Arc 25"/>
+            <p:cNvSpPr/>
+            <p:nvPr/>
+          </p:nvSpPr>
+          <p:spPr>
+            <a:xfrm rot="19099713">
+              <a:off x="5534842" y="1730541"/>
+              <a:ext cx="552941" cy="627136"/>
+            </a:xfrm>
+            <a:prstGeom prst="arc">
+              <a:avLst>
+                <a:gd name="adj1" fmla="val 13033844"/>
+                <a:gd name="adj2" fmla="val 0"/>
+              </a:avLst>
+            </a:prstGeom>
+            <a:ln w="57150" cmpd="sng">
+              <a:solidFill>
+                <a:schemeClr val="tx1"/>
+              </a:solidFill>
+            </a:ln>
+            <a:effectLst/>
+          </p:spPr>
+          <p:style>
+            <a:lnRef idx="2">
+              <a:schemeClr val="accent1"/>
+            </a:lnRef>
+            <a:fillRef idx="0">
+              <a:schemeClr val="accent1"/>
+            </a:fillRef>
+            <a:effectRef idx="1">
+              <a:schemeClr val="accent1"/>
+            </a:effectRef>
+            <a:fontRef idx="minor">
+              <a:schemeClr val="tx1"/>
+            </a:fontRef>
+          </p:style>
+          <p:txBody>
+            <a:bodyPr rot="0" spcFirstLastPara="0" vert="horz" wrap="square" lIns="91440" tIns="45720" rIns="91440" bIns="45720" numCol="1" spcCol="0" rtlCol="0" fromWordArt="0" anchor="ctr" anchorCtr="0" forceAA="0" compatLnSpc="1">
+              <a:prstTxWarp prst="textNoShape">
+                <a:avLst/>
+              </a:prstTxWarp>
+              <a:noAutofit/>
+            </a:bodyPr>
+            <a:lstStyle/>
+            <a:p>
+              <a:endParaRPr lang="en-US" dirty="0"/>
+            </a:p>
+          </p:txBody>
+        </p:sp>
+        <p:sp>
+          <p:nvSpPr>
+            <p:cNvPr id="27" name="Arc 26"/>
+            <p:cNvSpPr/>
+            <p:nvPr/>
+          </p:nvSpPr>
+          <p:spPr>
+            <a:xfrm rot="20904659">
+              <a:off x="5485971" y="1947381"/>
+              <a:ext cx="552941" cy="627136"/>
+            </a:xfrm>
+            <a:prstGeom prst="arc">
+              <a:avLst>
+                <a:gd name="adj1" fmla="val 13033844"/>
+                <a:gd name="adj2" fmla="val 18647106"/>
+              </a:avLst>
+            </a:prstGeom>
+            <a:ln w="57150" cmpd="sng">
+              <a:solidFill>
+                <a:schemeClr val="tx1"/>
+              </a:solidFill>
+            </a:ln>
+            <a:effectLst/>
+          </p:spPr>
+          <p:style>
+            <a:lnRef idx="2">
+              <a:schemeClr val="accent1"/>
+            </a:lnRef>
+            <a:fillRef idx="0">
+              <a:schemeClr val="accent1"/>
+            </a:fillRef>
+            <a:effectRef idx="1">
+              <a:schemeClr val="accent1"/>
+            </a:effectRef>
+            <a:fontRef idx="minor">
+              <a:schemeClr val="tx1"/>
+            </a:fontRef>
+          </p:style>
+          <p:txBody>
+            <a:bodyPr rot="0" spcFirstLastPara="0" vert="horz" wrap="square" lIns="91440" tIns="45720" rIns="91440" bIns="45720" numCol="1" spcCol="0" rtlCol="0" fromWordArt="0" anchor="ctr" anchorCtr="0" forceAA="0" compatLnSpc="1">
+              <a:prstTxWarp prst="textNoShape">
+                <a:avLst/>
+              </a:prstTxWarp>
+              <a:noAutofit/>
+            </a:bodyPr>
+            <a:lstStyle/>
+            <a:p>
+              <a:endParaRPr lang="en-US" dirty="0"/>
+            </a:p>
+          </p:txBody>
+        </p:sp>
+        <p:sp>
+          <p:nvSpPr>
+            <p:cNvPr id="28" name="Arc 27"/>
+            <p:cNvSpPr/>
+            <p:nvPr/>
+          </p:nvSpPr>
+          <p:spPr>
+            <a:xfrm rot="17805634">
+              <a:off x="5452601" y="1472049"/>
+              <a:ext cx="858450" cy="881075"/>
+            </a:xfrm>
+            <a:prstGeom prst="arc">
+              <a:avLst>
+                <a:gd name="adj1" fmla="val 13033844"/>
+                <a:gd name="adj2" fmla="val 0"/>
+              </a:avLst>
+            </a:prstGeom>
+            <a:ln w="57150" cmpd="sng">
+              <a:solidFill>
+                <a:schemeClr val="tx1"/>
+              </a:solidFill>
+            </a:ln>
+            <a:effectLst/>
+          </p:spPr>
+          <p:style>
+            <a:lnRef idx="2">
+              <a:schemeClr val="accent1"/>
+            </a:lnRef>
+            <a:fillRef idx="0">
+              <a:schemeClr val="accent1"/>
+            </a:fillRef>
+            <a:effectRef idx="1">
+              <a:schemeClr val="accent1"/>
+            </a:effectRef>
+            <a:fontRef idx="minor">
+              <a:schemeClr val="tx1"/>
+            </a:fontRef>
+          </p:style>
+          <p:txBody>
+            <a:bodyPr rot="0" spcFirstLastPara="0" vert="horz" wrap="square" lIns="91440" tIns="45720" rIns="91440" bIns="45720" numCol="1" spcCol="0" rtlCol="0" fromWordArt="0" anchor="ctr" anchorCtr="0" forceAA="0" compatLnSpc="1">
+              <a:prstTxWarp prst="textNoShape">
+                <a:avLst/>
+              </a:prstTxWarp>
+              <a:noAutofit/>
+            </a:bodyPr>
+            <a:lstStyle/>
+            <a:p>
+              <a:endParaRPr lang="en-US" dirty="0"/>
+            </a:p>
+          </p:txBody>
+        </p:sp>
+        <p:sp>
+          <p:nvSpPr>
+            <p:cNvPr id="29" name="Arc 28"/>
+            <p:cNvSpPr/>
+            <p:nvPr/>
+          </p:nvSpPr>
+          <p:spPr>
+            <a:xfrm rot="343102">
+              <a:off x="3295851" y="1763944"/>
+              <a:ext cx="552941" cy="709808"/>
+            </a:xfrm>
+            <a:prstGeom prst="arc">
+              <a:avLst>
+                <a:gd name="adj1" fmla="val 13033844"/>
+                <a:gd name="adj2" fmla="val 0"/>
+              </a:avLst>
+            </a:prstGeom>
+            <a:ln w="57150" cmpd="sng">
+              <a:solidFill>
+                <a:schemeClr val="tx1"/>
+              </a:solidFill>
+            </a:ln>
+            <a:effectLst/>
+          </p:spPr>
+          <p:style>
+            <a:lnRef idx="2">
+              <a:schemeClr val="accent1"/>
+            </a:lnRef>
+            <a:fillRef idx="0">
+              <a:schemeClr val="accent1"/>
+            </a:fillRef>
+            <a:effectRef idx="1">
+              <a:schemeClr val="accent1"/>
+            </a:effectRef>
+            <a:fontRef idx="minor">
+              <a:schemeClr val="tx1"/>
+            </a:fontRef>
+          </p:style>
+          <p:txBody>
+            <a:bodyPr rot="0" spcFirstLastPara="0" vert="horz" wrap="square" lIns="91440" tIns="45720" rIns="91440" bIns="45720" numCol="1" spcCol="0" rtlCol="0" fromWordArt="0" anchor="ctr" anchorCtr="0" forceAA="0" compatLnSpc="1">
+              <a:prstTxWarp prst="textNoShape">
+                <a:avLst/>
+              </a:prstTxWarp>
+              <a:noAutofit/>
+            </a:bodyPr>
+            <a:lstStyle/>
+            <a:p>
+              <a:endParaRPr lang="en-US" dirty="0"/>
+            </a:p>
+          </p:txBody>
+        </p:sp>
+        <p:sp>
+          <p:nvSpPr>
+            <p:cNvPr id="30" name="Arc 29"/>
+            <p:cNvSpPr/>
+            <p:nvPr/>
+          </p:nvSpPr>
+          <p:spPr>
+            <a:xfrm rot="787364">
+              <a:off x="3357916" y="2024625"/>
+              <a:ext cx="552941" cy="627136"/>
+            </a:xfrm>
+            <a:prstGeom prst="arc">
+              <a:avLst>
+                <a:gd name="adj1" fmla="val 13033844"/>
+                <a:gd name="adj2" fmla="val 18647106"/>
+              </a:avLst>
+            </a:prstGeom>
+            <a:ln w="57150" cmpd="sng">
+              <a:solidFill>
+                <a:schemeClr val="tx1"/>
+              </a:solidFill>
+            </a:ln>
+            <a:effectLst/>
+          </p:spPr>
+          <p:style>
+            <a:lnRef idx="2">
+              <a:schemeClr val="accent1"/>
+            </a:lnRef>
+            <a:fillRef idx="0">
+              <a:schemeClr val="accent1"/>
+            </a:fillRef>
+            <a:effectRef idx="1">
+              <a:schemeClr val="accent1"/>
+            </a:effectRef>
+            <a:fontRef idx="minor">
+              <a:schemeClr val="tx1"/>
+            </a:fontRef>
+          </p:style>
+          <p:txBody>
+            <a:bodyPr rot="0" spcFirstLastPara="0" vert="horz" wrap="square" lIns="91440" tIns="45720" rIns="91440" bIns="45720" numCol="1" spcCol="0" rtlCol="0" fromWordArt="0" anchor="ctr" anchorCtr="0" forceAA="0" compatLnSpc="1">
+              <a:prstTxWarp prst="textNoShape">
+                <a:avLst/>
+              </a:prstTxWarp>
+              <a:noAutofit/>
+            </a:bodyPr>
+            <a:lstStyle/>
+            <a:p>
+              <a:endParaRPr lang="en-US" dirty="0"/>
+            </a:p>
+          </p:txBody>
+        </p:sp>
+        <p:sp>
+          <p:nvSpPr>
+            <p:cNvPr id="31" name="Arc 30"/>
+            <p:cNvSpPr/>
+            <p:nvPr/>
+          </p:nvSpPr>
+          <p:spPr>
+            <a:xfrm rot="1377231">
+              <a:off x="3108745" y="1505908"/>
+              <a:ext cx="790314" cy="962834"/>
+            </a:xfrm>
+            <a:prstGeom prst="arc">
+              <a:avLst>
+                <a:gd name="adj1" fmla="val 12622909"/>
+                <a:gd name="adj2" fmla="val 0"/>
+              </a:avLst>
+            </a:prstGeom>
+            <a:ln w="57150" cmpd="sng">
+              <a:solidFill>
+                <a:schemeClr val="tx1"/>
+              </a:solidFill>
+            </a:ln>
+            <a:effectLst/>
+          </p:spPr>
+          <p:style>
+            <a:lnRef idx="2">
+              <a:schemeClr val="accent1"/>
+            </a:lnRef>
+            <a:fillRef idx="0">
+              <a:schemeClr val="accent1"/>
+            </a:fillRef>
+            <a:effectRef idx="1">
+              <a:schemeClr val="accent1"/>
+            </a:effectRef>
+            <a:fontRef idx="minor">
+              <a:schemeClr val="tx1"/>
+            </a:fontRef>
+          </p:style>
+          <p:txBody>
+            <a:bodyPr rot="0" spcFirstLastPara="0" vert="horz" wrap="square" lIns="91440" tIns="45720" rIns="91440" bIns="45720" numCol="1" spcCol="0" rtlCol="0" fromWordArt="0" anchor="ctr" anchorCtr="0" forceAA="0" compatLnSpc="1">
+              <a:prstTxWarp prst="textNoShape">
+                <a:avLst/>
+              </a:prstTxWarp>
+              <a:noAutofit/>
+            </a:bodyPr>
+            <a:lstStyle/>
+            <a:p>
+              <a:endParaRPr lang="en-US" dirty="0"/>
+            </a:p>
+          </p:txBody>
+        </p:sp>
+      </p:grpSp>
+      <p:sp>
+        <p:nvSpPr>
+          <p:cNvPr id="33" name="Isosceles Triangle 32"/>
+          <p:cNvSpPr/>
+          <p:nvPr/>
+        </p:nvSpPr>
+        <p:spPr>
+          <a:xfrm rot="16200000">
+            <a:off x="4271238" y="4221751"/>
+            <a:ext cx="328074" cy="266300"/>
+          </a:xfrm>
+          <a:prstGeom prst="triangle">
+            <a:avLst>
+              <a:gd name="adj" fmla="val 53500"/>
+            </a:avLst>
+          </a:prstGeom>
+          <a:solidFill>
+            <a:srgbClr val="000000"/>
+          </a:solidFill>
+          <a:ln>
+            <a:noFill/>
+          </a:ln>
+          <a:effectLst/>
+        </p:spPr>
+        <p:style>
+          <a:lnRef idx="1">
+            <a:schemeClr val="accent1"/>
+          </a:lnRef>
+          <a:fillRef idx="3">
+            <a:schemeClr val="accent1"/>
+          </a:fillRef>
+          <a:effectRef idx="2">
+            <a:schemeClr val="accent1"/>
+          </a:effectRef>
+          <a:fontRef idx="minor">
+            <a:schemeClr val="lt1"/>
+          </a:fontRef>
+        </p:style>
+        <p:txBody>
+          <a:bodyPr rtlCol="0" anchor="ctr"/>
+          <a:lstStyle/>
+          <a:p>
+            <a:pPr algn="ctr"/>
+            <a:endParaRPr lang="en-US"/>
+          </a:p>
+        </p:txBody>
+      </p:sp>
+      <p:grpSp>
+        <p:nvGrpSpPr>
+          <p:cNvPr id="34" name="Group 33"/>
+          <p:cNvGrpSpPr/>
+          <p:nvPr/>
+        </p:nvGrpSpPr>
+        <p:grpSpPr>
+          <a:xfrm>
+            <a:off x="3068869" y="1169022"/>
+            <a:ext cx="3225337" cy="1015717"/>
+            <a:chOff x="3044953" y="1169022"/>
+            <a:chExt cx="3225337" cy="1015717"/>
+          </a:xfrm>
+        </p:grpSpPr>
+        <p:sp>
+          <p:nvSpPr>
+            <p:cNvPr id="35" name="Arc 34"/>
+            <p:cNvSpPr/>
+            <p:nvPr/>
+          </p:nvSpPr>
+          <p:spPr>
+            <a:xfrm rot="18532473">
+              <a:off x="3067793" y="1146183"/>
+              <a:ext cx="1015716" cy="1061395"/>
+            </a:xfrm>
+            <a:prstGeom prst="arc">
+              <a:avLst/>
+            </a:prstGeom>
+            <a:ln w="57150" cmpd="sng">
+              <a:solidFill>
+                <a:schemeClr val="tx1"/>
+              </a:solidFill>
+            </a:ln>
+            <a:effectLst/>
+          </p:spPr>
+          <p:style>
+            <a:lnRef idx="2">
+              <a:schemeClr val="accent1"/>
+            </a:lnRef>
+            <a:fillRef idx="0">
+              <a:schemeClr val="accent1"/>
+            </a:fillRef>
+            <a:effectRef idx="1">
+              <a:schemeClr val="accent1"/>
+            </a:effectRef>
+            <a:fontRef idx="minor">
+              <a:schemeClr val="tx1"/>
+            </a:fontRef>
+          </p:style>
+          <p:txBody>
+            <a:bodyPr rtlCol="0" anchor="ctr"/>
+            <a:lstStyle/>
+            <a:p>
+              <a:pPr algn="ctr"/>
+              <a:endParaRPr lang="en-US" dirty="0"/>
+            </a:p>
+          </p:txBody>
+        </p:sp>
+        <p:sp>
+          <p:nvSpPr>
+            <p:cNvPr id="36" name="Arc 35"/>
+            <p:cNvSpPr/>
+            <p:nvPr/>
+          </p:nvSpPr>
+          <p:spPr>
+            <a:xfrm rot="3067527" flipH="1">
+              <a:off x="5231735" y="1146182"/>
+              <a:ext cx="1015716" cy="1061395"/>
+            </a:xfrm>
+            <a:prstGeom prst="arc">
+              <a:avLst/>
+            </a:prstGeom>
+            <a:ln w="57150" cmpd="sng">
+              <a:solidFill>
+                <a:schemeClr val="tx1"/>
+              </a:solidFill>
+            </a:ln>
+            <a:effectLst/>
+          </p:spPr>
+          <p:style>
+            <a:lnRef idx="2">
+              <a:schemeClr val="accent1"/>
+            </a:lnRef>
+            <a:fillRef idx="0">
+              <a:schemeClr val="accent1"/>
+            </a:fillRef>
+            <a:effectRef idx="1">
+              <a:schemeClr val="accent1"/>
+            </a:effectRef>
+            <a:fontRef idx="minor">
+              <a:schemeClr val="tx1"/>
+            </a:fontRef>
+          </p:style>
+          <p:txBody>
+            <a:bodyPr rtlCol="0" anchor="ctr"/>
+            <a:lstStyle/>
+            <a:p>
+              <a:pPr algn="ctr"/>
+              <a:endParaRPr lang="en-US" dirty="0"/>
+            </a:p>
+          </p:txBody>
+        </p:sp>
+      </p:grpSp>
+    </p:spTree>
+    <p:extLst>
+      <p:ext uri="{BB962C8B-B14F-4D97-AF65-F5344CB8AC3E}">
+        <p14:creationId xmlns:p14="http://schemas.microsoft.com/office/powerpoint/2010/main" val="3871501139"/>
+      </p:ext>
+    </p:extLst>
+  </p:cSld>
+  <p:clrMapOvr>
+    <a:masterClrMapping/>
+  </p:clrMapOvr>
+  <p:timing>
+    <p:tnLst>
+      <p:par>
+        <p:cTn xmlns:p14="http://schemas.microsoft.com/office/powerpoint/2010/main" id="1" dur="indefinite" restart="never" nodeType="tmRoot"/>
+      </p:par>
+    </p:tnLst>
+  </p:timing>
+</p:sld>
+</file>
+
+<file path=ppt/slides/slide36.xml><?xml version="1.0" encoding="utf-8"?>
+<p:sld xmlns:a="http://schemas.openxmlformats.org/drawingml/2006/main" xmlns:r="http://schemas.openxmlformats.org/officeDocument/2006/relationships" xmlns:p="http://schemas.openxmlformats.org/presentationml/2006/main">
+  <p:cSld>
+    <p:spTree>
+      <p:nvGrpSpPr>
+        <p:cNvPr id="1" name=""/>
+        <p:cNvGrpSpPr/>
+        <p:nvPr/>
+      </p:nvGrpSpPr>
+      <p:grpSpPr>
+        <a:xfrm>
+          <a:off x="0" y="0"/>
+          <a:ext cx="0" cy="0"/>
+          <a:chOff x="0" y="0"/>
+          <a:chExt cx="0" cy="0"/>
+        </a:xfrm>
+      </p:grpSpPr>
+      <p:grpSp>
+        <p:nvGrpSpPr>
           <p:cNvPr id="2" name="Group 1"/>
           <p:cNvGrpSpPr/>
           <p:nvPr/>
@@ -15281,7 +18641,7 @@
 </p:sld>
 </file>
 
-<file path=ppt/slides/slide32.xml><?xml version="1.0" encoding="utf-8"?>
+<file path=ppt/slides/slide37.xml><?xml version="1.0" encoding="utf-8"?>
 <p:sld xmlns:a="http://schemas.openxmlformats.org/drawingml/2006/main" xmlns:r="http://schemas.openxmlformats.org/officeDocument/2006/relationships" xmlns:p="http://schemas.openxmlformats.org/presentationml/2006/main">
   <p:cSld>
     <p:spTree>
@@ -15719,7 +19079,7 @@
 </p:sld>
 </file>
 
-<file path=ppt/slides/slide33.xml><?xml version="1.0" encoding="utf-8"?>
+<file path=ppt/slides/slide38.xml><?xml version="1.0" encoding="utf-8"?>
 <p:sld xmlns:a="http://schemas.openxmlformats.org/drawingml/2006/main" xmlns:r="http://schemas.openxmlformats.org/officeDocument/2006/relationships" xmlns:p="http://schemas.openxmlformats.org/presentationml/2006/main">
   <p:cSld>
     <p:spTree>
@@ -16157,7 +19517,7 @@
 </p:sld>
 </file>
 
-<file path=ppt/slides/slide34.xml><?xml version="1.0" encoding="utf-8"?>
+<file path=ppt/slides/slide39.xml><?xml version="1.0" encoding="utf-8"?>
 <p:sld xmlns:a="http://schemas.openxmlformats.org/drawingml/2006/main" xmlns:r="http://schemas.openxmlformats.org/officeDocument/2006/relationships" xmlns:p="http://schemas.openxmlformats.org/presentationml/2006/main">
   <p:cSld>
     <p:spTree>
@@ -16595,7 +19955,467 @@
 </p:sld>
 </file>
 
-<file path=ppt/slides/slide35.xml><?xml version="1.0" encoding="utf-8"?>
+<file path=ppt/slides/slide4.xml><?xml version="1.0" encoding="utf-8"?>
+<p:sld xmlns:a="http://schemas.openxmlformats.org/drawingml/2006/main" xmlns:r="http://schemas.openxmlformats.org/officeDocument/2006/relationships" xmlns:p="http://schemas.openxmlformats.org/presentationml/2006/main">
+  <p:cSld>
+    <p:spTree>
+      <p:nvGrpSpPr>
+        <p:cNvPr id="1" name=""/>
+        <p:cNvGrpSpPr/>
+        <p:nvPr/>
+      </p:nvGrpSpPr>
+      <p:grpSpPr>
+        <a:xfrm>
+          <a:off x="0" y="0"/>
+          <a:ext cx="0" cy="0"/>
+          <a:chOff x="0" y="0"/>
+          <a:chExt cx="0" cy="0"/>
+        </a:xfrm>
+      </p:grpSpPr>
+      <p:grpSp>
+        <p:nvGrpSpPr>
+          <p:cNvPr id="2" name="Group 1"/>
+          <p:cNvGrpSpPr/>
+          <p:nvPr/>
+        </p:nvGrpSpPr>
+        <p:grpSpPr>
+          <a:xfrm flipV="1">
+            <a:off x="3371269" y="1507457"/>
+            <a:ext cx="2620536" cy="800100"/>
+            <a:chOff x="3373625" y="1507457"/>
+            <a:chExt cx="2620536" cy="800100"/>
+          </a:xfrm>
+        </p:grpSpPr>
+        <p:sp>
+          <p:nvSpPr>
+            <p:cNvPr id="3" name="Oval 2"/>
+            <p:cNvSpPr/>
+            <p:nvPr/>
+          </p:nvSpPr>
+          <p:spPr>
+            <a:xfrm>
+              <a:off x="5536961" y="1507457"/>
+              <a:ext cx="457200" cy="800100"/>
+            </a:xfrm>
+            <a:prstGeom prst="ellipse">
+              <a:avLst/>
+            </a:prstGeom>
+            <a:solidFill>
+              <a:schemeClr val="tx1"/>
+            </a:solidFill>
+            <a:ln>
+              <a:noFill/>
+            </a:ln>
+            <a:effectLst/>
+          </p:spPr>
+          <p:style>
+            <a:lnRef idx="1">
+              <a:schemeClr val="accent1"/>
+            </a:lnRef>
+            <a:fillRef idx="3">
+              <a:schemeClr val="accent1"/>
+            </a:fillRef>
+            <a:effectRef idx="2">
+              <a:schemeClr val="accent1"/>
+            </a:effectRef>
+            <a:fontRef idx="minor">
+              <a:schemeClr val="lt1"/>
+            </a:fontRef>
+          </p:style>
+          <p:txBody>
+            <a:bodyPr rot="0" spcFirstLastPara="0" vert="horz" wrap="square" lIns="91440" tIns="45720" rIns="91440" bIns="45720" numCol="1" spcCol="0" rtlCol="0" fromWordArt="0" anchor="ctr" anchorCtr="0" forceAA="0" compatLnSpc="1">
+              <a:prstTxWarp prst="textNoShape">
+                <a:avLst/>
+              </a:prstTxWarp>
+              <a:noAutofit/>
+            </a:bodyPr>
+            <a:lstStyle/>
+            <a:p>
+              <a:endParaRPr lang="en-US"/>
+            </a:p>
+          </p:txBody>
+        </p:sp>
+        <p:sp>
+          <p:nvSpPr>
+            <p:cNvPr id="4" name="Oval 3"/>
+            <p:cNvSpPr/>
+            <p:nvPr/>
+          </p:nvSpPr>
+          <p:spPr>
+            <a:xfrm>
+              <a:off x="5634199" y="1585438"/>
+              <a:ext cx="180975" cy="361950"/>
+            </a:xfrm>
+            <a:prstGeom prst="ellipse">
+              <a:avLst/>
+            </a:prstGeom>
+            <a:solidFill>
+              <a:schemeClr val="bg1"/>
+            </a:solidFill>
+            <a:ln>
+              <a:noFill/>
+            </a:ln>
+            <a:effectLst/>
+          </p:spPr>
+          <p:style>
+            <a:lnRef idx="1">
+              <a:schemeClr val="accent1"/>
+            </a:lnRef>
+            <a:fillRef idx="3">
+              <a:schemeClr val="accent1"/>
+            </a:fillRef>
+            <a:effectRef idx="2">
+              <a:schemeClr val="accent1"/>
+            </a:effectRef>
+            <a:fontRef idx="minor">
+              <a:schemeClr val="lt1"/>
+            </a:fontRef>
+          </p:style>
+          <p:txBody>
+            <a:bodyPr rot="0" spcFirstLastPara="0" vert="horz" wrap="square" lIns="91440" tIns="45720" rIns="91440" bIns="45720" numCol="1" spcCol="0" rtlCol="0" fromWordArt="0" anchor="ctr" anchorCtr="0" forceAA="0" compatLnSpc="1">
+              <a:prstTxWarp prst="textNoShape">
+                <a:avLst/>
+              </a:prstTxWarp>
+              <a:noAutofit/>
+            </a:bodyPr>
+            <a:lstStyle/>
+            <a:p>
+              <a:endParaRPr lang="en-US"/>
+            </a:p>
+          </p:txBody>
+        </p:sp>
+        <p:sp>
+          <p:nvSpPr>
+            <p:cNvPr id="5" name="Oval 4"/>
+            <p:cNvSpPr/>
+            <p:nvPr/>
+          </p:nvSpPr>
+          <p:spPr>
+            <a:xfrm>
+              <a:off x="3373625" y="1507457"/>
+              <a:ext cx="457200" cy="800100"/>
+            </a:xfrm>
+            <a:prstGeom prst="ellipse">
+              <a:avLst/>
+            </a:prstGeom>
+            <a:solidFill>
+              <a:schemeClr val="tx1"/>
+            </a:solidFill>
+            <a:ln>
+              <a:noFill/>
+            </a:ln>
+            <a:effectLst/>
+          </p:spPr>
+          <p:style>
+            <a:lnRef idx="1">
+              <a:schemeClr val="accent1"/>
+            </a:lnRef>
+            <a:fillRef idx="3">
+              <a:schemeClr val="accent1"/>
+            </a:fillRef>
+            <a:effectRef idx="2">
+              <a:schemeClr val="accent1"/>
+            </a:effectRef>
+            <a:fontRef idx="minor">
+              <a:schemeClr val="lt1"/>
+            </a:fontRef>
+          </p:style>
+          <p:txBody>
+            <a:bodyPr rot="0" spcFirstLastPara="0" vert="horz" wrap="square" lIns="91440" tIns="45720" rIns="91440" bIns="45720" numCol="1" spcCol="0" rtlCol="0" fromWordArt="0" anchor="ctr" anchorCtr="0" forceAA="0" compatLnSpc="1">
+              <a:prstTxWarp prst="textNoShape">
+                <a:avLst/>
+              </a:prstTxWarp>
+              <a:noAutofit/>
+            </a:bodyPr>
+            <a:lstStyle/>
+            <a:p>
+              <a:endParaRPr lang="en-US"/>
+            </a:p>
+          </p:txBody>
+        </p:sp>
+        <p:sp>
+          <p:nvSpPr>
+            <p:cNvPr id="6" name="Oval 5"/>
+            <p:cNvSpPr/>
+            <p:nvPr/>
+          </p:nvSpPr>
+          <p:spPr>
+            <a:xfrm>
+              <a:off x="3470863" y="1585438"/>
+              <a:ext cx="180975" cy="361950"/>
+            </a:xfrm>
+            <a:prstGeom prst="ellipse">
+              <a:avLst/>
+            </a:prstGeom>
+            <a:solidFill>
+              <a:schemeClr val="bg1"/>
+            </a:solidFill>
+            <a:ln>
+              <a:noFill/>
+            </a:ln>
+            <a:effectLst/>
+          </p:spPr>
+          <p:style>
+            <a:lnRef idx="1">
+              <a:schemeClr val="accent1"/>
+            </a:lnRef>
+            <a:fillRef idx="3">
+              <a:schemeClr val="accent1"/>
+            </a:fillRef>
+            <a:effectRef idx="2">
+              <a:schemeClr val="accent1"/>
+            </a:effectRef>
+            <a:fontRef idx="minor">
+              <a:schemeClr val="lt1"/>
+            </a:fontRef>
+          </p:style>
+          <p:txBody>
+            <a:bodyPr rot="0" spcFirstLastPara="0" vert="horz" wrap="square" lIns="91440" tIns="45720" rIns="91440" bIns="45720" numCol="1" spcCol="0" rtlCol="0" fromWordArt="0" anchor="ctr" anchorCtr="0" forceAA="0" compatLnSpc="1">
+              <a:prstTxWarp prst="textNoShape">
+                <a:avLst/>
+              </a:prstTxWarp>
+              <a:noAutofit/>
+            </a:bodyPr>
+            <a:lstStyle/>
+            <a:p>
+              <a:endParaRPr lang="en-US"/>
+            </a:p>
+          </p:txBody>
+        </p:sp>
+      </p:grpSp>
+      <p:grpSp>
+        <p:nvGrpSpPr>
+          <p:cNvPr id="7" name="Group 6"/>
+          <p:cNvGrpSpPr/>
+          <p:nvPr/>
+        </p:nvGrpSpPr>
+        <p:grpSpPr>
+          <a:xfrm>
+            <a:off x="1989320" y="2001520"/>
+            <a:ext cx="5384434" cy="2336800"/>
+            <a:chOff x="2021693" y="2062480"/>
+            <a:chExt cx="5384434" cy="2336800"/>
+          </a:xfrm>
+        </p:grpSpPr>
+        <p:sp>
+          <p:nvSpPr>
+            <p:cNvPr id="8" name="Arc 7"/>
+            <p:cNvSpPr/>
+            <p:nvPr/>
+          </p:nvSpPr>
+          <p:spPr>
+            <a:xfrm flipV="1">
+              <a:off x="2021693" y="2062480"/>
+              <a:ext cx="5384434" cy="2011680"/>
+            </a:xfrm>
+            <a:prstGeom prst="arc">
+              <a:avLst>
+                <a:gd name="adj1" fmla="val 12065474"/>
+                <a:gd name="adj2" fmla="val 20277832"/>
+              </a:avLst>
+            </a:prstGeom>
+            <a:ln w="57150" cap="rnd" cmpd="sng">
+              <a:solidFill>
+                <a:schemeClr val="tx1"/>
+              </a:solidFill>
+            </a:ln>
+            <a:effectLst/>
+          </p:spPr>
+          <p:style>
+            <a:lnRef idx="2">
+              <a:schemeClr val="accent1"/>
+            </a:lnRef>
+            <a:fillRef idx="0">
+              <a:schemeClr val="accent1"/>
+            </a:fillRef>
+            <a:effectRef idx="1">
+              <a:schemeClr val="accent1"/>
+            </a:effectRef>
+            <a:fontRef idx="minor">
+              <a:schemeClr val="tx1"/>
+            </a:fontRef>
+          </p:style>
+          <p:txBody>
+            <a:bodyPr rtlCol="0" anchor="ctr"/>
+            <a:lstStyle/>
+            <a:p>
+              <a:pPr algn="ctr"/>
+              <a:endParaRPr lang="en-US"/>
+            </a:p>
+          </p:txBody>
+        </p:sp>
+        <p:sp>
+          <p:nvSpPr>
+            <p:cNvPr id="9" name="Arc 8"/>
+            <p:cNvSpPr/>
+            <p:nvPr/>
+          </p:nvSpPr>
+          <p:spPr>
+            <a:xfrm flipV="1">
+              <a:off x="2722685" y="2550160"/>
+              <a:ext cx="3968061" cy="1849120"/>
+            </a:xfrm>
+            <a:prstGeom prst="arc">
+              <a:avLst>
+                <a:gd name="adj1" fmla="val 11378229"/>
+                <a:gd name="adj2" fmla="val 20994250"/>
+              </a:avLst>
+            </a:prstGeom>
+            <a:ln w="57150" cap="rnd" cmpd="sng">
+              <a:solidFill>
+                <a:schemeClr val="tx1"/>
+              </a:solidFill>
+            </a:ln>
+            <a:effectLst/>
+          </p:spPr>
+          <p:style>
+            <a:lnRef idx="2">
+              <a:schemeClr val="accent1"/>
+            </a:lnRef>
+            <a:fillRef idx="0">
+              <a:schemeClr val="accent1"/>
+            </a:fillRef>
+            <a:effectRef idx="1">
+              <a:schemeClr val="accent1"/>
+            </a:effectRef>
+            <a:fontRef idx="minor">
+              <a:schemeClr val="tx1"/>
+            </a:fontRef>
+          </p:style>
+          <p:txBody>
+            <a:bodyPr rtlCol="0" anchor="ctr"/>
+            <a:lstStyle/>
+            <a:p>
+              <a:pPr algn="ctr"/>
+              <a:endParaRPr lang="en-US"/>
+            </a:p>
+          </p:txBody>
+        </p:sp>
+      </p:grpSp>
+      <p:grpSp>
+        <p:nvGrpSpPr>
+          <p:cNvPr id="10" name="Group 9"/>
+          <p:cNvGrpSpPr/>
+          <p:nvPr/>
+        </p:nvGrpSpPr>
+        <p:grpSpPr>
+          <a:xfrm>
+            <a:off x="3068869" y="1077582"/>
+            <a:ext cx="3225337" cy="1015717"/>
+            <a:chOff x="3044953" y="1077582"/>
+            <a:chExt cx="3225337" cy="1015717"/>
+          </a:xfrm>
+        </p:grpSpPr>
+        <p:sp>
+          <p:nvSpPr>
+            <p:cNvPr id="11" name="Arc 10"/>
+            <p:cNvSpPr/>
+            <p:nvPr/>
+          </p:nvSpPr>
+          <p:spPr>
+            <a:xfrm rot="18532473">
+              <a:off x="3067793" y="1054743"/>
+              <a:ext cx="1015716" cy="1061395"/>
+            </a:xfrm>
+            <a:prstGeom prst="arc">
+              <a:avLst/>
+            </a:prstGeom>
+            <a:ln w="57150" cmpd="sng">
+              <a:solidFill>
+                <a:schemeClr val="tx1"/>
+              </a:solidFill>
+            </a:ln>
+            <a:effectLst/>
+          </p:spPr>
+          <p:style>
+            <a:lnRef idx="2">
+              <a:schemeClr val="accent1"/>
+            </a:lnRef>
+            <a:fillRef idx="0">
+              <a:schemeClr val="accent1"/>
+            </a:fillRef>
+            <a:effectRef idx="1">
+              <a:schemeClr val="accent1"/>
+            </a:effectRef>
+            <a:fontRef idx="minor">
+              <a:schemeClr val="tx1"/>
+            </a:fontRef>
+          </p:style>
+          <p:txBody>
+            <a:bodyPr rtlCol="0" anchor="ctr"/>
+            <a:lstStyle/>
+            <a:p>
+              <a:pPr algn="ctr"/>
+              <a:endParaRPr lang="en-US"/>
+            </a:p>
+          </p:txBody>
+        </p:sp>
+        <p:sp>
+          <p:nvSpPr>
+            <p:cNvPr id="12" name="Arc 11"/>
+            <p:cNvSpPr/>
+            <p:nvPr/>
+          </p:nvSpPr>
+          <p:spPr>
+            <a:xfrm rot="3067527" flipH="1">
+              <a:off x="5231735" y="1054742"/>
+              <a:ext cx="1015716" cy="1061395"/>
+            </a:xfrm>
+            <a:prstGeom prst="arc">
+              <a:avLst/>
+            </a:prstGeom>
+            <a:ln w="57150" cmpd="sng">
+              <a:solidFill>
+                <a:schemeClr val="tx1"/>
+              </a:solidFill>
+            </a:ln>
+            <a:effectLst/>
+          </p:spPr>
+          <p:style>
+            <a:lnRef idx="2">
+              <a:schemeClr val="accent1"/>
+            </a:lnRef>
+            <a:fillRef idx="0">
+              <a:schemeClr val="accent1"/>
+            </a:fillRef>
+            <a:effectRef idx="1">
+              <a:schemeClr val="accent1"/>
+            </a:effectRef>
+            <a:fontRef idx="minor">
+              <a:schemeClr val="tx1"/>
+            </a:fontRef>
+          </p:style>
+          <p:txBody>
+            <a:bodyPr rtlCol="0" anchor="ctr"/>
+            <a:lstStyle/>
+            <a:p>
+              <a:pPr algn="ctr"/>
+              <a:endParaRPr lang="en-US"/>
+            </a:p>
+          </p:txBody>
+        </p:sp>
+      </p:grpSp>
+    </p:spTree>
+    <p:extLst>
+      <p:ext uri="{BB962C8B-B14F-4D97-AF65-F5344CB8AC3E}">
+        <p14:creationId xmlns:p14="http://schemas.microsoft.com/office/powerpoint/2010/main" val="1679756284"/>
+      </p:ext>
+    </p:extLst>
+  </p:cSld>
+  <p:clrMapOvr>
+    <a:masterClrMapping/>
+  </p:clrMapOvr>
+  <p:timing>
+    <p:tnLst>
+      <p:par>
+        <p:cTn xmlns:p14="http://schemas.microsoft.com/office/powerpoint/2010/main" id="1" dur="indefinite" restart="never" nodeType="tmRoot"/>
+      </p:par>
+    </p:tnLst>
+  </p:timing>
+</p:sld>
+</file>
+
+<file path=ppt/slides/slide40.xml><?xml version="1.0" encoding="utf-8"?>
 <p:sld xmlns:a="http://schemas.openxmlformats.org/drawingml/2006/main" xmlns:r="http://schemas.openxmlformats.org/officeDocument/2006/relationships" xmlns:p="http://schemas.openxmlformats.org/presentationml/2006/main">
   <p:cSld>
     <p:spTree>
@@ -17143,7 +20963,7 @@
 </p:sld>
 </file>
 
-<file path=ppt/slides/slide36.xml><?xml version="1.0" encoding="utf-8"?>
+<file path=ppt/slides/slide41.xml><?xml version="1.0" encoding="utf-8"?>
 <p:sld xmlns:a="http://schemas.openxmlformats.org/drawingml/2006/main" xmlns:r="http://schemas.openxmlformats.org/officeDocument/2006/relationships" xmlns:p="http://schemas.openxmlformats.org/presentationml/2006/main">
   <p:cSld>
     <p:spTree>
@@ -17795,7 +21615,7 @@
 </p:sld>
 </file>
 
-<file path=ppt/slides/slide37.xml><?xml version="1.0" encoding="utf-8"?>
+<file path=ppt/slides/slide42.xml><?xml version="1.0" encoding="utf-8"?>
 <p:sld xmlns:a="http://schemas.openxmlformats.org/drawingml/2006/main" xmlns:r="http://schemas.openxmlformats.org/officeDocument/2006/relationships" xmlns:p="http://schemas.openxmlformats.org/presentationml/2006/main">
   <p:cSld>
     <p:spTree>
@@ -18447,7 +22267,7 @@
 </p:sld>
 </file>
 
-<file path=ppt/slides/slide38.xml><?xml version="1.0" encoding="utf-8"?>
+<file path=ppt/slides/slide43.xml><?xml version="1.0" encoding="utf-8"?>
 <p:sld xmlns:a="http://schemas.openxmlformats.org/drawingml/2006/main" xmlns:r="http://schemas.openxmlformats.org/officeDocument/2006/relationships" xmlns:p="http://schemas.openxmlformats.org/presentationml/2006/main">
   <p:cSld>
     <p:spTree>
@@ -19099,7 +22919,7 @@
 </p:sld>
 </file>
 
-<file path=ppt/slides/slide39.xml><?xml version="1.0" encoding="utf-8"?>
+<file path=ppt/slides/slide44.xml><?xml version="1.0" encoding="utf-8"?>
 <p:sld xmlns:a="http://schemas.openxmlformats.org/drawingml/2006/main" xmlns:r="http://schemas.openxmlformats.org/officeDocument/2006/relationships" xmlns:p="http://schemas.openxmlformats.org/presentationml/2006/main">
   <p:cSld>
     <p:spTree>
@@ -19751,467 +23571,7 @@
 </p:sld>
 </file>
 
-<file path=ppt/slides/slide4.xml><?xml version="1.0" encoding="utf-8"?>
-<p:sld xmlns:a="http://schemas.openxmlformats.org/drawingml/2006/main" xmlns:r="http://schemas.openxmlformats.org/officeDocument/2006/relationships" xmlns:p="http://schemas.openxmlformats.org/presentationml/2006/main">
-  <p:cSld>
-    <p:spTree>
-      <p:nvGrpSpPr>
-        <p:cNvPr id="1" name=""/>
-        <p:cNvGrpSpPr/>
-        <p:nvPr/>
-      </p:nvGrpSpPr>
-      <p:grpSpPr>
-        <a:xfrm>
-          <a:off x="0" y="0"/>
-          <a:ext cx="0" cy="0"/>
-          <a:chOff x="0" y="0"/>
-          <a:chExt cx="0" cy="0"/>
-        </a:xfrm>
-      </p:grpSpPr>
-      <p:grpSp>
-        <p:nvGrpSpPr>
-          <p:cNvPr id="2" name="Group 1"/>
-          <p:cNvGrpSpPr/>
-          <p:nvPr/>
-        </p:nvGrpSpPr>
-        <p:grpSpPr>
-          <a:xfrm flipV="1">
-            <a:off x="3371269" y="1507457"/>
-            <a:ext cx="2620536" cy="800100"/>
-            <a:chOff x="3373625" y="1507457"/>
-            <a:chExt cx="2620536" cy="800100"/>
-          </a:xfrm>
-        </p:grpSpPr>
-        <p:sp>
-          <p:nvSpPr>
-            <p:cNvPr id="3" name="Oval 2"/>
-            <p:cNvSpPr/>
-            <p:nvPr/>
-          </p:nvSpPr>
-          <p:spPr>
-            <a:xfrm>
-              <a:off x="5536961" y="1507457"/>
-              <a:ext cx="457200" cy="800100"/>
-            </a:xfrm>
-            <a:prstGeom prst="ellipse">
-              <a:avLst/>
-            </a:prstGeom>
-            <a:solidFill>
-              <a:schemeClr val="tx1"/>
-            </a:solidFill>
-            <a:ln>
-              <a:noFill/>
-            </a:ln>
-            <a:effectLst/>
-          </p:spPr>
-          <p:style>
-            <a:lnRef idx="1">
-              <a:schemeClr val="accent1"/>
-            </a:lnRef>
-            <a:fillRef idx="3">
-              <a:schemeClr val="accent1"/>
-            </a:fillRef>
-            <a:effectRef idx="2">
-              <a:schemeClr val="accent1"/>
-            </a:effectRef>
-            <a:fontRef idx="minor">
-              <a:schemeClr val="lt1"/>
-            </a:fontRef>
-          </p:style>
-          <p:txBody>
-            <a:bodyPr rot="0" spcFirstLastPara="0" vert="horz" wrap="square" lIns="91440" tIns="45720" rIns="91440" bIns="45720" numCol="1" spcCol="0" rtlCol="0" fromWordArt="0" anchor="ctr" anchorCtr="0" forceAA="0" compatLnSpc="1">
-              <a:prstTxWarp prst="textNoShape">
-                <a:avLst/>
-              </a:prstTxWarp>
-              <a:noAutofit/>
-            </a:bodyPr>
-            <a:lstStyle/>
-            <a:p>
-              <a:endParaRPr lang="en-US"/>
-            </a:p>
-          </p:txBody>
-        </p:sp>
-        <p:sp>
-          <p:nvSpPr>
-            <p:cNvPr id="4" name="Oval 3"/>
-            <p:cNvSpPr/>
-            <p:nvPr/>
-          </p:nvSpPr>
-          <p:spPr>
-            <a:xfrm>
-              <a:off x="5634199" y="1585438"/>
-              <a:ext cx="180975" cy="361950"/>
-            </a:xfrm>
-            <a:prstGeom prst="ellipse">
-              <a:avLst/>
-            </a:prstGeom>
-            <a:solidFill>
-              <a:schemeClr val="bg1"/>
-            </a:solidFill>
-            <a:ln>
-              <a:noFill/>
-            </a:ln>
-            <a:effectLst/>
-          </p:spPr>
-          <p:style>
-            <a:lnRef idx="1">
-              <a:schemeClr val="accent1"/>
-            </a:lnRef>
-            <a:fillRef idx="3">
-              <a:schemeClr val="accent1"/>
-            </a:fillRef>
-            <a:effectRef idx="2">
-              <a:schemeClr val="accent1"/>
-            </a:effectRef>
-            <a:fontRef idx="minor">
-              <a:schemeClr val="lt1"/>
-            </a:fontRef>
-          </p:style>
-          <p:txBody>
-            <a:bodyPr rot="0" spcFirstLastPara="0" vert="horz" wrap="square" lIns="91440" tIns="45720" rIns="91440" bIns="45720" numCol="1" spcCol="0" rtlCol="0" fromWordArt="0" anchor="ctr" anchorCtr="0" forceAA="0" compatLnSpc="1">
-              <a:prstTxWarp prst="textNoShape">
-                <a:avLst/>
-              </a:prstTxWarp>
-              <a:noAutofit/>
-            </a:bodyPr>
-            <a:lstStyle/>
-            <a:p>
-              <a:endParaRPr lang="en-US"/>
-            </a:p>
-          </p:txBody>
-        </p:sp>
-        <p:sp>
-          <p:nvSpPr>
-            <p:cNvPr id="5" name="Oval 4"/>
-            <p:cNvSpPr/>
-            <p:nvPr/>
-          </p:nvSpPr>
-          <p:spPr>
-            <a:xfrm>
-              <a:off x="3373625" y="1507457"/>
-              <a:ext cx="457200" cy="800100"/>
-            </a:xfrm>
-            <a:prstGeom prst="ellipse">
-              <a:avLst/>
-            </a:prstGeom>
-            <a:solidFill>
-              <a:schemeClr val="tx1"/>
-            </a:solidFill>
-            <a:ln>
-              <a:noFill/>
-            </a:ln>
-            <a:effectLst/>
-          </p:spPr>
-          <p:style>
-            <a:lnRef idx="1">
-              <a:schemeClr val="accent1"/>
-            </a:lnRef>
-            <a:fillRef idx="3">
-              <a:schemeClr val="accent1"/>
-            </a:fillRef>
-            <a:effectRef idx="2">
-              <a:schemeClr val="accent1"/>
-            </a:effectRef>
-            <a:fontRef idx="minor">
-              <a:schemeClr val="lt1"/>
-            </a:fontRef>
-          </p:style>
-          <p:txBody>
-            <a:bodyPr rot="0" spcFirstLastPara="0" vert="horz" wrap="square" lIns="91440" tIns="45720" rIns="91440" bIns="45720" numCol="1" spcCol="0" rtlCol="0" fromWordArt="0" anchor="ctr" anchorCtr="0" forceAA="0" compatLnSpc="1">
-              <a:prstTxWarp prst="textNoShape">
-                <a:avLst/>
-              </a:prstTxWarp>
-              <a:noAutofit/>
-            </a:bodyPr>
-            <a:lstStyle/>
-            <a:p>
-              <a:endParaRPr lang="en-US"/>
-            </a:p>
-          </p:txBody>
-        </p:sp>
-        <p:sp>
-          <p:nvSpPr>
-            <p:cNvPr id="6" name="Oval 5"/>
-            <p:cNvSpPr/>
-            <p:nvPr/>
-          </p:nvSpPr>
-          <p:spPr>
-            <a:xfrm>
-              <a:off x="3470863" y="1585438"/>
-              <a:ext cx="180975" cy="361950"/>
-            </a:xfrm>
-            <a:prstGeom prst="ellipse">
-              <a:avLst/>
-            </a:prstGeom>
-            <a:solidFill>
-              <a:schemeClr val="bg1"/>
-            </a:solidFill>
-            <a:ln>
-              <a:noFill/>
-            </a:ln>
-            <a:effectLst/>
-          </p:spPr>
-          <p:style>
-            <a:lnRef idx="1">
-              <a:schemeClr val="accent1"/>
-            </a:lnRef>
-            <a:fillRef idx="3">
-              <a:schemeClr val="accent1"/>
-            </a:fillRef>
-            <a:effectRef idx="2">
-              <a:schemeClr val="accent1"/>
-            </a:effectRef>
-            <a:fontRef idx="minor">
-              <a:schemeClr val="lt1"/>
-            </a:fontRef>
-          </p:style>
-          <p:txBody>
-            <a:bodyPr rot="0" spcFirstLastPara="0" vert="horz" wrap="square" lIns="91440" tIns="45720" rIns="91440" bIns="45720" numCol="1" spcCol="0" rtlCol="0" fromWordArt="0" anchor="ctr" anchorCtr="0" forceAA="0" compatLnSpc="1">
-              <a:prstTxWarp prst="textNoShape">
-                <a:avLst/>
-              </a:prstTxWarp>
-              <a:noAutofit/>
-            </a:bodyPr>
-            <a:lstStyle/>
-            <a:p>
-              <a:endParaRPr lang="en-US"/>
-            </a:p>
-          </p:txBody>
-        </p:sp>
-      </p:grpSp>
-      <p:grpSp>
-        <p:nvGrpSpPr>
-          <p:cNvPr id="7" name="Group 6"/>
-          <p:cNvGrpSpPr/>
-          <p:nvPr/>
-        </p:nvGrpSpPr>
-        <p:grpSpPr>
-          <a:xfrm>
-            <a:off x="1989320" y="2001520"/>
-            <a:ext cx="5384434" cy="2336800"/>
-            <a:chOff x="2021693" y="2062480"/>
-            <a:chExt cx="5384434" cy="2336800"/>
-          </a:xfrm>
-        </p:grpSpPr>
-        <p:sp>
-          <p:nvSpPr>
-            <p:cNvPr id="8" name="Arc 7"/>
-            <p:cNvSpPr/>
-            <p:nvPr/>
-          </p:nvSpPr>
-          <p:spPr>
-            <a:xfrm flipV="1">
-              <a:off x="2021693" y="2062480"/>
-              <a:ext cx="5384434" cy="2011680"/>
-            </a:xfrm>
-            <a:prstGeom prst="arc">
-              <a:avLst>
-                <a:gd name="adj1" fmla="val 12065474"/>
-                <a:gd name="adj2" fmla="val 20277832"/>
-              </a:avLst>
-            </a:prstGeom>
-            <a:ln w="57150" cap="rnd" cmpd="sng">
-              <a:solidFill>
-                <a:schemeClr val="tx1"/>
-              </a:solidFill>
-            </a:ln>
-            <a:effectLst/>
-          </p:spPr>
-          <p:style>
-            <a:lnRef idx="2">
-              <a:schemeClr val="accent1"/>
-            </a:lnRef>
-            <a:fillRef idx="0">
-              <a:schemeClr val="accent1"/>
-            </a:fillRef>
-            <a:effectRef idx="1">
-              <a:schemeClr val="accent1"/>
-            </a:effectRef>
-            <a:fontRef idx="minor">
-              <a:schemeClr val="tx1"/>
-            </a:fontRef>
-          </p:style>
-          <p:txBody>
-            <a:bodyPr rtlCol="0" anchor="ctr"/>
-            <a:lstStyle/>
-            <a:p>
-              <a:pPr algn="ctr"/>
-              <a:endParaRPr lang="en-US"/>
-            </a:p>
-          </p:txBody>
-        </p:sp>
-        <p:sp>
-          <p:nvSpPr>
-            <p:cNvPr id="9" name="Arc 8"/>
-            <p:cNvSpPr/>
-            <p:nvPr/>
-          </p:nvSpPr>
-          <p:spPr>
-            <a:xfrm flipV="1">
-              <a:off x="2722685" y="2550160"/>
-              <a:ext cx="3968061" cy="1849120"/>
-            </a:xfrm>
-            <a:prstGeom prst="arc">
-              <a:avLst>
-                <a:gd name="adj1" fmla="val 11378229"/>
-                <a:gd name="adj2" fmla="val 20994250"/>
-              </a:avLst>
-            </a:prstGeom>
-            <a:ln w="57150" cap="rnd" cmpd="sng">
-              <a:solidFill>
-                <a:schemeClr val="tx1"/>
-              </a:solidFill>
-            </a:ln>
-            <a:effectLst/>
-          </p:spPr>
-          <p:style>
-            <a:lnRef idx="2">
-              <a:schemeClr val="accent1"/>
-            </a:lnRef>
-            <a:fillRef idx="0">
-              <a:schemeClr val="accent1"/>
-            </a:fillRef>
-            <a:effectRef idx="1">
-              <a:schemeClr val="accent1"/>
-            </a:effectRef>
-            <a:fontRef idx="minor">
-              <a:schemeClr val="tx1"/>
-            </a:fontRef>
-          </p:style>
-          <p:txBody>
-            <a:bodyPr rtlCol="0" anchor="ctr"/>
-            <a:lstStyle/>
-            <a:p>
-              <a:pPr algn="ctr"/>
-              <a:endParaRPr lang="en-US"/>
-            </a:p>
-          </p:txBody>
-        </p:sp>
-      </p:grpSp>
-      <p:grpSp>
-        <p:nvGrpSpPr>
-          <p:cNvPr id="10" name="Group 9"/>
-          <p:cNvGrpSpPr/>
-          <p:nvPr/>
-        </p:nvGrpSpPr>
-        <p:grpSpPr>
-          <a:xfrm>
-            <a:off x="3068869" y="1077582"/>
-            <a:ext cx="3225337" cy="1015717"/>
-            <a:chOff x="3044953" y="1077582"/>
-            <a:chExt cx="3225337" cy="1015717"/>
-          </a:xfrm>
-        </p:grpSpPr>
-        <p:sp>
-          <p:nvSpPr>
-            <p:cNvPr id="11" name="Arc 10"/>
-            <p:cNvSpPr/>
-            <p:nvPr/>
-          </p:nvSpPr>
-          <p:spPr>
-            <a:xfrm rot="18532473">
-              <a:off x="3067793" y="1054743"/>
-              <a:ext cx="1015716" cy="1061395"/>
-            </a:xfrm>
-            <a:prstGeom prst="arc">
-              <a:avLst/>
-            </a:prstGeom>
-            <a:ln w="57150" cmpd="sng">
-              <a:solidFill>
-                <a:schemeClr val="tx1"/>
-              </a:solidFill>
-            </a:ln>
-            <a:effectLst/>
-          </p:spPr>
-          <p:style>
-            <a:lnRef idx="2">
-              <a:schemeClr val="accent1"/>
-            </a:lnRef>
-            <a:fillRef idx="0">
-              <a:schemeClr val="accent1"/>
-            </a:fillRef>
-            <a:effectRef idx="1">
-              <a:schemeClr val="accent1"/>
-            </a:effectRef>
-            <a:fontRef idx="minor">
-              <a:schemeClr val="tx1"/>
-            </a:fontRef>
-          </p:style>
-          <p:txBody>
-            <a:bodyPr rtlCol="0" anchor="ctr"/>
-            <a:lstStyle/>
-            <a:p>
-              <a:pPr algn="ctr"/>
-              <a:endParaRPr lang="en-US"/>
-            </a:p>
-          </p:txBody>
-        </p:sp>
-        <p:sp>
-          <p:nvSpPr>
-            <p:cNvPr id="12" name="Arc 11"/>
-            <p:cNvSpPr/>
-            <p:nvPr/>
-          </p:nvSpPr>
-          <p:spPr>
-            <a:xfrm rot="3067527" flipH="1">
-              <a:off x="5231735" y="1054742"/>
-              <a:ext cx="1015716" cy="1061395"/>
-            </a:xfrm>
-            <a:prstGeom prst="arc">
-              <a:avLst/>
-            </a:prstGeom>
-            <a:ln w="57150" cmpd="sng">
-              <a:solidFill>
-                <a:schemeClr val="tx1"/>
-              </a:solidFill>
-            </a:ln>
-            <a:effectLst/>
-          </p:spPr>
-          <p:style>
-            <a:lnRef idx="2">
-              <a:schemeClr val="accent1"/>
-            </a:lnRef>
-            <a:fillRef idx="0">
-              <a:schemeClr val="accent1"/>
-            </a:fillRef>
-            <a:effectRef idx="1">
-              <a:schemeClr val="accent1"/>
-            </a:effectRef>
-            <a:fontRef idx="minor">
-              <a:schemeClr val="tx1"/>
-            </a:fontRef>
-          </p:style>
-          <p:txBody>
-            <a:bodyPr rtlCol="0" anchor="ctr"/>
-            <a:lstStyle/>
-            <a:p>
-              <a:pPr algn="ctr"/>
-              <a:endParaRPr lang="en-US"/>
-            </a:p>
-          </p:txBody>
-        </p:sp>
-      </p:grpSp>
-    </p:spTree>
-    <p:extLst>
-      <p:ext uri="{BB962C8B-B14F-4D97-AF65-F5344CB8AC3E}">
-        <p14:creationId xmlns:p14="http://schemas.microsoft.com/office/powerpoint/2010/main" val="1679756284"/>
-      </p:ext>
-    </p:extLst>
-  </p:cSld>
-  <p:clrMapOvr>
-    <a:masterClrMapping/>
-  </p:clrMapOvr>
-  <p:timing>
-    <p:tnLst>
-      <p:par>
-        <p:cTn xmlns:p14="http://schemas.microsoft.com/office/powerpoint/2010/main" id="1" dur="indefinite" restart="never" nodeType="tmRoot"/>
-      </p:par>
-    </p:tnLst>
-  </p:timing>
-</p:sld>
-</file>
-
-<file path=ppt/slides/slide40.xml><?xml version="1.0" encoding="utf-8"?>
+<file path=ppt/slides/slide45.xml><?xml version="1.0" encoding="utf-8"?>
 <p:sld xmlns:a="http://schemas.openxmlformats.org/drawingml/2006/main" xmlns:r="http://schemas.openxmlformats.org/officeDocument/2006/relationships" xmlns:p="http://schemas.openxmlformats.org/presentationml/2006/main">
   <p:cSld>
     <p:spTree>
@@ -20973,7 +24333,7 @@
 </p:sld>
 </file>
 
-<file path=ppt/slides/slide41.xml><?xml version="1.0" encoding="utf-8"?>
+<file path=ppt/slides/slide46.xml><?xml version="1.0" encoding="utf-8"?>
 <p:sld xmlns:a="http://schemas.openxmlformats.org/drawingml/2006/main" xmlns:r="http://schemas.openxmlformats.org/officeDocument/2006/relationships" xmlns:p="http://schemas.openxmlformats.org/presentationml/2006/main">
   <p:cSld>
     <p:spTree>
@@ -21377,7 +24737,7 @@
 </p:sld>
 </file>
 
-<file path=ppt/slides/slide42.xml><?xml version="1.0" encoding="utf-8"?>
+<file path=ppt/slides/slide47.xml><?xml version="1.0" encoding="utf-8"?>
 <p:sld xmlns:a="http://schemas.openxmlformats.org/drawingml/2006/main" xmlns:r="http://schemas.openxmlformats.org/officeDocument/2006/relationships" xmlns:p="http://schemas.openxmlformats.org/presentationml/2006/main">
   <p:cSld>
     <p:spTree>
@@ -21781,7 +25141,7 @@
 </p:sld>
 </file>
 
-<file path=ppt/slides/slide43.xml><?xml version="1.0" encoding="utf-8"?>
+<file path=ppt/slides/slide48.xml><?xml version="1.0" encoding="utf-8"?>
 <p:sld xmlns:a="http://schemas.openxmlformats.org/drawingml/2006/main" xmlns:r="http://schemas.openxmlformats.org/officeDocument/2006/relationships" xmlns:p="http://schemas.openxmlformats.org/presentationml/2006/main">
   <p:cSld>
     <p:spTree>
@@ -22185,7 +25545,7 @@
 </p:sld>
 </file>
 
-<file path=ppt/slides/slide44.xml><?xml version="1.0" encoding="utf-8"?>
+<file path=ppt/slides/slide49.xml><?xml version="1.0" encoding="utf-8"?>
 <p:sld xmlns:a="http://schemas.openxmlformats.org/drawingml/2006/main" xmlns:r="http://schemas.openxmlformats.org/officeDocument/2006/relationships" xmlns:p="http://schemas.openxmlformats.org/presentationml/2006/main">
   <p:cSld>
     <p:spTree>
@@ -22589,7 +25949,577 @@
 </p:sld>
 </file>
 
-<file path=ppt/slides/slide45.xml><?xml version="1.0" encoding="utf-8"?>
+<file path=ppt/slides/slide5.xml><?xml version="1.0" encoding="utf-8"?>
+<p:sld xmlns:a="http://schemas.openxmlformats.org/drawingml/2006/main" xmlns:r="http://schemas.openxmlformats.org/officeDocument/2006/relationships" xmlns:p="http://schemas.openxmlformats.org/presentationml/2006/main">
+  <p:cSld>
+    <p:spTree>
+      <p:nvGrpSpPr>
+        <p:cNvPr id="1" name=""/>
+        <p:cNvGrpSpPr/>
+        <p:nvPr/>
+      </p:nvGrpSpPr>
+      <p:grpSpPr>
+        <a:xfrm>
+          <a:off x="0" y="0"/>
+          <a:ext cx="0" cy="0"/>
+          <a:chOff x="0" y="0"/>
+          <a:chExt cx="0" cy="0"/>
+        </a:xfrm>
+      </p:grpSpPr>
+      <p:grpSp>
+        <p:nvGrpSpPr>
+          <p:cNvPr id="2" name="Group 1"/>
+          <p:cNvGrpSpPr/>
+          <p:nvPr/>
+        </p:nvGrpSpPr>
+        <p:grpSpPr>
+          <a:xfrm>
+            <a:off x="3108745" y="1483362"/>
+            <a:ext cx="3213618" cy="1168399"/>
+            <a:chOff x="3108745" y="1483362"/>
+            <a:chExt cx="3213618" cy="1168399"/>
+          </a:xfrm>
+        </p:grpSpPr>
+        <p:sp>
+          <p:nvSpPr>
+            <p:cNvPr id="3" name="Arc 2"/>
+            <p:cNvSpPr/>
+            <p:nvPr/>
+          </p:nvSpPr>
+          <p:spPr>
+            <a:xfrm rot="19099713">
+              <a:off x="5534842" y="1730541"/>
+              <a:ext cx="552941" cy="627136"/>
+            </a:xfrm>
+            <a:prstGeom prst="arc">
+              <a:avLst>
+                <a:gd name="adj1" fmla="val 13033844"/>
+                <a:gd name="adj2" fmla="val 0"/>
+              </a:avLst>
+            </a:prstGeom>
+            <a:ln w="57150" cmpd="sng">
+              <a:solidFill>
+                <a:schemeClr val="tx1"/>
+              </a:solidFill>
+            </a:ln>
+            <a:effectLst/>
+          </p:spPr>
+          <p:style>
+            <a:lnRef idx="2">
+              <a:schemeClr val="accent1"/>
+            </a:lnRef>
+            <a:fillRef idx="0">
+              <a:schemeClr val="accent1"/>
+            </a:fillRef>
+            <a:effectRef idx="1">
+              <a:schemeClr val="accent1"/>
+            </a:effectRef>
+            <a:fontRef idx="minor">
+              <a:schemeClr val="tx1"/>
+            </a:fontRef>
+          </p:style>
+          <p:txBody>
+            <a:bodyPr rot="0" spcFirstLastPara="0" vert="horz" wrap="square" lIns="91440" tIns="45720" rIns="91440" bIns="45720" numCol="1" spcCol="0" rtlCol="0" fromWordArt="0" anchor="ctr" anchorCtr="0" forceAA="0" compatLnSpc="1">
+              <a:prstTxWarp prst="textNoShape">
+                <a:avLst/>
+              </a:prstTxWarp>
+              <a:noAutofit/>
+            </a:bodyPr>
+            <a:lstStyle/>
+            <a:p>
+              <a:endParaRPr lang="en-US"/>
+            </a:p>
+          </p:txBody>
+        </p:sp>
+        <p:sp>
+          <p:nvSpPr>
+            <p:cNvPr id="4" name="Arc 3"/>
+            <p:cNvSpPr/>
+            <p:nvPr/>
+          </p:nvSpPr>
+          <p:spPr>
+            <a:xfrm rot="20904659">
+              <a:off x="5485971" y="1947381"/>
+              <a:ext cx="552941" cy="627136"/>
+            </a:xfrm>
+            <a:prstGeom prst="arc">
+              <a:avLst>
+                <a:gd name="adj1" fmla="val 13033844"/>
+                <a:gd name="adj2" fmla="val 18647106"/>
+              </a:avLst>
+            </a:prstGeom>
+            <a:ln w="57150" cmpd="sng">
+              <a:solidFill>
+                <a:schemeClr val="tx1"/>
+              </a:solidFill>
+            </a:ln>
+            <a:effectLst/>
+          </p:spPr>
+          <p:style>
+            <a:lnRef idx="2">
+              <a:schemeClr val="accent1"/>
+            </a:lnRef>
+            <a:fillRef idx="0">
+              <a:schemeClr val="accent1"/>
+            </a:fillRef>
+            <a:effectRef idx="1">
+              <a:schemeClr val="accent1"/>
+            </a:effectRef>
+            <a:fontRef idx="minor">
+              <a:schemeClr val="tx1"/>
+            </a:fontRef>
+          </p:style>
+          <p:txBody>
+            <a:bodyPr rot="0" spcFirstLastPara="0" vert="horz" wrap="square" lIns="91440" tIns="45720" rIns="91440" bIns="45720" numCol="1" spcCol="0" rtlCol="0" fromWordArt="0" anchor="ctr" anchorCtr="0" forceAA="0" compatLnSpc="1">
+              <a:prstTxWarp prst="textNoShape">
+                <a:avLst/>
+              </a:prstTxWarp>
+              <a:noAutofit/>
+            </a:bodyPr>
+            <a:lstStyle/>
+            <a:p>
+              <a:endParaRPr lang="en-US"/>
+            </a:p>
+          </p:txBody>
+        </p:sp>
+        <p:sp>
+          <p:nvSpPr>
+            <p:cNvPr id="5" name="Arc 4"/>
+            <p:cNvSpPr/>
+            <p:nvPr/>
+          </p:nvSpPr>
+          <p:spPr>
+            <a:xfrm rot="17805634">
+              <a:off x="5452601" y="1472049"/>
+              <a:ext cx="858450" cy="881075"/>
+            </a:xfrm>
+            <a:prstGeom prst="arc">
+              <a:avLst>
+                <a:gd name="adj1" fmla="val 13033844"/>
+                <a:gd name="adj2" fmla="val 0"/>
+              </a:avLst>
+            </a:prstGeom>
+            <a:ln w="57150" cmpd="sng">
+              <a:solidFill>
+                <a:schemeClr val="tx1"/>
+              </a:solidFill>
+            </a:ln>
+            <a:effectLst/>
+          </p:spPr>
+          <p:style>
+            <a:lnRef idx="2">
+              <a:schemeClr val="accent1"/>
+            </a:lnRef>
+            <a:fillRef idx="0">
+              <a:schemeClr val="accent1"/>
+            </a:fillRef>
+            <a:effectRef idx="1">
+              <a:schemeClr val="accent1"/>
+            </a:effectRef>
+            <a:fontRef idx="minor">
+              <a:schemeClr val="tx1"/>
+            </a:fontRef>
+          </p:style>
+          <p:txBody>
+            <a:bodyPr rot="0" spcFirstLastPara="0" vert="horz" wrap="square" lIns="91440" tIns="45720" rIns="91440" bIns="45720" numCol="1" spcCol="0" rtlCol="0" fromWordArt="0" anchor="ctr" anchorCtr="0" forceAA="0" compatLnSpc="1">
+              <a:prstTxWarp prst="textNoShape">
+                <a:avLst/>
+              </a:prstTxWarp>
+              <a:noAutofit/>
+            </a:bodyPr>
+            <a:lstStyle/>
+            <a:p>
+              <a:endParaRPr lang="en-US"/>
+            </a:p>
+          </p:txBody>
+        </p:sp>
+        <p:sp>
+          <p:nvSpPr>
+            <p:cNvPr id="6" name="Arc 5"/>
+            <p:cNvSpPr/>
+            <p:nvPr/>
+          </p:nvSpPr>
+          <p:spPr>
+            <a:xfrm rot="343102">
+              <a:off x="3295851" y="1763944"/>
+              <a:ext cx="552941" cy="709808"/>
+            </a:xfrm>
+            <a:prstGeom prst="arc">
+              <a:avLst>
+                <a:gd name="adj1" fmla="val 13033844"/>
+                <a:gd name="adj2" fmla="val 0"/>
+              </a:avLst>
+            </a:prstGeom>
+            <a:ln w="57150" cmpd="sng">
+              <a:solidFill>
+                <a:schemeClr val="tx1"/>
+              </a:solidFill>
+            </a:ln>
+            <a:effectLst/>
+          </p:spPr>
+          <p:style>
+            <a:lnRef idx="2">
+              <a:schemeClr val="accent1"/>
+            </a:lnRef>
+            <a:fillRef idx="0">
+              <a:schemeClr val="accent1"/>
+            </a:fillRef>
+            <a:effectRef idx="1">
+              <a:schemeClr val="accent1"/>
+            </a:effectRef>
+            <a:fontRef idx="minor">
+              <a:schemeClr val="tx1"/>
+            </a:fontRef>
+          </p:style>
+          <p:txBody>
+            <a:bodyPr rot="0" spcFirstLastPara="0" vert="horz" wrap="square" lIns="91440" tIns="45720" rIns="91440" bIns="45720" numCol="1" spcCol="0" rtlCol="0" fromWordArt="0" anchor="ctr" anchorCtr="0" forceAA="0" compatLnSpc="1">
+              <a:prstTxWarp prst="textNoShape">
+                <a:avLst/>
+              </a:prstTxWarp>
+              <a:noAutofit/>
+            </a:bodyPr>
+            <a:lstStyle/>
+            <a:p>
+              <a:endParaRPr lang="en-US"/>
+            </a:p>
+          </p:txBody>
+        </p:sp>
+        <p:sp>
+          <p:nvSpPr>
+            <p:cNvPr id="7" name="Arc 6"/>
+            <p:cNvSpPr/>
+            <p:nvPr/>
+          </p:nvSpPr>
+          <p:spPr>
+            <a:xfrm rot="787364">
+              <a:off x="3357916" y="2024625"/>
+              <a:ext cx="552941" cy="627136"/>
+            </a:xfrm>
+            <a:prstGeom prst="arc">
+              <a:avLst>
+                <a:gd name="adj1" fmla="val 13033844"/>
+                <a:gd name="adj2" fmla="val 18647106"/>
+              </a:avLst>
+            </a:prstGeom>
+            <a:ln w="57150" cmpd="sng">
+              <a:solidFill>
+                <a:schemeClr val="tx1"/>
+              </a:solidFill>
+            </a:ln>
+            <a:effectLst/>
+          </p:spPr>
+          <p:style>
+            <a:lnRef idx="2">
+              <a:schemeClr val="accent1"/>
+            </a:lnRef>
+            <a:fillRef idx="0">
+              <a:schemeClr val="accent1"/>
+            </a:fillRef>
+            <a:effectRef idx="1">
+              <a:schemeClr val="accent1"/>
+            </a:effectRef>
+            <a:fontRef idx="minor">
+              <a:schemeClr val="tx1"/>
+            </a:fontRef>
+          </p:style>
+          <p:txBody>
+            <a:bodyPr rot="0" spcFirstLastPara="0" vert="horz" wrap="square" lIns="91440" tIns="45720" rIns="91440" bIns="45720" numCol="1" spcCol="0" rtlCol="0" fromWordArt="0" anchor="ctr" anchorCtr="0" forceAA="0" compatLnSpc="1">
+              <a:prstTxWarp prst="textNoShape">
+                <a:avLst/>
+              </a:prstTxWarp>
+              <a:noAutofit/>
+            </a:bodyPr>
+            <a:lstStyle/>
+            <a:p>
+              <a:endParaRPr lang="en-US"/>
+            </a:p>
+          </p:txBody>
+        </p:sp>
+        <p:sp>
+          <p:nvSpPr>
+            <p:cNvPr id="8" name="Arc 7"/>
+            <p:cNvSpPr/>
+            <p:nvPr/>
+          </p:nvSpPr>
+          <p:spPr>
+            <a:xfrm rot="1377231">
+              <a:off x="3108745" y="1505908"/>
+              <a:ext cx="790314" cy="962834"/>
+            </a:xfrm>
+            <a:prstGeom prst="arc">
+              <a:avLst>
+                <a:gd name="adj1" fmla="val 12622909"/>
+                <a:gd name="adj2" fmla="val 0"/>
+              </a:avLst>
+            </a:prstGeom>
+            <a:ln w="57150" cmpd="sng">
+              <a:solidFill>
+                <a:schemeClr val="tx1"/>
+              </a:solidFill>
+            </a:ln>
+            <a:effectLst/>
+          </p:spPr>
+          <p:style>
+            <a:lnRef idx="2">
+              <a:schemeClr val="accent1"/>
+            </a:lnRef>
+            <a:fillRef idx="0">
+              <a:schemeClr val="accent1"/>
+            </a:fillRef>
+            <a:effectRef idx="1">
+              <a:schemeClr val="accent1"/>
+            </a:effectRef>
+            <a:fontRef idx="minor">
+              <a:schemeClr val="tx1"/>
+            </a:fontRef>
+          </p:style>
+          <p:txBody>
+            <a:bodyPr rot="0" spcFirstLastPara="0" vert="horz" wrap="square" lIns="91440" tIns="45720" rIns="91440" bIns="45720" numCol="1" spcCol="0" rtlCol="0" fromWordArt="0" anchor="ctr" anchorCtr="0" forceAA="0" compatLnSpc="1">
+              <a:prstTxWarp prst="textNoShape">
+                <a:avLst/>
+              </a:prstTxWarp>
+              <a:noAutofit/>
+            </a:bodyPr>
+            <a:lstStyle/>
+            <a:p>
+              <a:endParaRPr lang="en-US"/>
+            </a:p>
+          </p:txBody>
+        </p:sp>
+      </p:grpSp>
+      <p:grpSp>
+        <p:nvGrpSpPr>
+          <p:cNvPr id="9" name="Group 8"/>
+          <p:cNvGrpSpPr/>
+          <p:nvPr/>
+        </p:nvGrpSpPr>
+        <p:grpSpPr>
+          <a:xfrm>
+            <a:off x="1989320" y="2001520"/>
+            <a:ext cx="5384434" cy="2336800"/>
+            <a:chOff x="2021693" y="2062480"/>
+            <a:chExt cx="5384434" cy="2336800"/>
+          </a:xfrm>
+        </p:grpSpPr>
+        <p:sp>
+          <p:nvSpPr>
+            <p:cNvPr id="10" name="Arc 9"/>
+            <p:cNvSpPr/>
+            <p:nvPr/>
+          </p:nvSpPr>
+          <p:spPr>
+            <a:xfrm flipV="1">
+              <a:off x="2021693" y="2062480"/>
+              <a:ext cx="5384434" cy="2011680"/>
+            </a:xfrm>
+            <a:prstGeom prst="arc">
+              <a:avLst>
+                <a:gd name="adj1" fmla="val 12065474"/>
+                <a:gd name="adj2" fmla="val 20277832"/>
+              </a:avLst>
+            </a:prstGeom>
+            <a:ln w="57150" cap="rnd" cmpd="sng">
+              <a:solidFill>
+                <a:schemeClr val="tx1"/>
+              </a:solidFill>
+            </a:ln>
+            <a:effectLst/>
+          </p:spPr>
+          <p:style>
+            <a:lnRef idx="2">
+              <a:schemeClr val="accent1"/>
+            </a:lnRef>
+            <a:fillRef idx="0">
+              <a:schemeClr val="accent1"/>
+            </a:fillRef>
+            <a:effectRef idx="1">
+              <a:schemeClr val="accent1"/>
+            </a:effectRef>
+            <a:fontRef idx="minor">
+              <a:schemeClr val="tx1"/>
+            </a:fontRef>
+          </p:style>
+          <p:txBody>
+            <a:bodyPr rtlCol="0" anchor="ctr"/>
+            <a:lstStyle/>
+            <a:p>
+              <a:pPr algn="ctr"/>
+              <a:endParaRPr lang="en-US"/>
+            </a:p>
+          </p:txBody>
+        </p:sp>
+        <p:sp>
+          <p:nvSpPr>
+            <p:cNvPr id="11" name="Arc 10"/>
+            <p:cNvSpPr/>
+            <p:nvPr/>
+          </p:nvSpPr>
+          <p:spPr>
+            <a:xfrm flipV="1">
+              <a:off x="2722685" y="2550160"/>
+              <a:ext cx="3968061" cy="1849120"/>
+            </a:xfrm>
+            <a:prstGeom prst="arc">
+              <a:avLst>
+                <a:gd name="adj1" fmla="val 11378229"/>
+                <a:gd name="adj2" fmla="val 20994250"/>
+              </a:avLst>
+            </a:prstGeom>
+            <a:ln w="57150" cap="rnd" cmpd="sng">
+              <a:solidFill>
+                <a:schemeClr val="tx1"/>
+              </a:solidFill>
+            </a:ln>
+            <a:effectLst/>
+          </p:spPr>
+          <p:style>
+            <a:lnRef idx="2">
+              <a:schemeClr val="accent1"/>
+            </a:lnRef>
+            <a:fillRef idx="0">
+              <a:schemeClr val="accent1"/>
+            </a:fillRef>
+            <a:effectRef idx="1">
+              <a:schemeClr val="accent1"/>
+            </a:effectRef>
+            <a:fontRef idx="minor">
+              <a:schemeClr val="tx1"/>
+            </a:fontRef>
+          </p:style>
+          <p:txBody>
+            <a:bodyPr rtlCol="0" anchor="ctr"/>
+            <a:lstStyle/>
+            <a:p>
+              <a:pPr algn="ctr"/>
+              <a:endParaRPr lang="en-US"/>
+            </a:p>
+          </p:txBody>
+        </p:sp>
+      </p:grpSp>
+      <p:grpSp>
+        <p:nvGrpSpPr>
+          <p:cNvPr id="12" name="Group 11"/>
+          <p:cNvGrpSpPr/>
+          <p:nvPr/>
+        </p:nvGrpSpPr>
+        <p:grpSpPr>
+          <a:xfrm>
+            <a:off x="3068869" y="1169022"/>
+            <a:ext cx="3225337" cy="1015717"/>
+            <a:chOff x="3044953" y="1169022"/>
+            <a:chExt cx="3225337" cy="1015717"/>
+          </a:xfrm>
+        </p:grpSpPr>
+        <p:sp>
+          <p:nvSpPr>
+            <p:cNvPr id="13" name="Arc 12"/>
+            <p:cNvSpPr/>
+            <p:nvPr/>
+          </p:nvSpPr>
+          <p:spPr>
+            <a:xfrm rot="18532473">
+              <a:off x="3067793" y="1146183"/>
+              <a:ext cx="1015716" cy="1061395"/>
+            </a:xfrm>
+            <a:prstGeom prst="arc">
+              <a:avLst/>
+            </a:prstGeom>
+            <a:ln w="57150" cmpd="sng">
+              <a:solidFill>
+                <a:schemeClr val="tx1"/>
+              </a:solidFill>
+            </a:ln>
+            <a:effectLst/>
+          </p:spPr>
+          <p:style>
+            <a:lnRef idx="2">
+              <a:schemeClr val="accent1"/>
+            </a:lnRef>
+            <a:fillRef idx="0">
+              <a:schemeClr val="accent1"/>
+            </a:fillRef>
+            <a:effectRef idx="1">
+              <a:schemeClr val="accent1"/>
+            </a:effectRef>
+            <a:fontRef idx="minor">
+              <a:schemeClr val="tx1"/>
+            </a:fontRef>
+          </p:style>
+          <p:txBody>
+            <a:bodyPr rtlCol="0" anchor="ctr"/>
+            <a:lstStyle/>
+            <a:p>
+              <a:pPr algn="ctr"/>
+              <a:endParaRPr lang="en-US"/>
+            </a:p>
+          </p:txBody>
+        </p:sp>
+        <p:sp>
+          <p:nvSpPr>
+            <p:cNvPr id="14" name="Arc 13"/>
+            <p:cNvSpPr/>
+            <p:nvPr/>
+          </p:nvSpPr>
+          <p:spPr>
+            <a:xfrm rot="3067527" flipH="1">
+              <a:off x="5231735" y="1146182"/>
+              <a:ext cx="1015716" cy="1061395"/>
+            </a:xfrm>
+            <a:prstGeom prst="arc">
+              <a:avLst/>
+            </a:prstGeom>
+            <a:ln w="57150" cmpd="sng">
+              <a:solidFill>
+                <a:schemeClr val="tx1"/>
+              </a:solidFill>
+            </a:ln>
+            <a:effectLst/>
+          </p:spPr>
+          <p:style>
+            <a:lnRef idx="2">
+              <a:schemeClr val="accent1"/>
+            </a:lnRef>
+            <a:fillRef idx="0">
+              <a:schemeClr val="accent1"/>
+            </a:fillRef>
+            <a:effectRef idx="1">
+              <a:schemeClr val="accent1"/>
+            </a:effectRef>
+            <a:fontRef idx="minor">
+              <a:schemeClr val="tx1"/>
+            </a:fontRef>
+          </p:style>
+          <p:txBody>
+            <a:bodyPr rtlCol="0" anchor="ctr"/>
+            <a:lstStyle/>
+            <a:p>
+              <a:pPr algn="ctr"/>
+              <a:endParaRPr lang="en-US"/>
+            </a:p>
+          </p:txBody>
+        </p:sp>
+      </p:grpSp>
+    </p:spTree>
+    <p:extLst>
+      <p:ext uri="{BB962C8B-B14F-4D97-AF65-F5344CB8AC3E}">
+        <p14:creationId xmlns:p14="http://schemas.microsoft.com/office/powerpoint/2010/main" val="3195970042"/>
+      </p:ext>
+    </p:extLst>
+  </p:cSld>
+  <p:clrMapOvr>
+    <a:masterClrMapping/>
+  </p:clrMapOvr>
+  <p:timing>
+    <p:tnLst>
+      <p:par>
+        <p:cTn xmlns:p14="http://schemas.microsoft.com/office/powerpoint/2010/main" id="1" dur="indefinite" restart="never" nodeType="tmRoot"/>
+      </p:par>
+    </p:tnLst>
+  </p:timing>
+</p:sld>
+</file>
+
+<file path=ppt/slides/slide50.xml><?xml version="1.0" encoding="utf-8"?>
 <p:sld xmlns:a="http://schemas.openxmlformats.org/drawingml/2006/main" xmlns:r="http://schemas.openxmlformats.org/officeDocument/2006/relationships" xmlns:p="http://schemas.openxmlformats.org/presentationml/2006/main">
   <p:cSld>
     <p:spTree>
@@ -23103,7 +27033,7 @@
 </p:sld>
 </file>
 
-<file path=ppt/slides/slide46.xml><?xml version="1.0" encoding="utf-8"?>
+<file path=ppt/slides/slide51.xml><?xml version="1.0" encoding="utf-8"?>
 <p:sld xmlns:a="http://schemas.openxmlformats.org/drawingml/2006/main" xmlns:r="http://schemas.openxmlformats.org/officeDocument/2006/relationships" xmlns:p="http://schemas.openxmlformats.org/presentationml/2006/main">
   <p:cSld>
     <p:spTree>
@@ -23597,7 +27527,7 @@
 </p:sld>
 </file>
 
-<file path=ppt/slides/slide47.xml><?xml version="1.0" encoding="utf-8"?>
+<file path=ppt/slides/slide52.xml><?xml version="1.0" encoding="utf-8"?>
 <p:sld xmlns:a="http://schemas.openxmlformats.org/drawingml/2006/main" xmlns:r="http://schemas.openxmlformats.org/officeDocument/2006/relationships" xmlns:p="http://schemas.openxmlformats.org/presentationml/2006/main">
   <p:cSld>
     <p:spTree>
@@ -24091,7 +28021,7 @@
 </p:sld>
 </file>
 
-<file path=ppt/slides/slide48.xml><?xml version="1.0" encoding="utf-8"?>
+<file path=ppt/slides/slide53.xml><?xml version="1.0" encoding="utf-8"?>
 <p:sld xmlns:a="http://schemas.openxmlformats.org/drawingml/2006/main" xmlns:r="http://schemas.openxmlformats.org/officeDocument/2006/relationships" xmlns:p="http://schemas.openxmlformats.org/presentationml/2006/main">
   <p:cSld>
     <p:spTree>
@@ -24585,7 +28515,7 @@
 </p:sld>
 </file>
 
-<file path=ppt/slides/slide49.xml><?xml version="1.0" encoding="utf-8"?>
+<file path=ppt/slides/slide54.xml><?xml version="1.0" encoding="utf-8"?>
 <p:sld xmlns:a="http://schemas.openxmlformats.org/drawingml/2006/main" xmlns:r="http://schemas.openxmlformats.org/officeDocument/2006/relationships" xmlns:p="http://schemas.openxmlformats.org/presentationml/2006/main">
   <p:cSld>
     <p:spTree>
@@ -25079,577 +29009,7 @@
 </p:sld>
 </file>
 
-<file path=ppt/slides/slide5.xml><?xml version="1.0" encoding="utf-8"?>
-<p:sld xmlns:a="http://schemas.openxmlformats.org/drawingml/2006/main" xmlns:r="http://schemas.openxmlformats.org/officeDocument/2006/relationships" xmlns:p="http://schemas.openxmlformats.org/presentationml/2006/main">
-  <p:cSld>
-    <p:spTree>
-      <p:nvGrpSpPr>
-        <p:cNvPr id="1" name=""/>
-        <p:cNvGrpSpPr/>
-        <p:nvPr/>
-      </p:nvGrpSpPr>
-      <p:grpSpPr>
-        <a:xfrm>
-          <a:off x="0" y="0"/>
-          <a:ext cx="0" cy="0"/>
-          <a:chOff x="0" y="0"/>
-          <a:chExt cx="0" cy="0"/>
-        </a:xfrm>
-      </p:grpSpPr>
-      <p:grpSp>
-        <p:nvGrpSpPr>
-          <p:cNvPr id="2" name="Group 1"/>
-          <p:cNvGrpSpPr/>
-          <p:nvPr/>
-        </p:nvGrpSpPr>
-        <p:grpSpPr>
-          <a:xfrm>
-            <a:off x="3108745" y="1483362"/>
-            <a:ext cx="3213618" cy="1168399"/>
-            <a:chOff x="3108745" y="1483362"/>
-            <a:chExt cx="3213618" cy="1168399"/>
-          </a:xfrm>
-        </p:grpSpPr>
-        <p:sp>
-          <p:nvSpPr>
-            <p:cNvPr id="3" name="Arc 2"/>
-            <p:cNvSpPr/>
-            <p:nvPr/>
-          </p:nvSpPr>
-          <p:spPr>
-            <a:xfrm rot="19099713">
-              <a:off x="5534842" y="1730541"/>
-              <a:ext cx="552941" cy="627136"/>
-            </a:xfrm>
-            <a:prstGeom prst="arc">
-              <a:avLst>
-                <a:gd name="adj1" fmla="val 13033844"/>
-                <a:gd name="adj2" fmla="val 0"/>
-              </a:avLst>
-            </a:prstGeom>
-            <a:ln w="57150" cmpd="sng">
-              <a:solidFill>
-                <a:schemeClr val="tx1"/>
-              </a:solidFill>
-            </a:ln>
-            <a:effectLst/>
-          </p:spPr>
-          <p:style>
-            <a:lnRef idx="2">
-              <a:schemeClr val="accent1"/>
-            </a:lnRef>
-            <a:fillRef idx="0">
-              <a:schemeClr val="accent1"/>
-            </a:fillRef>
-            <a:effectRef idx="1">
-              <a:schemeClr val="accent1"/>
-            </a:effectRef>
-            <a:fontRef idx="minor">
-              <a:schemeClr val="tx1"/>
-            </a:fontRef>
-          </p:style>
-          <p:txBody>
-            <a:bodyPr rot="0" spcFirstLastPara="0" vert="horz" wrap="square" lIns="91440" tIns="45720" rIns="91440" bIns="45720" numCol="1" spcCol="0" rtlCol="0" fromWordArt="0" anchor="ctr" anchorCtr="0" forceAA="0" compatLnSpc="1">
-              <a:prstTxWarp prst="textNoShape">
-                <a:avLst/>
-              </a:prstTxWarp>
-              <a:noAutofit/>
-            </a:bodyPr>
-            <a:lstStyle/>
-            <a:p>
-              <a:endParaRPr lang="en-US"/>
-            </a:p>
-          </p:txBody>
-        </p:sp>
-        <p:sp>
-          <p:nvSpPr>
-            <p:cNvPr id="4" name="Arc 3"/>
-            <p:cNvSpPr/>
-            <p:nvPr/>
-          </p:nvSpPr>
-          <p:spPr>
-            <a:xfrm rot="20904659">
-              <a:off x="5485971" y="1947381"/>
-              <a:ext cx="552941" cy="627136"/>
-            </a:xfrm>
-            <a:prstGeom prst="arc">
-              <a:avLst>
-                <a:gd name="adj1" fmla="val 13033844"/>
-                <a:gd name="adj2" fmla="val 18647106"/>
-              </a:avLst>
-            </a:prstGeom>
-            <a:ln w="57150" cmpd="sng">
-              <a:solidFill>
-                <a:schemeClr val="tx1"/>
-              </a:solidFill>
-            </a:ln>
-            <a:effectLst/>
-          </p:spPr>
-          <p:style>
-            <a:lnRef idx="2">
-              <a:schemeClr val="accent1"/>
-            </a:lnRef>
-            <a:fillRef idx="0">
-              <a:schemeClr val="accent1"/>
-            </a:fillRef>
-            <a:effectRef idx="1">
-              <a:schemeClr val="accent1"/>
-            </a:effectRef>
-            <a:fontRef idx="minor">
-              <a:schemeClr val="tx1"/>
-            </a:fontRef>
-          </p:style>
-          <p:txBody>
-            <a:bodyPr rot="0" spcFirstLastPara="0" vert="horz" wrap="square" lIns="91440" tIns="45720" rIns="91440" bIns="45720" numCol="1" spcCol="0" rtlCol="0" fromWordArt="0" anchor="ctr" anchorCtr="0" forceAA="0" compatLnSpc="1">
-              <a:prstTxWarp prst="textNoShape">
-                <a:avLst/>
-              </a:prstTxWarp>
-              <a:noAutofit/>
-            </a:bodyPr>
-            <a:lstStyle/>
-            <a:p>
-              <a:endParaRPr lang="en-US"/>
-            </a:p>
-          </p:txBody>
-        </p:sp>
-        <p:sp>
-          <p:nvSpPr>
-            <p:cNvPr id="5" name="Arc 4"/>
-            <p:cNvSpPr/>
-            <p:nvPr/>
-          </p:nvSpPr>
-          <p:spPr>
-            <a:xfrm rot="17805634">
-              <a:off x="5452601" y="1472049"/>
-              <a:ext cx="858450" cy="881075"/>
-            </a:xfrm>
-            <a:prstGeom prst="arc">
-              <a:avLst>
-                <a:gd name="adj1" fmla="val 13033844"/>
-                <a:gd name="adj2" fmla="val 0"/>
-              </a:avLst>
-            </a:prstGeom>
-            <a:ln w="57150" cmpd="sng">
-              <a:solidFill>
-                <a:schemeClr val="tx1"/>
-              </a:solidFill>
-            </a:ln>
-            <a:effectLst/>
-          </p:spPr>
-          <p:style>
-            <a:lnRef idx="2">
-              <a:schemeClr val="accent1"/>
-            </a:lnRef>
-            <a:fillRef idx="0">
-              <a:schemeClr val="accent1"/>
-            </a:fillRef>
-            <a:effectRef idx="1">
-              <a:schemeClr val="accent1"/>
-            </a:effectRef>
-            <a:fontRef idx="minor">
-              <a:schemeClr val="tx1"/>
-            </a:fontRef>
-          </p:style>
-          <p:txBody>
-            <a:bodyPr rot="0" spcFirstLastPara="0" vert="horz" wrap="square" lIns="91440" tIns="45720" rIns="91440" bIns="45720" numCol="1" spcCol="0" rtlCol="0" fromWordArt="0" anchor="ctr" anchorCtr="0" forceAA="0" compatLnSpc="1">
-              <a:prstTxWarp prst="textNoShape">
-                <a:avLst/>
-              </a:prstTxWarp>
-              <a:noAutofit/>
-            </a:bodyPr>
-            <a:lstStyle/>
-            <a:p>
-              <a:endParaRPr lang="en-US"/>
-            </a:p>
-          </p:txBody>
-        </p:sp>
-        <p:sp>
-          <p:nvSpPr>
-            <p:cNvPr id="6" name="Arc 5"/>
-            <p:cNvSpPr/>
-            <p:nvPr/>
-          </p:nvSpPr>
-          <p:spPr>
-            <a:xfrm rot="343102">
-              <a:off x="3295851" y="1763944"/>
-              <a:ext cx="552941" cy="709808"/>
-            </a:xfrm>
-            <a:prstGeom prst="arc">
-              <a:avLst>
-                <a:gd name="adj1" fmla="val 13033844"/>
-                <a:gd name="adj2" fmla="val 0"/>
-              </a:avLst>
-            </a:prstGeom>
-            <a:ln w="57150" cmpd="sng">
-              <a:solidFill>
-                <a:schemeClr val="tx1"/>
-              </a:solidFill>
-            </a:ln>
-            <a:effectLst/>
-          </p:spPr>
-          <p:style>
-            <a:lnRef idx="2">
-              <a:schemeClr val="accent1"/>
-            </a:lnRef>
-            <a:fillRef idx="0">
-              <a:schemeClr val="accent1"/>
-            </a:fillRef>
-            <a:effectRef idx="1">
-              <a:schemeClr val="accent1"/>
-            </a:effectRef>
-            <a:fontRef idx="minor">
-              <a:schemeClr val="tx1"/>
-            </a:fontRef>
-          </p:style>
-          <p:txBody>
-            <a:bodyPr rot="0" spcFirstLastPara="0" vert="horz" wrap="square" lIns="91440" tIns="45720" rIns="91440" bIns="45720" numCol="1" spcCol="0" rtlCol="0" fromWordArt="0" anchor="ctr" anchorCtr="0" forceAA="0" compatLnSpc="1">
-              <a:prstTxWarp prst="textNoShape">
-                <a:avLst/>
-              </a:prstTxWarp>
-              <a:noAutofit/>
-            </a:bodyPr>
-            <a:lstStyle/>
-            <a:p>
-              <a:endParaRPr lang="en-US"/>
-            </a:p>
-          </p:txBody>
-        </p:sp>
-        <p:sp>
-          <p:nvSpPr>
-            <p:cNvPr id="7" name="Arc 6"/>
-            <p:cNvSpPr/>
-            <p:nvPr/>
-          </p:nvSpPr>
-          <p:spPr>
-            <a:xfrm rot="787364">
-              <a:off x="3357916" y="2024625"/>
-              <a:ext cx="552941" cy="627136"/>
-            </a:xfrm>
-            <a:prstGeom prst="arc">
-              <a:avLst>
-                <a:gd name="adj1" fmla="val 13033844"/>
-                <a:gd name="adj2" fmla="val 18647106"/>
-              </a:avLst>
-            </a:prstGeom>
-            <a:ln w="57150" cmpd="sng">
-              <a:solidFill>
-                <a:schemeClr val="tx1"/>
-              </a:solidFill>
-            </a:ln>
-            <a:effectLst/>
-          </p:spPr>
-          <p:style>
-            <a:lnRef idx="2">
-              <a:schemeClr val="accent1"/>
-            </a:lnRef>
-            <a:fillRef idx="0">
-              <a:schemeClr val="accent1"/>
-            </a:fillRef>
-            <a:effectRef idx="1">
-              <a:schemeClr val="accent1"/>
-            </a:effectRef>
-            <a:fontRef idx="minor">
-              <a:schemeClr val="tx1"/>
-            </a:fontRef>
-          </p:style>
-          <p:txBody>
-            <a:bodyPr rot="0" spcFirstLastPara="0" vert="horz" wrap="square" lIns="91440" tIns="45720" rIns="91440" bIns="45720" numCol="1" spcCol="0" rtlCol="0" fromWordArt="0" anchor="ctr" anchorCtr="0" forceAA="0" compatLnSpc="1">
-              <a:prstTxWarp prst="textNoShape">
-                <a:avLst/>
-              </a:prstTxWarp>
-              <a:noAutofit/>
-            </a:bodyPr>
-            <a:lstStyle/>
-            <a:p>
-              <a:endParaRPr lang="en-US"/>
-            </a:p>
-          </p:txBody>
-        </p:sp>
-        <p:sp>
-          <p:nvSpPr>
-            <p:cNvPr id="8" name="Arc 7"/>
-            <p:cNvSpPr/>
-            <p:nvPr/>
-          </p:nvSpPr>
-          <p:spPr>
-            <a:xfrm rot="1377231">
-              <a:off x="3108745" y="1505908"/>
-              <a:ext cx="790314" cy="962834"/>
-            </a:xfrm>
-            <a:prstGeom prst="arc">
-              <a:avLst>
-                <a:gd name="adj1" fmla="val 12622909"/>
-                <a:gd name="adj2" fmla="val 0"/>
-              </a:avLst>
-            </a:prstGeom>
-            <a:ln w="57150" cmpd="sng">
-              <a:solidFill>
-                <a:schemeClr val="tx1"/>
-              </a:solidFill>
-            </a:ln>
-            <a:effectLst/>
-          </p:spPr>
-          <p:style>
-            <a:lnRef idx="2">
-              <a:schemeClr val="accent1"/>
-            </a:lnRef>
-            <a:fillRef idx="0">
-              <a:schemeClr val="accent1"/>
-            </a:fillRef>
-            <a:effectRef idx="1">
-              <a:schemeClr val="accent1"/>
-            </a:effectRef>
-            <a:fontRef idx="minor">
-              <a:schemeClr val="tx1"/>
-            </a:fontRef>
-          </p:style>
-          <p:txBody>
-            <a:bodyPr rot="0" spcFirstLastPara="0" vert="horz" wrap="square" lIns="91440" tIns="45720" rIns="91440" bIns="45720" numCol="1" spcCol="0" rtlCol="0" fromWordArt="0" anchor="ctr" anchorCtr="0" forceAA="0" compatLnSpc="1">
-              <a:prstTxWarp prst="textNoShape">
-                <a:avLst/>
-              </a:prstTxWarp>
-              <a:noAutofit/>
-            </a:bodyPr>
-            <a:lstStyle/>
-            <a:p>
-              <a:endParaRPr lang="en-US"/>
-            </a:p>
-          </p:txBody>
-        </p:sp>
-      </p:grpSp>
-      <p:grpSp>
-        <p:nvGrpSpPr>
-          <p:cNvPr id="9" name="Group 8"/>
-          <p:cNvGrpSpPr/>
-          <p:nvPr/>
-        </p:nvGrpSpPr>
-        <p:grpSpPr>
-          <a:xfrm>
-            <a:off x="1989320" y="2001520"/>
-            <a:ext cx="5384434" cy="2336800"/>
-            <a:chOff x="2021693" y="2062480"/>
-            <a:chExt cx="5384434" cy="2336800"/>
-          </a:xfrm>
-        </p:grpSpPr>
-        <p:sp>
-          <p:nvSpPr>
-            <p:cNvPr id="10" name="Arc 9"/>
-            <p:cNvSpPr/>
-            <p:nvPr/>
-          </p:nvSpPr>
-          <p:spPr>
-            <a:xfrm flipV="1">
-              <a:off x="2021693" y="2062480"/>
-              <a:ext cx="5384434" cy="2011680"/>
-            </a:xfrm>
-            <a:prstGeom prst="arc">
-              <a:avLst>
-                <a:gd name="adj1" fmla="val 12065474"/>
-                <a:gd name="adj2" fmla="val 20277832"/>
-              </a:avLst>
-            </a:prstGeom>
-            <a:ln w="57150" cap="rnd" cmpd="sng">
-              <a:solidFill>
-                <a:schemeClr val="tx1"/>
-              </a:solidFill>
-            </a:ln>
-            <a:effectLst/>
-          </p:spPr>
-          <p:style>
-            <a:lnRef idx="2">
-              <a:schemeClr val="accent1"/>
-            </a:lnRef>
-            <a:fillRef idx="0">
-              <a:schemeClr val="accent1"/>
-            </a:fillRef>
-            <a:effectRef idx="1">
-              <a:schemeClr val="accent1"/>
-            </a:effectRef>
-            <a:fontRef idx="minor">
-              <a:schemeClr val="tx1"/>
-            </a:fontRef>
-          </p:style>
-          <p:txBody>
-            <a:bodyPr rtlCol="0" anchor="ctr"/>
-            <a:lstStyle/>
-            <a:p>
-              <a:pPr algn="ctr"/>
-              <a:endParaRPr lang="en-US"/>
-            </a:p>
-          </p:txBody>
-        </p:sp>
-        <p:sp>
-          <p:nvSpPr>
-            <p:cNvPr id="11" name="Arc 10"/>
-            <p:cNvSpPr/>
-            <p:nvPr/>
-          </p:nvSpPr>
-          <p:spPr>
-            <a:xfrm flipV="1">
-              <a:off x="2722685" y="2550160"/>
-              <a:ext cx="3968061" cy="1849120"/>
-            </a:xfrm>
-            <a:prstGeom prst="arc">
-              <a:avLst>
-                <a:gd name="adj1" fmla="val 11378229"/>
-                <a:gd name="adj2" fmla="val 20994250"/>
-              </a:avLst>
-            </a:prstGeom>
-            <a:ln w="57150" cap="rnd" cmpd="sng">
-              <a:solidFill>
-                <a:schemeClr val="tx1"/>
-              </a:solidFill>
-            </a:ln>
-            <a:effectLst/>
-          </p:spPr>
-          <p:style>
-            <a:lnRef idx="2">
-              <a:schemeClr val="accent1"/>
-            </a:lnRef>
-            <a:fillRef idx="0">
-              <a:schemeClr val="accent1"/>
-            </a:fillRef>
-            <a:effectRef idx="1">
-              <a:schemeClr val="accent1"/>
-            </a:effectRef>
-            <a:fontRef idx="minor">
-              <a:schemeClr val="tx1"/>
-            </a:fontRef>
-          </p:style>
-          <p:txBody>
-            <a:bodyPr rtlCol="0" anchor="ctr"/>
-            <a:lstStyle/>
-            <a:p>
-              <a:pPr algn="ctr"/>
-              <a:endParaRPr lang="en-US"/>
-            </a:p>
-          </p:txBody>
-        </p:sp>
-      </p:grpSp>
-      <p:grpSp>
-        <p:nvGrpSpPr>
-          <p:cNvPr id="12" name="Group 11"/>
-          <p:cNvGrpSpPr/>
-          <p:nvPr/>
-        </p:nvGrpSpPr>
-        <p:grpSpPr>
-          <a:xfrm>
-            <a:off x="3068869" y="1169022"/>
-            <a:ext cx="3225337" cy="1015717"/>
-            <a:chOff x="3044953" y="1169022"/>
-            <a:chExt cx="3225337" cy="1015717"/>
-          </a:xfrm>
-        </p:grpSpPr>
-        <p:sp>
-          <p:nvSpPr>
-            <p:cNvPr id="13" name="Arc 12"/>
-            <p:cNvSpPr/>
-            <p:nvPr/>
-          </p:nvSpPr>
-          <p:spPr>
-            <a:xfrm rot="18532473">
-              <a:off x="3067793" y="1146183"/>
-              <a:ext cx="1015716" cy="1061395"/>
-            </a:xfrm>
-            <a:prstGeom prst="arc">
-              <a:avLst/>
-            </a:prstGeom>
-            <a:ln w="57150" cmpd="sng">
-              <a:solidFill>
-                <a:schemeClr val="tx1"/>
-              </a:solidFill>
-            </a:ln>
-            <a:effectLst/>
-          </p:spPr>
-          <p:style>
-            <a:lnRef idx="2">
-              <a:schemeClr val="accent1"/>
-            </a:lnRef>
-            <a:fillRef idx="0">
-              <a:schemeClr val="accent1"/>
-            </a:fillRef>
-            <a:effectRef idx="1">
-              <a:schemeClr val="accent1"/>
-            </a:effectRef>
-            <a:fontRef idx="minor">
-              <a:schemeClr val="tx1"/>
-            </a:fontRef>
-          </p:style>
-          <p:txBody>
-            <a:bodyPr rtlCol="0" anchor="ctr"/>
-            <a:lstStyle/>
-            <a:p>
-              <a:pPr algn="ctr"/>
-              <a:endParaRPr lang="en-US"/>
-            </a:p>
-          </p:txBody>
-        </p:sp>
-        <p:sp>
-          <p:nvSpPr>
-            <p:cNvPr id="14" name="Arc 13"/>
-            <p:cNvSpPr/>
-            <p:nvPr/>
-          </p:nvSpPr>
-          <p:spPr>
-            <a:xfrm rot="3067527" flipH="1">
-              <a:off x="5231735" y="1146182"/>
-              <a:ext cx="1015716" cy="1061395"/>
-            </a:xfrm>
-            <a:prstGeom prst="arc">
-              <a:avLst/>
-            </a:prstGeom>
-            <a:ln w="57150" cmpd="sng">
-              <a:solidFill>
-                <a:schemeClr val="tx1"/>
-              </a:solidFill>
-            </a:ln>
-            <a:effectLst/>
-          </p:spPr>
-          <p:style>
-            <a:lnRef idx="2">
-              <a:schemeClr val="accent1"/>
-            </a:lnRef>
-            <a:fillRef idx="0">
-              <a:schemeClr val="accent1"/>
-            </a:fillRef>
-            <a:effectRef idx="1">
-              <a:schemeClr val="accent1"/>
-            </a:effectRef>
-            <a:fontRef idx="minor">
-              <a:schemeClr val="tx1"/>
-            </a:fontRef>
-          </p:style>
-          <p:txBody>
-            <a:bodyPr rtlCol="0" anchor="ctr"/>
-            <a:lstStyle/>
-            <a:p>
-              <a:pPr algn="ctr"/>
-              <a:endParaRPr lang="en-US"/>
-            </a:p>
-          </p:txBody>
-        </p:sp>
-      </p:grpSp>
-    </p:spTree>
-    <p:extLst>
-      <p:ext uri="{BB962C8B-B14F-4D97-AF65-F5344CB8AC3E}">
-        <p14:creationId xmlns:p14="http://schemas.microsoft.com/office/powerpoint/2010/main" val="3195970042"/>
-      </p:ext>
-    </p:extLst>
-  </p:cSld>
-  <p:clrMapOvr>
-    <a:masterClrMapping/>
-  </p:clrMapOvr>
-  <p:timing>
-    <p:tnLst>
-      <p:par>
-        <p:cTn xmlns:p14="http://schemas.microsoft.com/office/powerpoint/2010/main" id="1" dur="indefinite" restart="never" nodeType="tmRoot"/>
-      </p:par>
-    </p:tnLst>
-  </p:timing>
-</p:sld>
-</file>
-
-<file path=ppt/slides/slide50.xml><?xml version="1.0" encoding="utf-8"?>
+<file path=ppt/slides/slide55.xml><?xml version="1.0" encoding="utf-8"?>
 <p:sld xmlns:a="http://schemas.openxmlformats.org/drawingml/2006/main" xmlns:r="http://schemas.openxmlformats.org/officeDocument/2006/relationships" xmlns:p="http://schemas.openxmlformats.org/presentationml/2006/main">
   <p:cSld>
     <p:spTree>
@@ -26253,7 +29613,7 @@
 </p:sld>
 </file>
 
-<file path=ppt/slides/slide51.xml><?xml version="1.0" encoding="utf-8"?>
+<file path=ppt/slides/slide56.xml><?xml version="1.0" encoding="utf-8"?>
 <p:sld xmlns:a="http://schemas.openxmlformats.org/drawingml/2006/main" xmlns:r="http://schemas.openxmlformats.org/officeDocument/2006/relationships" xmlns:p="http://schemas.openxmlformats.org/presentationml/2006/main">
   <p:cSld>
     <p:spTree>
@@ -26612,7 +29972,7 @@
 </p:sld>
 </file>
 
-<file path=ppt/slides/slide52.xml><?xml version="1.0" encoding="utf-8"?>
+<file path=ppt/slides/slide57.xml><?xml version="1.0" encoding="utf-8"?>
 <p:sld xmlns:a="http://schemas.openxmlformats.org/drawingml/2006/main" xmlns:r="http://schemas.openxmlformats.org/officeDocument/2006/relationships" xmlns:p="http://schemas.openxmlformats.org/presentationml/2006/main">
   <p:cSld>
     <p:spTree>
